--- a/pre/dum_pre.pptx
+++ b/pre/dum_pre.pptx
@@ -8,7 +8,7 @@
     <p:notesMasterId r:id="rId4"/>
   </p:notesMasterIdLst>
   <p:handoutMasterIdLst>
-    <p:handoutMasterId r:id="rId21"/>
+    <p:handoutMasterId r:id="rId26"/>
   </p:handoutMasterIdLst>
   <p:sldIdLst>
     <p:sldId id="256" r:id="rId3"/>
@@ -21,13 +21,18 @@
     <p:sldId id="1908" r:id="rId11"/>
     <p:sldId id="1912" r:id="rId12"/>
     <p:sldId id="1913" r:id="rId13"/>
-    <p:sldId id="1922" r:id="rId14"/>
-    <p:sldId id="1909" r:id="rId15"/>
-    <p:sldId id="1911" r:id="rId16"/>
-    <p:sldId id="1918" r:id="rId17"/>
-    <p:sldId id="1917" r:id="rId18"/>
-    <p:sldId id="1936" r:id="rId19"/>
-    <p:sldId id="1828" r:id="rId20"/>
+    <p:sldId id="1962" r:id="rId14"/>
+    <p:sldId id="1964" r:id="rId15"/>
+    <p:sldId id="1966" r:id="rId16"/>
+    <p:sldId id="1922" r:id="rId17"/>
+    <p:sldId id="1953" r:id="rId18"/>
+    <p:sldId id="1909" r:id="rId19"/>
+    <p:sldId id="1955" r:id="rId20"/>
+    <p:sldId id="1954" r:id="rId21"/>
+    <p:sldId id="1911" r:id="rId22"/>
+    <p:sldId id="1918" r:id="rId23"/>
+    <p:sldId id="1917" r:id="rId24"/>
+    <p:sldId id="1828" r:id="rId25"/>
   </p:sldIdLst>
   <p:sldSz cx="12192000" cy="6858000"/>
   <p:notesSz cx="6858000" cy="9144000"/>
@@ -1122,6 +1127,50 @@
               <a:rPr lang="en-US" altLang="zh-CN" smtClean="0"/>
             </a:fld>
             <a:endParaRPr lang="en-US" altLang="zh-CN"/>
+          </a:p>
+        </p:txBody>
+      </p:sp>
+    </p:spTree>
+  </p:cSld>
+  <p:clrMapOvr>
+    <a:masterClrMapping/>
+  </p:clrMapOvr>
+</p:notes>
+</file>
+
+<file path=ppt/notesSlides/notesSlide6.xml><?xml version="1.0" encoding="utf-8"?>
+<p:notes xmlns:a="http://schemas.openxmlformats.org/drawingml/2006/main" xmlns:r="http://schemas.openxmlformats.org/officeDocument/2006/relationships" xmlns:p="http://schemas.openxmlformats.org/presentationml/2006/main">
+  <p:cSld>
+    <p:spTree>
+      <p:nvGrpSpPr>
+        <p:cNvPr id="1" name=""/>
+        <p:cNvGrpSpPr/>
+        <p:nvPr/>
+      </p:nvGrpSpPr>
+      <p:grpSpPr/>
+      <p:sp>
+        <p:nvSpPr>
+          <p:cNvPr id="2" name="幻灯片图像占位符 1"/>
+          <p:cNvSpPr/>
+          <p:nvPr>
+            <p:ph type="sldImg" idx="2"/>
+          </p:nvPr>
+        </p:nvSpPr>
+        <p:spPr/>
+      </p:sp>
+      <p:sp>
+        <p:nvSpPr>
+          <p:cNvPr id="3" name="文本占位符 2"/>
+          <p:cNvSpPr/>
+          <p:nvPr>
+            <p:ph type="body" idx="3"/>
+          </p:nvPr>
+        </p:nvSpPr>
+        <p:spPr/>
+        <p:txBody>
+          <a:bodyPr/>
+          <a:p>
+            <a:endParaRPr lang="zh-CN" altLang="en-US"/>
           </a:p>
         </p:txBody>
       </p:sp>
@@ -3762,7 +3811,7 @@
           <a:p>
             <a:r>
               <a:rPr lang="zh-CN" altLang="en-US" sz="3600" b="1" dirty="0"/>
-              <a:t>基于表示学习的卷积神经网络模型不确定性的研究</a:t>
+              <a:t>基于高维特征概率密度建模的不确定性的研究</a:t>
             </a:r>
             <a:endParaRPr lang="zh-CN" altLang="en-US" sz="3600" b="1" dirty="0"/>
           </a:p>
@@ -4147,8 +4196,9 @@
           </a:bodyPr>
           <a:lstStyle/>
           <a:p>
-            <a:pPr algn="l" defTabSz="914400">
-              <a:defRPr/>
+            <a:pPr marL="0" indent="0" algn="l">
+              <a:buFont typeface="Wingdings" panose="05000000000000000000" charset="0"/>
+              <a:buNone/>
             </a:pPr>
             <a:r>
               <a:rPr lang="en-US" altLang="zh-CN" sz="2800" b="1" dirty="0">
@@ -4179,8 +4229,8 @@
         </p:nvSpPr>
         <p:spPr>
           <a:xfrm>
-            <a:off x="442595" y="1336675"/>
-            <a:ext cx="10592435" cy="645160"/>
+            <a:off x="442595" y="1341120"/>
+            <a:ext cx="10592435" cy="1476375"/>
           </a:xfrm>
           <a:prstGeom prst="rect">
             <a:avLst/>
@@ -4198,15 +4248,70 @@
             </a:pPr>
             <a:r>
               <a:rPr lang="zh-CN"/>
-              <a:t>对抗样本</a:t>
+              <a:t>实验</a:t>
             </a:r>
             <a:r>
               <a:rPr lang="en-US" altLang="zh-CN"/>
-              <a:t>: FGSM</a:t>
+              <a:t>: </a:t>
             </a:r>
             <a:r>
               <a:rPr lang="zh-CN" altLang="en-US"/>
-              <a:t>攻击</a:t>
+              <a:t>统计关于输入的梯度范数，</a:t>
+            </a:r>
+            <a:r>
+              <a:rPr lang="zh-CN" altLang="en-US">
+                <a:sym typeface="+mn-ea"/>
+              </a:rPr>
+              <a:t>作为</a:t>
+            </a:r>
+            <a:r>
+              <a:rPr lang="en-US" altLang="zh-CN">
+                <a:sym typeface="+mn-ea"/>
+              </a:rPr>
+              <a:t>uncertainty</a:t>
+            </a:r>
+            <a:r>
+              <a:rPr lang="zh-CN" altLang="en-US">
+                <a:sym typeface="+mn-ea"/>
+              </a:rPr>
+              <a:t>度量</a:t>
+            </a:r>
+            <a:endParaRPr lang="zh-CN" altLang="en-US"/>
+          </a:p>
+          <a:p>
+            <a:pPr marL="742950" lvl="1" indent="-285750">
+              <a:buFont typeface="Wingdings" panose="05000000000000000000" charset="0"/>
+              <a:buChar char=""/>
+            </a:pPr>
+            <a:r>
+              <a:rPr lang="zh-CN" altLang="en-US"/>
+              <a:t>gradient = images.grad.data</a:t>
+            </a:r>
+            <a:endParaRPr lang="zh-CN" altLang="en-US"/>
+          </a:p>
+          <a:p>
+            <a:pPr marL="742950" lvl="1" indent="-285750">
+              <a:buFont typeface="Wingdings" panose="05000000000000000000" charset="0"/>
+              <a:buChar char=""/>
+            </a:pPr>
+            <a:r>
+              <a:rPr lang="zh-CN" altLang="en-US"/>
+              <a:t>gradient_norms = torch.norm(gradient, p=norm, dim=(1, 2, 3))</a:t>
+            </a:r>
+            <a:endParaRPr lang="zh-CN" altLang="en-US"/>
+          </a:p>
+          <a:p>
+            <a:pPr marL="285750" indent="-285750">
+              <a:buFont typeface="Wingdings" panose="05000000000000000000" charset="0"/>
+              <a:buChar char=""/>
+            </a:pPr>
+            <a:r>
+              <a:rPr lang="zh-CN"/>
+              <a:t>设置：</a:t>
+            </a:r>
+            <a:r>
+              <a:rPr lang="en-US" altLang="zh-CN"/>
+              <a:t> resnet50, cifar10 vs svhn</a:t>
             </a:r>
             <a:endParaRPr lang="zh-CN"/>
           </a:p>
@@ -4221,14 +4326,14 @@
       </p:sp>
       <p:sp>
         <p:nvSpPr>
-          <p:cNvPr id="10" name="文本框 9"/>
+          <p:cNvPr id="8" name="文本框 7"/>
           <p:cNvSpPr txBox="1"/>
           <p:nvPr/>
         </p:nvSpPr>
         <p:spPr>
           <a:xfrm>
-            <a:off x="442595" y="3744595"/>
-            <a:ext cx="10592435" cy="645160"/>
+            <a:off x="304800" y="3279140"/>
+            <a:ext cx="1173480" cy="368300"/>
           </a:xfrm>
           <a:prstGeom prst="rect">
             <a:avLst/>
@@ -4240,121 +4345,125 @@
             <a:spAutoFit/>
           </a:bodyPr>
           <a:p>
-            <a:pPr marL="285750" indent="-285750">
-              <a:buFont typeface="Wingdings" panose="05000000000000000000" charset="0"/>
-              <a:buChar char=""/>
-            </a:pPr>
             <a:r>
               <a:rPr lang="en-US" altLang="zh-CN"/>
-              <a:t>input perturbation</a:t>
-            </a:r>
-            <a:endParaRPr lang="zh-CN"/>
-          </a:p>
-          <a:p>
-            <a:pPr marL="628650" lvl="2" indent="-285750">
-              <a:buFont typeface="Wingdings" panose="05000000000000000000" charset="0"/>
-              <a:buChar char=""/>
-            </a:pPr>
-            <a:endParaRPr lang="en-US"/>
+              <a:t>:</a:t>
+            </a:r>
+            <a:endParaRPr lang="en-US" altLang="zh-CN"/>
           </a:p>
         </p:txBody>
       </p:sp>
-      <p:pic>
-        <p:nvPicPr>
-          <p:cNvPr id="12" name="图片 11"/>
-          <p:cNvPicPr>
-            <a:picLocks noChangeAspect="1"/>
-          </p:cNvPicPr>
+      <p:grpSp>
+        <p:nvGrpSpPr>
+          <p:cNvPr id="13" name="组合 12"/>
+          <p:cNvGrpSpPr/>
           <p:nvPr/>
-        </p:nvPicPr>
-        <p:blipFill>
-          <a:blip r:embed="rId1"/>
-          <a:stretch>
-            <a:fillRect/>
-          </a:stretch>
-        </p:blipFill>
-        <p:spPr>
-          <a:xfrm>
-            <a:off x="1189355" y="2453640"/>
-            <a:ext cx="5507990" cy="480695"/>
-          </a:xfrm>
-          <a:prstGeom prst="rect">
-            <a:avLst/>
-          </a:prstGeom>
-        </p:spPr>
-      </p:pic>
-      <p:pic>
-        <p:nvPicPr>
-          <p:cNvPr id="13" name="图片 12"/>
-          <p:cNvPicPr>
-            <a:picLocks noChangeAspect="1"/>
-          </p:cNvPicPr>
-          <p:nvPr/>
-        </p:nvPicPr>
-        <p:blipFill>
-          <a:blip r:embed="rId2"/>
-          <a:stretch>
-            <a:fillRect/>
-          </a:stretch>
-        </p:blipFill>
-        <p:spPr>
-          <a:xfrm>
-            <a:off x="1189355" y="4573270"/>
-            <a:ext cx="5289550" cy="550545"/>
-          </a:xfrm>
-          <a:prstGeom prst="rect">
-            <a:avLst/>
-          </a:prstGeom>
-        </p:spPr>
-      </p:pic>
-      <p:pic>
-        <p:nvPicPr>
-          <p:cNvPr id="14" name="图片 13"/>
-          <p:cNvPicPr>
-            <a:picLocks noChangeAspect="1"/>
-          </p:cNvPicPr>
-          <p:nvPr/>
-        </p:nvPicPr>
-        <p:blipFill>
-          <a:blip r:embed="rId3"/>
-          <a:stretch>
-            <a:fillRect/>
-          </a:stretch>
-        </p:blipFill>
-        <p:spPr>
-          <a:xfrm>
-            <a:off x="6478905" y="1811020"/>
-            <a:ext cx="5443220" cy="2030095"/>
-          </a:xfrm>
-          <a:prstGeom prst="rect">
-            <a:avLst/>
-          </a:prstGeom>
-        </p:spPr>
-      </p:pic>
-      <p:pic>
-        <p:nvPicPr>
-          <p:cNvPr id="11" name="图片 10"/>
-          <p:cNvPicPr>
-            <a:picLocks noChangeAspect="1"/>
-          </p:cNvPicPr>
-          <p:nvPr/>
-        </p:nvPicPr>
-        <p:blipFill>
-          <a:blip r:embed="rId4"/>
-          <a:stretch>
-            <a:fillRect/>
-          </a:stretch>
-        </p:blipFill>
-        <p:spPr>
-          <a:xfrm>
-            <a:off x="7486650" y="4051300"/>
-            <a:ext cx="3427095" cy="2513965"/>
-          </a:xfrm>
-          <a:prstGeom prst="rect">
-            <a:avLst/>
-          </a:prstGeom>
-        </p:spPr>
-      </p:pic>
+        </p:nvGrpSpPr>
+        <p:grpSpPr>
+          <a:xfrm>
+            <a:off x="2164715" y="2581910"/>
+            <a:ext cx="6257290" cy="3950970"/>
+            <a:chOff x="3082" y="4050"/>
+            <a:chExt cx="9854" cy="6222"/>
+          </a:xfrm>
+        </p:grpSpPr>
+        <p:pic>
+          <p:nvPicPr>
+            <p:cNvPr id="9" name="图片 8"/>
+            <p:cNvPicPr>
+              <a:picLocks noChangeAspect="1"/>
+            </p:cNvPicPr>
+            <p:nvPr/>
+          </p:nvPicPr>
+          <p:blipFill>
+            <a:blip r:embed="rId1"/>
+            <a:stretch>
+              <a:fillRect/>
+            </a:stretch>
+          </p:blipFill>
+          <p:spPr>
+            <a:xfrm>
+              <a:off x="3082" y="4159"/>
+              <a:ext cx="4694" cy="3178"/>
+            </a:xfrm>
+            <a:prstGeom prst="rect">
+              <a:avLst/>
+            </a:prstGeom>
+          </p:spPr>
+        </p:pic>
+        <p:pic>
+          <p:nvPicPr>
+            <p:cNvPr id="10" name="图片 9"/>
+            <p:cNvPicPr>
+              <a:picLocks noChangeAspect="1"/>
+            </p:cNvPicPr>
+            <p:nvPr/>
+          </p:nvPicPr>
+          <p:blipFill>
+            <a:blip r:embed="rId2"/>
+            <a:stretch>
+              <a:fillRect/>
+            </a:stretch>
+          </p:blipFill>
+          <p:spPr>
+            <a:xfrm>
+              <a:off x="8530" y="4050"/>
+              <a:ext cx="4406" cy="3133"/>
+            </a:xfrm>
+            <a:prstGeom prst="rect">
+              <a:avLst/>
+            </a:prstGeom>
+          </p:spPr>
+        </p:pic>
+        <p:pic>
+          <p:nvPicPr>
+            <p:cNvPr id="11" name="图片 10"/>
+            <p:cNvPicPr>
+              <a:picLocks noChangeAspect="1"/>
+            </p:cNvPicPr>
+            <p:nvPr/>
+          </p:nvPicPr>
+          <p:blipFill>
+            <a:blip r:embed="rId3"/>
+            <a:stretch>
+              <a:fillRect/>
+            </a:stretch>
+          </p:blipFill>
+          <p:spPr>
+            <a:xfrm>
+              <a:off x="3188" y="7308"/>
+              <a:ext cx="4482" cy="2964"/>
+            </a:xfrm>
+            <a:prstGeom prst="rect">
+              <a:avLst/>
+            </a:prstGeom>
+          </p:spPr>
+        </p:pic>
+        <p:pic>
+          <p:nvPicPr>
+            <p:cNvPr id="12" name="图片 11"/>
+            <p:cNvPicPr>
+              <a:picLocks noChangeAspect="1"/>
+            </p:cNvPicPr>
+            <p:nvPr/>
+          </p:nvPicPr>
+          <p:blipFill>
+            <a:blip r:embed="rId4"/>
+            <a:stretch>
+              <a:fillRect/>
+            </a:stretch>
+          </p:blipFill>
+          <p:spPr>
+            <a:xfrm>
+              <a:off x="8530" y="7183"/>
+              <a:ext cx="4269" cy="3089"/>
+            </a:xfrm>
+            <a:prstGeom prst="rect">
+              <a:avLst/>
+            </a:prstGeom>
+          </p:spPr>
+        </p:pic>
+      </p:grpSp>
     </p:spTree>
   </p:cSld>
   <p:clrMapOvr>
@@ -4378,6 +4487,12 @@
 <file path=ppt/slides/slide12.xml><?xml version="1.0" encoding="utf-8"?>
 <p:sld xmlns:a="http://schemas.openxmlformats.org/drawingml/2006/main" xmlns:r="http://schemas.openxmlformats.org/officeDocument/2006/relationships" xmlns:p="http://schemas.openxmlformats.org/presentationml/2006/main">
   <p:cSld>
+    <p:bg>
+      <p:bgPr>
+        <a:noFill/>
+        <a:effectLst/>
+      </p:bgPr>
+    </p:bg>
     <p:spTree>
       <p:nvGrpSpPr>
         <p:cNvPr id="1" name=""/>
@@ -4447,7 +4562,7 @@
         <p:spPr>
           <a:xfrm>
             <a:off x="442595" y="1341120"/>
-            <a:ext cx="10592435" cy="645160"/>
+            <a:ext cx="10592435" cy="1476375"/>
           </a:xfrm>
           <a:prstGeom prst="rect">
             <a:avLst/>
@@ -4465,17 +4580,70 @@
             </a:pPr>
             <a:r>
               <a:rPr lang="zh-CN"/>
-              <a:t>加入</a:t>
+              <a:t>实验</a:t>
             </a:r>
             <a:r>
               <a:rPr lang="en-US" altLang="zh-CN"/>
-              <a:t>input purturbation</a:t>
+              <a:t>: </a:t>
+            </a:r>
+            <a:r>
+              <a:rPr lang="zh-CN" altLang="en-US"/>
+              <a:t>统计关于输入的梯度范数，</a:t>
             </a:r>
             <a:r>
               <a:rPr lang="zh-CN" altLang="en-US">
                 <a:sym typeface="+mn-ea"/>
               </a:rPr>
-              <a:t>实验结果</a:t>
+              <a:t>作为</a:t>
+            </a:r>
+            <a:r>
+              <a:rPr lang="en-US" altLang="zh-CN">
+                <a:sym typeface="+mn-ea"/>
+              </a:rPr>
+              <a:t>uncertainty</a:t>
+            </a:r>
+            <a:r>
+              <a:rPr lang="zh-CN" altLang="en-US">
+                <a:sym typeface="+mn-ea"/>
+              </a:rPr>
+              <a:t>度量</a:t>
+            </a:r>
+            <a:endParaRPr lang="zh-CN" altLang="en-US"/>
+          </a:p>
+          <a:p>
+            <a:pPr marL="742950" lvl="1" indent="-285750">
+              <a:buFont typeface="Wingdings" panose="05000000000000000000" charset="0"/>
+              <a:buChar char=""/>
+            </a:pPr>
+            <a:r>
+              <a:rPr lang="zh-CN" altLang="en-US"/>
+              <a:t>gradient = images.grad.data</a:t>
+            </a:r>
+            <a:endParaRPr lang="zh-CN" altLang="en-US"/>
+          </a:p>
+          <a:p>
+            <a:pPr marL="742950" lvl="1" indent="-285750">
+              <a:buFont typeface="Wingdings" panose="05000000000000000000" charset="0"/>
+              <a:buChar char=""/>
+            </a:pPr>
+            <a:r>
+              <a:rPr lang="zh-CN" altLang="en-US"/>
+              <a:t>gradient_norms = torch.norm(gradient, p=norm, dim=(1, 2, 3))</a:t>
+            </a:r>
+            <a:endParaRPr lang="zh-CN" altLang="en-US"/>
+          </a:p>
+          <a:p>
+            <a:pPr marL="285750" indent="-285750">
+              <a:buFont typeface="Wingdings" panose="05000000000000000000" charset="0"/>
+              <a:buChar char=""/>
+            </a:pPr>
+            <a:r>
+              <a:rPr lang="zh-CN"/>
+              <a:t>设置：</a:t>
+            </a:r>
+            <a:r>
+              <a:rPr lang="en-US" altLang="zh-CN"/>
+              <a:t> vgg16 , cifar10 vs svhn</a:t>
             </a:r>
             <a:endParaRPr lang="zh-CN"/>
           </a:p>
@@ -4517,54 +4685,132 @@
           </a:p>
         </p:txBody>
       </p:sp>
-      <p:pic>
-        <p:nvPicPr>
-          <p:cNvPr id="3" name="图片 2"/>
-          <p:cNvPicPr>
-            <a:picLocks noChangeAspect="1"/>
-          </p:cNvPicPr>
+      <p:grpSp>
+        <p:nvGrpSpPr>
+          <p:cNvPr id="18" name="组合 17"/>
+          <p:cNvGrpSpPr/>
           <p:nvPr/>
-        </p:nvPicPr>
-        <p:blipFill>
-          <a:blip r:embed="rId1"/>
-          <a:stretch>
-            <a:fillRect/>
-          </a:stretch>
-        </p:blipFill>
-        <p:spPr>
-          <a:xfrm>
-            <a:off x="707390" y="2576830"/>
-            <a:ext cx="6397625" cy="3466465"/>
-          </a:xfrm>
-          <a:prstGeom prst="rect">
-            <a:avLst/>
-          </a:prstGeom>
-        </p:spPr>
-      </p:pic>
-      <p:pic>
-        <p:nvPicPr>
-          <p:cNvPr id="2" name="图片 1"/>
-          <p:cNvPicPr>
-            <a:picLocks noChangeAspect="1"/>
-          </p:cNvPicPr>
-          <p:nvPr/>
-        </p:nvPicPr>
-        <p:blipFill>
-          <a:blip r:embed="rId2"/>
-          <a:stretch>
-            <a:fillRect/>
-          </a:stretch>
-        </p:blipFill>
-        <p:spPr>
-          <a:xfrm>
-            <a:off x="7570470" y="1442720"/>
-            <a:ext cx="3901440" cy="4970145"/>
-          </a:xfrm>
-          <a:prstGeom prst="rect">
-            <a:avLst/>
-          </a:prstGeom>
-        </p:spPr>
-      </p:pic>
+        </p:nvGrpSpPr>
+        <p:grpSpPr>
+          <a:xfrm>
+            <a:off x="2195830" y="2606040"/>
+            <a:ext cx="5740400" cy="3903345"/>
+            <a:chOff x="2428" y="3972"/>
+            <a:chExt cx="9040" cy="6147"/>
+          </a:xfrm>
+        </p:grpSpPr>
+        <p:pic>
+          <p:nvPicPr>
+            <p:cNvPr id="12" name="图片 11"/>
+            <p:cNvPicPr>
+              <a:picLocks noChangeAspect="1"/>
+            </p:cNvPicPr>
+            <p:nvPr/>
+          </p:nvPicPr>
+          <p:blipFill>
+            <a:blip r:embed="rId1"/>
+            <a:stretch>
+              <a:fillRect/>
+            </a:stretch>
+          </p:blipFill>
+          <p:spPr>
+            <a:xfrm>
+              <a:off x="6903" y="6928"/>
+              <a:ext cx="4337" cy="3191"/>
+            </a:xfrm>
+            <a:prstGeom prst="rect">
+              <a:avLst/>
+            </a:prstGeom>
+          </p:spPr>
+        </p:pic>
+        <p:grpSp>
+          <p:nvGrpSpPr>
+            <p:cNvPr id="17" name="组合 16"/>
+            <p:cNvGrpSpPr/>
+            <p:nvPr/>
+          </p:nvGrpSpPr>
+          <p:grpSpPr>
+            <a:xfrm>
+              <a:off x="2428" y="3972"/>
+              <a:ext cx="9040" cy="5861"/>
+              <a:chOff x="4045" y="4206"/>
+              <a:chExt cx="9040" cy="5861"/>
+            </a:xfrm>
+          </p:grpSpPr>
+          <p:pic>
+            <p:nvPicPr>
+              <p:cNvPr id="13" name="图片 12"/>
+              <p:cNvPicPr>
+                <a:picLocks noChangeAspect="1"/>
+              </p:cNvPicPr>
+              <p:nvPr/>
+            </p:nvPicPr>
+            <p:blipFill>
+              <a:blip r:embed="rId2"/>
+              <a:stretch>
+                <a:fillRect/>
+              </a:stretch>
+            </p:blipFill>
+            <p:spPr>
+              <a:xfrm>
+                <a:off x="4045" y="4290"/>
+                <a:ext cx="4364" cy="2872"/>
+              </a:xfrm>
+              <a:prstGeom prst="rect">
+                <a:avLst/>
+              </a:prstGeom>
+            </p:spPr>
+          </p:pic>
+          <p:pic>
+            <p:nvPicPr>
+              <p:cNvPr id="14" name="图片 13"/>
+              <p:cNvPicPr>
+                <a:picLocks noChangeAspect="1"/>
+              </p:cNvPicPr>
+              <p:nvPr/>
+            </p:nvPicPr>
+            <p:blipFill>
+              <a:blip r:embed="rId3"/>
+              <a:stretch>
+                <a:fillRect/>
+              </a:stretch>
+            </p:blipFill>
+            <p:spPr>
+              <a:xfrm>
+                <a:off x="8291" y="4206"/>
+                <a:ext cx="4794" cy="2956"/>
+              </a:xfrm>
+              <a:prstGeom prst="rect">
+                <a:avLst/>
+              </a:prstGeom>
+            </p:spPr>
+          </p:pic>
+          <p:pic>
+            <p:nvPicPr>
+              <p:cNvPr id="15" name="图片 14"/>
+              <p:cNvPicPr>
+                <a:picLocks noChangeAspect="1"/>
+              </p:cNvPicPr>
+              <p:nvPr/>
+            </p:nvPicPr>
+            <p:blipFill>
+              <a:blip r:embed="rId4"/>
+              <a:stretch>
+                <a:fillRect/>
+              </a:stretch>
+            </p:blipFill>
+            <p:spPr>
+              <a:xfrm>
+                <a:off x="4302" y="7336"/>
+                <a:ext cx="3998" cy="2731"/>
+              </a:xfrm>
+              <a:prstGeom prst="rect">
+                <a:avLst/>
+              </a:prstGeom>
+            </p:spPr>
+          </p:pic>
+        </p:grpSp>
+      </p:grpSp>
     </p:spTree>
   </p:cSld>
   <p:clrMapOvr>
@@ -4587,6 +4833,1335 @@
 
 <file path=ppt/slides/slide13.xml><?xml version="1.0" encoding="utf-8"?>
 <p:sld xmlns:a="http://schemas.openxmlformats.org/drawingml/2006/main" xmlns:r="http://schemas.openxmlformats.org/officeDocument/2006/relationships" xmlns:p="http://schemas.openxmlformats.org/presentationml/2006/main">
+  <p:cSld>
+    <p:spTree>
+      <p:nvGrpSpPr>
+        <p:cNvPr id="1" name=""/>
+        <p:cNvGrpSpPr/>
+        <p:nvPr/>
+      </p:nvGrpSpPr>
+      <p:grpSpPr>
+        <a:xfrm>
+          <a:off x="0" y="0"/>
+          <a:ext cx="0" cy="0"/>
+          <a:chOff x="0" y="0"/>
+          <a:chExt cx="0" cy="0"/>
+        </a:xfrm>
+      </p:grpSpPr>
+      <p:sp>
+        <p:nvSpPr>
+          <p:cNvPr id="6" name="矩形 5"/>
+          <p:cNvSpPr/>
+          <p:nvPr/>
+        </p:nvSpPr>
+        <p:spPr>
+          <a:xfrm>
+            <a:off x="304543" y="486560"/>
+            <a:ext cx="2125980" cy="521970"/>
+          </a:xfrm>
+          <a:prstGeom prst="rect">
+            <a:avLst/>
+          </a:prstGeom>
+        </p:spPr>
+        <p:txBody>
+          <a:bodyPr wrap="none">
+            <a:spAutoFit/>
+          </a:bodyPr>
+          <a:lstStyle/>
+          <a:p>
+            <a:pPr marL="0" indent="0" algn="l">
+              <a:buFont typeface="Wingdings" panose="05000000000000000000" charset="0"/>
+              <a:buNone/>
+            </a:pPr>
+            <a:r>
+              <a:rPr lang="en-US" altLang="zh-CN" sz="2800" b="1" dirty="0">
+                <a:latin typeface="微软雅黑" charset="-122"/>
+                <a:ea typeface="微软雅黑" charset="-122"/>
+                <a:cs typeface="微软雅黑" charset="-122"/>
+                <a:sym typeface="+mn-ea"/>
+              </a:rPr>
+              <a:t>Experiments</a:t>
+            </a:r>
+            <a:endParaRPr lang="zh-CN" altLang="en-US" sz="2800" b="1" dirty="0">
+              <a:solidFill>
+                <a:schemeClr val="tx1"/>
+              </a:solidFill>
+              <a:latin typeface="微软雅黑" charset="-122"/>
+              <a:ea typeface="微软雅黑" charset="-122"/>
+              <a:cs typeface="微软雅黑" charset="-122"/>
+              <a:sym typeface="+mn-ea"/>
+            </a:endParaRPr>
+          </a:p>
+        </p:txBody>
+      </p:sp>
+      <p:sp>
+        <p:nvSpPr>
+          <p:cNvPr id="5" name="文本框 4"/>
+          <p:cNvSpPr txBox="1"/>
+          <p:nvPr/>
+        </p:nvSpPr>
+        <p:spPr>
+          <a:xfrm>
+            <a:off x="442595" y="1341120"/>
+            <a:ext cx="10592435" cy="645160"/>
+          </a:xfrm>
+          <a:prstGeom prst="rect">
+            <a:avLst/>
+          </a:prstGeom>
+          <a:noFill/>
+        </p:spPr>
+        <p:txBody>
+          <a:bodyPr wrap="square" rtlCol="0">
+            <a:spAutoFit/>
+          </a:bodyPr>
+          <a:p>
+            <a:pPr marL="285750" indent="-285750">
+              <a:buFont typeface="Wingdings" panose="05000000000000000000" charset="0"/>
+              <a:buChar char=""/>
+            </a:pPr>
+            <a:r>
+              <a:rPr lang="zh-CN"/>
+              <a:t>实验：使用关于输入的梯度作为</a:t>
+            </a:r>
+            <a:r>
+              <a:rPr lang="en-US" altLang="zh-CN"/>
+              <a:t>uncertainty</a:t>
+            </a:r>
+            <a:r>
+              <a:rPr lang="zh-CN" altLang="en-US"/>
+              <a:t>度量</a:t>
+            </a:r>
+            <a:endParaRPr lang="zh-CN"/>
+          </a:p>
+          <a:p>
+            <a:pPr marL="628650" lvl="2" indent="-285750">
+              <a:buFont typeface="Wingdings" panose="05000000000000000000" charset="0"/>
+              <a:buChar char=""/>
+            </a:pPr>
+            <a:endParaRPr lang="en-US"/>
+          </a:p>
+        </p:txBody>
+      </p:sp>
+      <p:sp>
+        <p:nvSpPr>
+          <p:cNvPr id="8" name="文本框 7"/>
+          <p:cNvSpPr txBox="1"/>
+          <p:nvPr/>
+        </p:nvSpPr>
+        <p:spPr>
+          <a:xfrm>
+            <a:off x="304800" y="3279140"/>
+            <a:ext cx="1173480" cy="368300"/>
+          </a:xfrm>
+          <a:prstGeom prst="rect">
+            <a:avLst/>
+          </a:prstGeom>
+          <a:noFill/>
+        </p:spPr>
+        <p:txBody>
+          <a:bodyPr wrap="square" rtlCol="0">
+            <a:spAutoFit/>
+          </a:bodyPr>
+          <a:p>
+            <a:r>
+              <a:rPr lang="en-US" altLang="zh-CN"/>
+              <a:t>:</a:t>
+            </a:r>
+            <a:endParaRPr lang="en-US" altLang="zh-CN"/>
+          </a:p>
+        </p:txBody>
+      </p:sp>
+      <p:pic>
+        <p:nvPicPr>
+          <p:cNvPr id="2" name="图片 1"/>
+          <p:cNvPicPr>
+            <a:picLocks noChangeAspect="1"/>
+          </p:cNvPicPr>
+          <p:nvPr/>
+        </p:nvPicPr>
+        <p:blipFill>
+          <a:blip r:embed="rId1"/>
+          <a:stretch>
+            <a:fillRect/>
+          </a:stretch>
+        </p:blipFill>
+        <p:spPr>
+          <a:xfrm>
+            <a:off x="931545" y="2472055"/>
+            <a:ext cx="4533900" cy="2619375"/>
+          </a:xfrm>
+          <a:prstGeom prst="rect">
+            <a:avLst/>
+          </a:prstGeom>
+        </p:spPr>
+      </p:pic>
+      <p:pic>
+        <p:nvPicPr>
+          <p:cNvPr id="3" name="图片 2"/>
+          <p:cNvPicPr>
+            <a:picLocks noChangeAspect="1"/>
+          </p:cNvPicPr>
+          <p:nvPr/>
+        </p:nvPicPr>
+        <p:blipFill>
+          <a:blip r:embed="rId2"/>
+          <a:stretch>
+            <a:fillRect/>
+          </a:stretch>
+        </p:blipFill>
+        <p:spPr>
+          <a:xfrm>
+            <a:off x="6517005" y="2550160"/>
+            <a:ext cx="4743450" cy="2628900"/>
+          </a:xfrm>
+          <a:prstGeom prst="rect">
+            <a:avLst/>
+          </a:prstGeom>
+        </p:spPr>
+      </p:pic>
+    </p:spTree>
+  </p:cSld>
+  <p:clrMapOvr>
+    <a:masterClrMapping/>
+  </p:clrMapOvr>
+  <mc:AlternateContent xmlns:mc="http://schemas.openxmlformats.org/markup-compatibility/2006" xmlns:p159="http://schemas.microsoft.com/office/powerpoint/2015/09/main">
+    <mc:Choice Requires="p159">
+      <p:transition xmlns:p14="http://schemas.microsoft.com/office/powerpoint/2010/main" spd="med">
+        <p159:morph option="byObject"/>
+      </p:transition>
+    </mc:Choice>
+    <mc:Fallback>
+      <p:transition spd="med">
+        <p:fade/>
+      </p:transition>
+    </mc:Fallback>
+  </mc:AlternateContent>
+</p:sld>
+</file>
+
+<file path=ppt/slides/slide14.xml><?xml version="1.0" encoding="utf-8"?>
+<p:sld xmlns:a="http://schemas.openxmlformats.org/drawingml/2006/main" xmlns:r="http://schemas.openxmlformats.org/officeDocument/2006/relationships" xmlns:p="http://schemas.openxmlformats.org/presentationml/2006/main">
+  <p:cSld>
+    <p:spTree>
+      <p:nvGrpSpPr>
+        <p:cNvPr id="1" name=""/>
+        <p:cNvGrpSpPr/>
+        <p:nvPr/>
+      </p:nvGrpSpPr>
+      <p:grpSpPr>
+        <a:xfrm>
+          <a:off x="0" y="0"/>
+          <a:ext cx="0" cy="0"/>
+          <a:chOff x="0" y="0"/>
+          <a:chExt cx="0" cy="0"/>
+        </a:xfrm>
+      </p:grpSpPr>
+      <p:sp>
+        <p:nvSpPr>
+          <p:cNvPr id="6" name="矩形 5"/>
+          <p:cNvSpPr/>
+          <p:nvPr/>
+        </p:nvSpPr>
+        <p:spPr>
+          <a:xfrm>
+            <a:off x="304543" y="486560"/>
+            <a:ext cx="2125980" cy="521970"/>
+          </a:xfrm>
+          <a:prstGeom prst="rect">
+            <a:avLst/>
+          </a:prstGeom>
+        </p:spPr>
+        <p:txBody>
+          <a:bodyPr wrap="none">
+            <a:spAutoFit/>
+          </a:bodyPr>
+          <a:lstStyle/>
+          <a:p>
+            <a:pPr algn="l" defTabSz="914400">
+              <a:defRPr/>
+            </a:pPr>
+            <a:r>
+              <a:rPr lang="en-US" altLang="zh-CN" sz="2800" b="1" dirty="0">
+                <a:latin typeface="微软雅黑" charset="-122"/>
+                <a:ea typeface="微软雅黑" charset="-122"/>
+                <a:cs typeface="微软雅黑" charset="-122"/>
+                <a:sym typeface="+mn-ea"/>
+              </a:rPr>
+              <a:t>Experiments</a:t>
+            </a:r>
+            <a:endParaRPr lang="zh-CN" altLang="en-US" sz="2800" b="1" dirty="0">
+              <a:solidFill>
+                <a:schemeClr val="tx1"/>
+              </a:solidFill>
+              <a:latin typeface="微软雅黑" charset="-122"/>
+              <a:ea typeface="微软雅黑" charset="-122"/>
+              <a:cs typeface="微软雅黑" charset="-122"/>
+              <a:sym typeface="+mn-ea"/>
+            </a:endParaRPr>
+          </a:p>
+        </p:txBody>
+      </p:sp>
+      <p:sp>
+        <p:nvSpPr>
+          <p:cNvPr id="10" name="文本框 9"/>
+          <p:cNvSpPr txBox="1"/>
+          <p:nvPr/>
+        </p:nvSpPr>
+        <p:spPr>
+          <a:xfrm>
+            <a:off x="457200" y="1197610"/>
+            <a:ext cx="10577830" cy="1198880"/>
+          </a:xfrm>
+          <a:prstGeom prst="rect">
+            <a:avLst/>
+          </a:prstGeom>
+          <a:noFill/>
+        </p:spPr>
+        <p:txBody>
+          <a:bodyPr wrap="square" rtlCol="0">
+            <a:spAutoFit/>
+          </a:bodyPr>
+          <a:p>
+            <a:pPr marL="285750" indent="-285750">
+              <a:buFont typeface="Wingdings" panose="05000000000000000000" charset="0"/>
+              <a:buChar char=""/>
+            </a:pPr>
+            <a:r>
+              <a:rPr lang="zh-CN"/>
+              <a:t>基于</a:t>
+            </a:r>
+            <a:r>
+              <a:rPr lang="en-US" altLang="zh-CN"/>
+              <a:t>inD</a:t>
+            </a:r>
+            <a:r>
+              <a:rPr lang="zh-CN" altLang="en-US"/>
+              <a:t>和</a:t>
+            </a:r>
+            <a:r>
+              <a:rPr lang="en-US" altLang="zh-CN"/>
+              <a:t>OOD</a:t>
+            </a:r>
+            <a:r>
+              <a:rPr lang="zh-CN" altLang="en-US"/>
+              <a:t>样本的输入梯度表现的差异，</a:t>
+            </a:r>
+            <a:r>
+              <a:rPr lang="zh-CN"/>
+              <a:t>加入输入噪声</a:t>
+            </a:r>
+            <a:r>
+              <a:rPr lang="en-US" altLang="zh-CN"/>
+              <a:t>(input purturbation)</a:t>
+            </a:r>
+            <a:endParaRPr lang="en-US" altLang="zh-CN"/>
+          </a:p>
+          <a:p>
+            <a:pPr marL="285750" indent="-285750">
+              <a:buFont typeface="Wingdings" panose="05000000000000000000" charset="0"/>
+              <a:buChar char=""/>
+            </a:pPr>
+            <a:endParaRPr lang="en-US" altLang="zh-CN"/>
+          </a:p>
+          <a:p>
+            <a:pPr marL="285750" indent="-285750">
+              <a:buFont typeface="Wingdings" panose="05000000000000000000" charset="0"/>
+              <a:buChar char=""/>
+            </a:pPr>
+            <a:r>
+              <a:rPr lang="zh-CN" altLang="en-US"/>
+              <a:t>类似于</a:t>
+            </a:r>
+            <a:r>
+              <a:rPr lang="en-US" altLang="zh-CN"/>
+              <a:t>FGSM</a:t>
+            </a:r>
+            <a:r>
+              <a:rPr lang="zh-CN" altLang="en-US"/>
+              <a:t>攻击的加噪方式</a:t>
+            </a:r>
+            <a:endParaRPr lang="zh-CN"/>
+          </a:p>
+          <a:p>
+            <a:pPr marL="628650" lvl="2" indent="-285750">
+              <a:buFont typeface="Wingdings" panose="05000000000000000000" charset="0"/>
+              <a:buChar char=""/>
+            </a:pPr>
+            <a:endParaRPr lang="en-US"/>
+          </a:p>
+        </p:txBody>
+      </p:sp>
+      <p:pic>
+        <p:nvPicPr>
+          <p:cNvPr id="13" name="图片 12"/>
+          <p:cNvPicPr>
+            <a:picLocks noChangeAspect="1"/>
+          </p:cNvPicPr>
+          <p:nvPr/>
+        </p:nvPicPr>
+        <p:blipFill>
+          <a:blip r:embed="rId1"/>
+          <a:stretch>
+            <a:fillRect/>
+          </a:stretch>
+        </p:blipFill>
+        <p:spPr>
+          <a:xfrm>
+            <a:off x="2545715" y="3029585"/>
+            <a:ext cx="5289550" cy="550545"/>
+          </a:xfrm>
+          <a:prstGeom prst="rect">
+            <a:avLst/>
+          </a:prstGeom>
+        </p:spPr>
+      </p:pic>
+    </p:spTree>
+  </p:cSld>
+  <p:clrMapOvr>
+    <a:masterClrMapping/>
+  </p:clrMapOvr>
+  <mc:AlternateContent xmlns:mc="http://schemas.openxmlformats.org/markup-compatibility/2006" xmlns:p159="http://schemas.microsoft.com/office/powerpoint/2015/09/main">
+    <mc:Choice Requires="p159">
+      <p:transition xmlns:p14="http://schemas.microsoft.com/office/powerpoint/2010/main" spd="med">
+        <p159:morph option="byObject"/>
+      </p:transition>
+    </mc:Choice>
+    <mc:Fallback>
+      <p:transition spd="med">
+        <p:fade/>
+      </p:transition>
+    </mc:Fallback>
+  </mc:AlternateContent>
+</p:sld>
+</file>
+
+<file path=ppt/slides/slide15.xml><?xml version="1.0" encoding="utf-8"?>
+<p:sld xmlns:a="http://schemas.openxmlformats.org/drawingml/2006/main" xmlns:r="http://schemas.openxmlformats.org/officeDocument/2006/relationships" xmlns:p="http://schemas.openxmlformats.org/presentationml/2006/main">
+  <p:cSld>
+    <p:spTree>
+      <p:nvGrpSpPr>
+        <p:cNvPr id="1" name=""/>
+        <p:cNvGrpSpPr/>
+        <p:nvPr/>
+      </p:nvGrpSpPr>
+      <p:grpSpPr>
+        <a:xfrm>
+          <a:off x="0" y="0"/>
+          <a:ext cx="0" cy="0"/>
+          <a:chOff x="0" y="0"/>
+          <a:chExt cx="0" cy="0"/>
+        </a:xfrm>
+      </p:grpSpPr>
+      <p:sp>
+        <p:nvSpPr>
+          <p:cNvPr id="6" name="矩形 5"/>
+          <p:cNvSpPr/>
+          <p:nvPr/>
+        </p:nvSpPr>
+        <p:spPr>
+          <a:xfrm>
+            <a:off x="304543" y="486560"/>
+            <a:ext cx="2125980" cy="521970"/>
+          </a:xfrm>
+          <a:prstGeom prst="rect">
+            <a:avLst/>
+          </a:prstGeom>
+        </p:spPr>
+        <p:txBody>
+          <a:bodyPr wrap="none">
+            <a:spAutoFit/>
+          </a:bodyPr>
+          <a:lstStyle/>
+          <a:p>
+            <a:pPr marL="0" indent="0" algn="l">
+              <a:buFont typeface="Wingdings" panose="05000000000000000000" charset="0"/>
+              <a:buNone/>
+            </a:pPr>
+            <a:r>
+              <a:rPr lang="en-US" altLang="zh-CN" sz="2800" b="1" dirty="0">
+                <a:latin typeface="微软雅黑" charset="-122"/>
+                <a:ea typeface="微软雅黑" charset="-122"/>
+                <a:cs typeface="微软雅黑" charset="-122"/>
+                <a:sym typeface="+mn-ea"/>
+              </a:rPr>
+              <a:t>Experiments</a:t>
+            </a:r>
+            <a:endParaRPr lang="zh-CN" altLang="en-US" sz="2800" b="1" dirty="0">
+              <a:solidFill>
+                <a:schemeClr val="tx1"/>
+              </a:solidFill>
+              <a:latin typeface="微软雅黑" charset="-122"/>
+              <a:ea typeface="微软雅黑" charset="-122"/>
+              <a:cs typeface="微软雅黑" charset="-122"/>
+              <a:sym typeface="+mn-ea"/>
+            </a:endParaRPr>
+          </a:p>
+        </p:txBody>
+      </p:sp>
+      <p:sp>
+        <p:nvSpPr>
+          <p:cNvPr id="5" name="文本框 4"/>
+          <p:cNvSpPr txBox="1"/>
+          <p:nvPr/>
+        </p:nvSpPr>
+        <p:spPr>
+          <a:xfrm>
+            <a:off x="442595" y="1341120"/>
+            <a:ext cx="10592435" cy="645160"/>
+          </a:xfrm>
+          <a:prstGeom prst="rect">
+            <a:avLst/>
+          </a:prstGeom>
+          <a:noFill/>
+        </p:spPr>
+        <p:txBody>
+          <a:bodyPr wrap="square" rtlCol="0">
+            <a:spAutoFit/>
+          </a:bodyPr>
+          <a:p>
+            <a:pPr marL="285750" indent="-285750">
+              <a:buFont typeface="Wingdings" panose="05000000000000000000" charset="0"/>
+              <a:buChar char=""/>
+            </a:pPr>
+            <a:r>
+              <a:rPr lang="zh-CN"/>
+              <a:t>加入</a:t>
+            </a:r>
+            <a:r>
+              <a:rPr lang="en-US" altLang="zh-CN"/>
+              <a:t>input purturbation</a:t>
+            </a:r>
+            <a:r>
+              <a:rPr lang="zh-CN" altLang="en-US">
+                <a:sym typeface="+mn-ea"/>
+              </a:rPr>
+              <a:t>实验结果</a:t>
+            </a:r>
+            <a:endParaRPr lang="zh-CN"/>
+          </a:p>
+          <a:p>
+            <a:pPr marL="628650" lvl="2" indent="-285750">
+              <a:buFont typeface="Wingdings" panose="05000000000000000000" charset="0"/>
+              <a:buChar char=""/>
+            </a:pPr>
+            <a:endParaRPr lang="en-US"/>
+          </a:p>
+        </p:txBody>
+      </p:sp>
+      <p:sp>
+        <p:nvSpPr>
+          <p:cNvPr id="8" name="文本框 7"/>
+          <p:cNvSpPr txBox="1"/>
+          <p:nvPr/>
+        </p:nvSpPr>
+        <p:spPr>
+          <a:xfrm>
+            <a:off x="304800" y="3279140"/>
+            <a:ext cx="1173480" cy="368300"/>
+          </a:xfrm>
+          <a:prstGeom prst="rect">
+            <a:avLst/>
+          </a:prstGeom>
+          <a:noFill/>
+        </p:spPr>
+        <p:txBody>
+          <a:bodyPr wrap="square" rtlCol="0">
+            <a:spAutoFit/>
+          </a:bodyPr>
+          <a:p>
+            <a:r>
+              <a:rPr lang="en-US" altLang="zh-CN"/>
+              <a:t>:</a:t>
+            </a:r>
+            <a:endParaRPr lang="en-US" altLang="zh-CN"/>
+          </a:p>
+        </p:txBody>
+      </p:sp>
+      <p:pic>
+        <p:nvPicPr>
+          <p:cNvPr id="2" name="图片 1"/>
+          <p:cNvPicPr>
+            <a:picLocks noChangeAspect="1"/>
+          </p:cNvPicPr>
+          <p:nvPr/>
+        </p:nvPicPr>
+        <p:blipFill>
+          <a:blip r:embed="rId1"/>
+          <a:stretch>
+            <a:fillRect/>
+          </a:stretch>
+        </p:blipFill>
+        <p:spPr>
+          <a:xfrm>
+            <a:off x="5907405" y="1879600"/>
+            <a:ext cx="3503930" cy="4330700"/>
+          </a:xfrm>
+          <a:prstGeom prst="rect">
+            <a:avLst/>
+          </a:prstGeom>
+        </p:spPr>
+      </p:pic>
+      <p:pic>
+        <p:nvPicPr>
+          <p:cNvPr id="7" name="图片 6"/>
+          <p:cNvPicPr>
+            <a:picLocks noChangeAspect="1"/>
+          </p:cNvPicPr>
+          <p:nvPr/>
+        </p:nvPicPr>
+        <p:blipFill>
+          <a:blip r:embed="rId2"/>
+          <a:stretch>
+            <a:fillRect/>
+          </a:stretch>
+        </p:blipFill>
+        <p:spPr>
+          <a:xfrm>
+            <a:off x="1409065" y="1879600"/>
+            <a:ext cx="3563620" cy="4149090"/>
+          </a:xfrm>
+          <a:prstGeom prst="rect">
+            <a:avLst/>
+          </a:prstGeom>
+        </p:spPr>
+      </p:pic>
+      <p:sp>
+        <p:nvSpPr>
+          <p:cNvPr id="9" name="文本框 8"/>
+          <p:cNvSpPr txBox="1"/>
+          <p:nvPr/>
+        </p:nvSpPr>
+        <p:spPr>
+          <a:xfrm>
+            <a:off x="2751455" y="6185535"/>
+            <a:ext cx="754380" cy="368300"/>
+          </a:xfrm>
+          <a:prstGeom prst="rect">
+            <a:avLst/>
+          </a:prstGeom>
+          <a:noFill/>
+        </p:spPr>
+        <p:txBody>
+          <a:bodyPr wrap="none" rtlCol="0">
+            <a:spAutoFit/>
+          </a:bodyPr>
+          <a:p>
+            <a:r>
+              <a:rPr lang="en-US" altLang="zh-CN"/>
+              <a:t>vgg16</a:t>
+            </a:r>
+            <a:endParaRPr lang="en-US" altLang="zh-CN"/>
+          </a:p>
+        </p:txBody>
+      </p:sp>
+      <p:sp>
+        <p:nvSpPr>
+          <p:cNvPr id="10" name="文本框 9"/>
+          <p:cNvSpPr txBox="1"/>
+          <p:nvPr/>
+        </p:nvSpPr>
+        <p:spPr>
+          <a:xfrm>
+            <a:off x="7180580" y="6185535"/>
+            <a:ext cx="957580" cy="368300"/>
+          </a:xfrm>
+          <a:prstGeom prst="rect">
+            <a:avLst/>
+          </a:prstGeom>
+          <a:noFill/>
+        </p:spPr>
+        <p:txBody>
+          <a:bodyPr wrap="none" rtlCol="0">
+            <a:spAutoFit/>
+          </a:bodyPr>
+          <a:p>
+            <a:r>
+              <a:rPr lang="en-US" altLang="zh-CN"/>
+              <a:t>resnet50</a:t>
+            </a:r>
+            <a:endParaRPr lang="en-US" altLang="zh-CN"/>
+          </a:p>
+        </p:txBody>
+      </p:sp>
+    </p:spTree>
+  </p:cSld>
+  <p:clrMapOvr>
+    <a:masterClrMapping/>
+  </p:clrMapOvr>
+  <mc:AlternateContent xmlns:mc="http://schemas.openxmlformats.org/markup-compatibility/2006" xmlns:p159="http://schemas.microsoft.com/office/powerpoint/2015/09/main">
+    <mc:Choice Requires="p159">
+      <p:transition xmlns:p14="http://schemas.microsoft.com/office/powerpoint/2010/main" spd="med">
+        <p159:morph option="byObject"/>
+      </p:transition>
+    </mc:Choice>
+    <mc:Fallback>
+      <p:transition spd="med">
+        <p:fade/>
+      </p:transition>
+    </mc:Fallback>
+  </mc:AlternateContent>
+</p:sld>
+</file>
+
+<file path=ppt/slides/slide16.xml><?xml version="1.0" encoding="utf-8"?>
+<p:sld xmlns:a="http://schemas.openxmlformats.org/drawingml/2006/main" xmlns:r="http://schemas.openxmlformats.org/officeDocument/2006/relationships" xmlns:p="http://schemas.openxmlformats.org/presentationml/2006/main">
+  <p:cSld>
+    <p:spTree>
+      <p:nvGrpSpPr>
+        <p:cNvPr id="1" name=""/>
+        <p:cNvGrpSpPr/>
+        <p:nvPr/>
+      </p:nvGrpSpPr>
+      <p:grpSpPr>
+        <a:xfrm>
+          <a:off x="0" y="0"/>
+          <a:ext cx="0" cy="0"/>
+          <a:chOff x="0" y="0"/>
+          <a:chExt cx="0" cy="0"/>
+        </a:xfrm>
+      </p:grpSpPr>
+      <p:sp>
+        <p:nvSpPr>
+          <p:cNvPr id="6" name="矩形 5"/>
+          <p:cNvSpPr/>
+          <p:nvPr/>
+        </p:nvSpPr>
+        <p:spPr>
+          <a:xfrm>
+            <a:off x="304543" y="486560"/>
+            <a:ext cx="2125980" cy="521970"/>
+          </a:xfrm>
+          <a:prstGeom prst="rect">
+            <a:avLst/>
+          </a:prstGeom>
+        </p:spPr>
+        <p:txBody>
+          <a:bodyPr wrap="none">
+            <a:spAutoFit/>
+          </a:bodyPr>
+          <a:lstStyle/>
+          <a:p>
+            <a:pPr marL="0" indent="0" algn="l">
+              <a:buFont typeface="Wingdings" panose="05000000000000000000" charset="0"/>
+              <a:buNone/>
+            </a:pPr>
+            <a:r>
+              <a:rPr lang="en-US" altLang="zh-CN" sz="2800" b="1" dirty="0">
+                <a:latin typeface="微软雅黑" charset="-122"/>
+                <a:ea typeface="微软雅黑" charset="-122"/>
+                <a:cs typeface="微软雅黑" charset="-122"/>
+                <a:sym typeface="+mn-ea"/>
+              </a:rPr>
+              <a:t>Experiments</a:t>
+            </a:r>
+            <a:endParaRPr lang="zh-CN" altLang="en-US" sz="2800" b="1" dirty="0">
+              <a:solidFill>
+                <a:schemeClr val="tx1"/>
+              </a:solidFill>
+              <a:latin typeface="微软雅黑" charset="-122"/>
+              <a:ea typeface="微软雅黑" charset="-122"/>
+              <a:cs typeface="微软雅黑" charset="-122"/>
+              <a:sym typeface="+mn-ea"/>
+            </a:endParaRPr>
+          </a:p>
+        </p:txBody>
+      </p:sp>
+      <p:sp>
+        <p:nvSpPr>
+          <p:cNvPr id="5" name="文本框 4"/>
+          <p:cNvSpPr txBox="1"/>
+          <p:nvPr/>
+        </p:nvSpPr>
+        <p:spPr>
+          <a:xfrm>
+            <a:off x="442595" y="1341120"/>
+            <a:ext cx="10592435" cy="645160"/>
+          </a:xfrm>
+          <a:prstGeom prst="rect">
+            <a:avLst/>
+          </a:prstGeom>
+          <a:noFill/>
+        </p:spPr>
+        <p:txBody>
+          <a:bodyPr wrap="square" rtlCol="0">
+            <a:spAutoFit/>
+          </a:bodyPr>
+          <a:p>
+            <a:pPr marL="285750" indent="-285750">
+              <a:buFont typeface="Wingdings" panose="05000000000000000000" charset="0"/>
+              <a:buChar char=""/>
+            </a:pPr>
+            <a:r>
+              <a:rPr lang="zh-CN"/>
+              <a:t>加入</a:t>
+            </a:r>
+            <a:r>
+              <a:rPr lang="en-US" altLang="zh-CN"/>
+              <a:t>input purturbation</a:t>
+            </a:r>
+            <a:r>
+              <a:rPr lang="zh-CN" altLang="en-US">
+                <a:sym typeface="+mn-ea"/>
+              </a:rPr>
+              <a:t>实验结果</a:t>
+            </a:r>
+            <a:endParaRPr lang="zh-CN"/>
+          </a:p>
+          <a:p>
+            <a:pPr marL="628650" lvl="2" indent="-285750">
+              <a:buFont typeface="Wingdings" panose="05000000000000000000" charset="0"/>
+              <a:buChar char=""/>
+            </a:pPr>
+            <a:endParaRPr lang="en-US"/>
+          </a:p>
+        </p:txBody>
+      </p:sp>
+      <p:sp>
+        <p:nvSpPr>
+          <p:cNvPr id="8" name="文本框 7"/>
+          <p:cNvSpPr txBox="1"/>
+          <p:nvPr/>
+        </p:nvSpPr>
+        <p:spPr>
+          <a:xfrm>
+            <a:off x="304800" y="3279140"/>
+            <a:ext cx="1173480" cy="368300"/>
+          </a:xfrm>
+          <a:prstGeom prst="rect">
+            <a:avLst/>
+          </a:prstGeom>
+          <a:noFill/>
+        </p:spPr>
+        <p:txBody>
+          <a:bodyPr wrap="square" rtlCol="0">
+            <a:spAutoFit/>
+          </a:bodyPr>
+          <a:p>
+            <a:r>
+              <a:rPr lang="en-US" altLang="zh-CN"/>
+              <a:t>:</a:t>
+            </a:r>
+            <a:endParaRPr lang="en-US" altLang="zh-CN"/>
+          </a:p>
+        </p:txBody>
+      </p:sp>
+      <p:pic>
+        <p:nvPicPr>
+          <p:cNvPr id="7" name="图片 6"/>
+          <p:cNvPicPr>
+            <a:picLocks noChangeAspect="1"/>
+          </p:cNvPicPr>
+          <p:nvPr/>
+        </p:nvPicPr>
+        <p:blipFill>
+          <a:blip r:embed="rId1"/>
+          <a:stretch>
+            <a:fillRect/>
+          </a:stretch>
+        </p:blipFill>
+        <p:spPr>
+          <a:xfrm>
+            <a:off x="650240" y="2319020"/>
+            <a:ext cx="5278120" cy="3017520"/>
+          </a:xfrm>
+          <a:prstGeom prst="rect">
+            <a:avLst/>
+          </a:prstGeom>
+        </p:spPr>
+      </p:pic>
+      <p:pic>
+        <p:nvPicPr>
+          <p:cNvPr id="2" name="图片 1"/>
+          <p:cNvPicPr>
+            <a:picLocks noChangeAspect="1"/>
+          </p:cNvPicPr>
+          <p:nvPr/>
+        </p:nvPicPr>
+        <p:blipFill>
+          <a:blip r:embed="rId2"/>
+          <a:stretch>
+            <a:fillRect/>
+          </a:stretch>
+        </p:blipFill>
+        <p:spPr>
+          <a:xfrm>
+            <a:off x="6271895" y="2281555"/>
+            <a:ext cx="5486400" cy="3105150"/>
+          </a:xfrm>
+          <a:prstGeom prst="rect">
+            <a:avLst/>
+          </a:prstGeom>
+        </p:spPr>
+      </p:pic>
+    </p:spTree>
+  </p:cSld>
+  <p:clrMapOvr>
+    <a:masterClrMapping/>
+  </p:clrMapOvr>
+  <mc:AlternateContent xmlns:mc="http://schemas.openxmlformats.org/markup-compatibility/2006" xmlns:p159="http://schemas.microsoft.com/office/powerpoint/2015/09/main">
+    <mc:Choice Requires="p159">
+      <p:transition xmlns:p14="http://schemas.microsoft.com/office/powerpoint/2010/main" spd="med">
+        <p159:morph option="byObject"/>
+      </p:transition>
+    </mc:Choice>
+    <mc:Fallback>
+      <p:transition spd="med">
+        <p:fade/>
+      </p:transition>
+    </mc:Fallback>
+  </mc:AlternateContent>
+</p:sld>
+</file>
+
+<file path=ppt/slides/slide17.xml><?xml version="1.0" encoding="utf-8"?>
+<p:sld xmlns:a="http://schemas.openxmlformats.org/drawingml/2006/main" xmlns:r="http://schemas.openxmlformats.org/officeDocument/2006/relationships" xmlns:p="http://schemas.openxmlformats.org/presentationml/2006/main">
+  <p:cSld>
+    <p:spTree>
+      <p:nvGrpSpPr>
+        <p:cNvPr id="1" name=""/>
+        <p:cNvGrpSpPr/>
+        <p:nvPr/>
+      </p:nvGrpSpPr>
+      <p:grpSpPr>
+        <a:xfrm>
+          <a:off x="0" y="0"/>
+          <a:ext cx="0" cy="0"/>
+          <a:chOff x="0" y="0"/>
+          <a:chExt cx="0" cy="0"/>
+        </a:xfrm>
+      </p:grpSpPr>
+      <p:sp>
+        <p:nvSpPr>
+          <p:cNvPr id="6" name="矩形 5"/>
+          <p:cNvSpPr/>
+          <p:nvPr/>
+        </p:nvSpPr>
+        <p:spPr>
+          <a:xfrm>
+            <a:off x="304543" y="486560"/>
+            <a:ext cx="2125980" cy="521970"/>
+          </a:xfrm>
+          <a:prstGeom prst="rect">
+            <a:avLst/>
+          </a:prstGeom>
+        </p:spPr>
+        <p:txBody>
+          <a:bodyPr wrap="none">
+            <a:spAutoFit/>
+          </a:bodyPr>
+          <a:lstStyle/>
+          <a:p>
+            <a:pPr marL="0" indent="0" algn="l">
+              <a:buFont typeface="Wingdings" panose="05000000000000000000" charset="0"/>
+              <a:buNone/>
+            </a:pPr>
+            <a:r>
+              <a:rPr lang="en-US" altLang="zh-CN" sz="2800" b="1" dirty="0">
+                <a:latin typeface="微软雅黑" charset="-122"/>
+                <a:ea typeface="微软雅黑" charset="-122"/>
+                <a:cs typeface="微软雅黑" charset="-122"/>
+                <a:sym typeface="+mn-ea"/>
+              </a:rPr>
+              <a:t>Experiments</a:t>
+            </a:r>
+            <a:endParaRPr lang="zh-CN" altLang="en-US" sz="2800" b="1" dirty="0">
+              <a:solidFill>
+                <a:schemeClr val="tx1"/>
+              </a:solidFill>
+              <a:latin typeface="微软雅黑" charset="-122"/>
+              <a:ea typeface="微软雅黑" charset="-122"/>
+              <a:cs typeface="微软雅黑" charset="-122"/>
+              <a:sym typeface="+mn-ea"/>
+            </a:endParaRPr>
+          </a:p>
+        </p:txBody>
+      </p:sp>
+      <p:sp>
+        <p:nvSpPr>
+          <p:cNvPr id="5" name="文本框 4"/>
+          <p:cNvSpPr txBox="1"/>
+          <p:nvPr/>
+        </p:nvSpPr>
+        <p:spPr>
+          <a:xfrm>
+            <a:off x="442595" y="1341120"/>
+            <a:ext cx="10592435" cy="1198880"/>
+          </a:xfrm>
+          <a:prstGeom prst="rect">
+            <a:avLst/>
+          </a:prstGeom>
+          <a:noFill/>
+        </p:spPr>
+        <p:txBody>
+          <a:bodyPr wrap="square" rtlCol="0">
+            <a:spAutoFit/>
+          </a:bodyPr>
+          <a:p>
+            <a:pPr marL="285750" indent="-285750">
+              <a:buFont typeface="Wingdings" panose="05000000000000000000" charset="0"/>
+              <a:buChar char=""/>
+            </a:pPr>
+            <a:r>
+              <a:rPr lang="zh-CN"/>
+              <a:t>实验</a:t>
+            </a:r>
+            <a:r>
+              <a:rPr lang="en-US" altLang="zh-CN"/>
+              <a:t>: </a:t>
+            </a:r>
+            <a:r>
+              <a:rPr lang="zh-CN"/>
+              <a:t>不同噪声，对实验结果的影响</a:t>
+            </a:r>
+            <a:endParaRPr lang="zh-CN"/>
+          </a:p>
+          <a:p>
+            <a:pPr marL="742950" lvl="1" indent="-285750">
+              <a:buFont typeface="Wingdings" panose="05000000000000000000" charset="0"/>
+              <a:buChar char=""/>
+            </a:pPr>
+            <a:r>
+              <a:rPr lang="zh-CN" altLang="en-US"/>
+              <a:t>根据输入的梯度，验证不同的添加噪声方式</a:t>
+            </a:r>
+            <a:endParaRPr lang="zh-CN" altLang="en-US"/>
+          </a:p>
+          <a:p>
+            <a:pPr marL="742950" lvl="1" indent="-285750">
+              <a:buFont typeface="Wingdings" panose="05000000000000000000" charset="0"/>
+              <a:buChar char=""/>
+            </a:pPr>
+            <a:r>
+              <a:rPr lang="en-US" altLang="zh-CN"/>
+              <a:t>fgsm/bim/pgd</a:t>
+            </a:r>
+            <a:endParaRPr lang="zh-CN"/>
+          </a:p>
+          <a:p>
+            <a:pPr marL="628650" lvl="2" indent="-285750">
+              <a:buFont typeface="Wingdings" panose="05000000000000000000" charset="0"/>
+              <a:buChar char=""/>
+            </a:pPr>
+            <a:endParaRPr lang="en-US"/>
+          </a:p>
+        </p:txBody>
+      </p:sp>
+      <p:sp>
+        <p:nvSpPr>
+          <p:cNvPr id="8" name="文本框 7"/>
+          <p:cNvSpPr txBox="1"/>
+          <p:nvPr/>
+        </p:nvSpPr>
+        <p:spPr>
+          <a:xfrm>
+            <a:off x="304800" y="3279140"/>
+            <a:ext cx="1173480" cy="368300"/>
+          </a:xfrm>
+          <a:prstGeom prst="rect">
+            <a:avLst/>
+          </a:prstGeom>
+          <a:noFill/>
+        </p:spPr>
+        <p:txBody>
+          <a:bodyPr wrap="square" rtlCol="0">
+            <a:spAutoFit/>
+          </a:bodyPr>
+          <a:p>
+            <a:r>
+              <a:rPr lang="en-US" altLang="zh-CN"/>
+              <a:t>:</a:t>
+            </a:r>
+            <a:endParaRPr lang="en-US" altLang="zh-CN"/>
+          </a:p>
+        </p:txBody>
+      </p:sp>
+      <p:pic>
+        <p:nvPicPr>
+          <p:cNvPr id="2" name="图片 1"/>
+          <p:cNvPicPr>
+            <a:picLocks noChangeAspect="1"/>
+          </p:cNvPicPr>
+          <p:nvPr/>
+        </p:nvPicPr>
+        <p:blipFill>
+          <a:blip r:embed="rId1"/>
+          <a:stretch>
+            <a:fillRect/>
+          </a:stretch>
+        </p:blipFill>
+        <p:spPr>
+          <a:xfrm>
+            <a:off x="2913380" y="3007995"/>
+            <a:ext cx="6581775" cy="1962150"/>
+          </a:xfrm>
+          <a:prstGeom prst="rect">
+            <a:avLst/>
+          </a:prstGeom>
+        </p:spPr>
+      </p:pic>
+    </p:spTree>
+  </p:cSld>
+  <p:clrMapOvr>
+    <a:masterClrMapping/>
+  </p:clrMapOvr>
+  <mc:AlternateContent xmlns:mc="http://schemas.openxmlformats.org/markup-compatibility/2006" xmlns:p159="http://schemas.microsoft.com/office/powerpoint/2015/09/main">
+    <mc:Choice Requires="p159">
+      <p:transition xmlns:p14="http://schemas.microsoft.com/office/powerpoint/2010/main" spd="med">
+        <p159:morph option="byObject"/>
+      </p:transition>
+    </mc:Choice>
+    <mc:Fallback>
+      <p:transition spd="med">
+        <p:fade/>
+      </p:transition>
+    </mc:Fallback>
+  </mc:AlternateContent>
+</p:sld>
+</file>
+
+<file path=ppt/slides/slide18.xml><?xml version="1.0" encoding="utf-8"?>
+<p:sld xmlns:a="http://schemas.openxmlformats.org/drawingml/2006/main" xmlns:r="http://schemas.openxmlformats.org/officeDocument/2006/relationships" xmlns:p="http://schemas.openxmlformats.org/presentationml/2006/main">
+  <p:cSld>
+    <p:spTree>
+      <p:nvGrpSpPr>
+        <p:cNvPr id="1" name=""/>
+        <p:cNvGrpSpPr/>
+        <p:nvPr/>
+      </p:nvGrpSpPr>
+      <p:grpSpPr>
+        <a:xfrm>
+          <a:off x="0" y="0"/>
+          <a:ext cx="0" cy="0"/>
+          <a:chOff x="0" y="0"/>
+          <a:chExt cx="0" cy="0"/>
+        </a:xfrm>
+      </p:grpSpPr>
+      <p:sp>
+        <p:nvSpPr>
+          <p:cNvPr id="6" name="矩形 5"/>
+          <p:cNvSpPr/>
+          <p:nvPr/>
+        </p:nvSpPr>
+        <p:spPr>
+          <a:xfrm>
+            <a:off x="304543" y="486560"/>
+            <a:ext cx="2125980" cy="521970"/>
+          </a:xfrm>
+          <a:prstGeom prst="rect">
+            <a:avLst/>
+          </a:prstGeom>
+        </p:spPr>
+        <p:txBody>
+          <a:bodyPr wrap="none">
+            <a:spAutoFit/>
+          </a:bodyPr>
+          <a:lstStyle/>
+          <a:p>
+            <a:pPr marL="0" indent="0" algn="l">
+              <a:buFont typeface="Wingdings" panose="05000000000000000000" charset="0"/>
+              <a:buNone/>
+            </a:pPr>
+            <a:r>
+              <a:rPr lang="en-US" altLang="zh-CN" sz="2800" b="1" dirty="0">
+                <a:latin typeface="微软雅黑" charset="-122"/>
+                <a:ea typeface="微软雅黑" charset="-122"/>
+                <a:cs typeface="微软雅黑" charset="-122"/>
+                <a:sym typeface="+mn-ea"/>
+              </a:rPr>
+              <a:t>Experiments</a:t>
+            </a:r>
+            <a:endParaRPr lang="zh-CN" altLang="en-US" sz="2800" b="1" dirty="0">
+              <a:solidFill>
+                <a:schemeClr val="tx1"/>
+              </a:solidFill>
+              <a:latin typeface="微软雅黑" charset="-122"/>
+              <a:ea typeface="微软雅黑" charset="-122"/>
+              <a:cs typeface="微软雅黑" charset="-122"/>
+              <a:sym typeface="+mn-ea"/>
+            </a:endParaRPr>
+          </a:p>
+        </p:txBody>
+      </p:sp>
+      <p:sp>
+        <p:nvSpPr>
+          <p:cNvPr id="5" name="文本框 4"/>
+          <p:cNvSpPr txBox="1"/>
+          <p:nvPr/>
+        </p:nvSpPr>
+        <p:spPr>
+          <a:xfrm>
+            <a:off x="442595" y="1341120"/>
+            <a:ext cx="10592435" cy="1476375"/>
+          </a:xfrm>
+          <a:prstGeom prst="rect">
+            <a:avLst/>
+          </a:prstGeom>
+          <a:noFill/>
+        </p:spPr>
+        <p:txBody>
+          <a:bodyPr wrap="square" rtlCol="0">
+            <a:spAutoFit/>
+          </a:bodyPr>
+          <a:p>
+            <a:pPr marL="285750" indent="-285750">
+              <a:buFont typeface="Wingdings" panose="05000000000000000000" charset="0"/>
+              <a:buChar char=""/>
+            </a:pPr>
+            <a:r>
+              <a:rPr lang="zh-CN" altLang="en-US">
+                <a:sym typeface="+mn-ea"/>
+              </a:rPr>
+              <a:t>后续实验计划</a:t>
+            </a:r>
+            <a:endParaRPr lang="zh-CN" altLang="en-US">
+              <a:sym typeface="+mn-ea"/>
+            </a:endParaRPr>
+          </a:p>
+          <a:p>
+            <a:pPr marL="742950" lvl="1" indent="-285750">
+              <a:buFont typeface="Wingdings" panose="05000000000000000000" charset="0"/>
+              <a:buChar char=""/>
+            </a:pPr>
+            <a:r>
+              <a:rPr lang="en-US" altLang="zh-CN">
+                <a:sym typeface="+mn-ea"/>
+              </a:rPr>
+              <a:t>1. </a:t>
+            </a:r>
+            <a:r>
+              <a:rPr lang="zh-CN" altLang="en-US">
+                <a:sym typeface="+mn-ea"/>
+              </a:rPr>
+              <a:t>对不同层的研究</a:t>
+            </a:r>
+            <a:endParaRPr lang="zh-CN" altLang="en-US">
+              <a:sym typeface="+mn-ea"/>
+            </a:endParaRPr>
+          </a:p>
+          <a:p>
+            <a:pPr marL="742950" lvl="1" indent="-285750">
+              <a:buFont typeface="Wingdings" panose="05000000000000000000" charset="0"/>
+              <a:buChar char=""/>
+            </a:pPr>
+            <a:r>
+              <a:rPr lang="en-US" altLang="zh-CN">
+                <a:sym typeface="+mn-ea"/>
+              </a:rPr>
+              <a:t>2. </a:t>
+            </a:r>
+            <a:r>
+              <a:rPr lang="zh-CN" altLang="en-US">
+                <a:sym typeface="+mn-ea"/>
+              </a:rPr>
+              <a:t>添加一个</a:t>
+            </a:r>
+            <a:r>
+              <a:rPr lang="en-US" altLang="zh-CN">
+                <a:sym typeface="+mn-ea"/>
+              </a:rPr>
+              <a:t>head</a:t>
+            </a:r>
+            <a:r>
+              <a:rPr lang="zh-CN" altLang="en-US">
+                <a:sym typeface="+mn-ea"/>
+              </a:rPr>
+              <a:t>直接预测</a:t>
+            </a:r>
+            <a:r>
+              <a:rPr lang="en-US" altLang="zh-CN">
+                <a:sym typeface="+mn-ea"/>
+              </a:rPr>
+              <a:t>uncertainty</a:t>
+            </a:r>
+            <a:endParaRPr lang="en-US" altLang="zh-CN">
+              <a:sym typeface="+mn-ea"/>
+            </a:endParaRPr>
+          </a:p>
+          <a:p>
+            <a:pPr marL="742950" lvl="1" indent="-285750">
+              <a:buFont typeface="Wingdings" panose="05000000000000000000" charset="0"/>
+              <a:buChar char=""/>
+            </a:pPr>
+            <a:r>
+              <a:rPr lang="en-US" altLang="zh-CN">
+                <a:sym typeface="+mn-ea"/>
+              </a:rPr>
+              <a:t>3. </a:t>
+            </a:r>
+            <a:r>
+              <a:rPr lang="zh-CN" altLang="en-US">
+                <a:sym typeface="+mn-ea"/>
+              </a:rPr>
+              <a:t>在主动学习任务上评估</a:t>
+            </a:r>
+            <a:r>
+              <a:rPr lang="en-US" altLang="zh-CN">
+                <a:sym typeface="+mn-ea"/>
+              </a:rPr>
+              <a:t>uncertainty</a:t>
+            </a:r>
+            <a:endParaRPr lang="zh-CN"/>
+          </a:p>
+          <a:p>
+            <a:pPr marL="628650" lvl="2" indent="-285750">
+              <a:buFont typeface="Wingdings" panose="05000000000000000000" charset="0"/>
+              <a:buChar char=""/>
+            </a:pPr>
+            <a:endParaRPr lang="en-US"/>
+          </a:p>
+        </p:txBody>
+      </p:sp>
+      <p:sp>
+        <p:nvSpPr>
+          <p:cNvPr id="8" name="文本框 7"/>
+          <p:cNvSpPr txBox="1"/>
+          <p:nvPr/>
+        </p:nvSpPr>
+        <p:spPr>
+          <a:xfrm>
+            <a:off x="304800" y="3279140"/>
+            <a:ext cx="1173480" cy="368300"/>
+          </a:xfrm>
+          <a:prstGeom prst="rect">
+            <a:avLst/>
+          </a:prstGeom>
+          <a:noFill/>
+        </p:spPr>
+        <p:txBody>
+          <a:bodyPr wrap="square" rtlCol="0">
+            <a:spAutoFit/>
+          </a:bodyPr>
+          <a:p>
+            <a:r>
+              <a:rPr lang="en-US" altLang="zh-CN"/>
+              <a:t>:</a:t>
+            </a:r>
+            <a:endParaRPr lang="en-US" altLang="zh-CN"/>
+          </a:p>
+        </p:txBody>
+      </p:sp>
+    </p:spTree>
+  </p:cSld>
+  <p:clrMapOvr>
+    <a:masterClrMapping/>
+  </p:clrMapOvr>
+  <mc:AlternateContent xmlns:mc="http://schemas.openxmlformats.org/markup-compatibility/2006" xmlns:p159="http://schemas.microsoft.com/office/powerpoint/2015/09/main">
+    <mc:Choice Requires="p159">
+      <p:transition xmlns:p14="http://schemas.microsoft.com/office/powerpoint/2010/main" spd="med">
+        <p159:morph option="byObject"/>
+      </p:transition>
+    </mc:Choice>
+    <mc:Fallback>
+      <p:transition spd="med">
+        <p:fade/>
+      </p:transition>
+    </mc:Fallback>
+  </mc:AlternateContent>
+</p:sld>
+</file>
+
+<file path=ppt/slides/slide19.xml><?xml version="1.0" encoding="utf-8"?>
+<p:sld xmlns:a="http://schemas.openxmlformats.org/drawingml/2006/main" xmlns:r="http://schemas.openxmlformats.org/officeDocument/2006/relationships" xmlns:p="http://schemas.openxmlformats.org/presentationml/2006/main" show="0">
   <p:cSld>
     <p:spTree>
       <p:nvGrpSpPr>
@@ -4884,7 +6459,7 @@
 </p:sld>
 </file>
 
-<file path=ppt/slides/slide14.xml><?xml version="1.0" encoding="utf-8"?>
+<file path=ppt/slides/slide2.xml><?xml version="1.0" encoding="utf-8"?>
 <p:sld xmlns:a="http://schemas.openxmlformats.org/drawingml/2006/main" xmlns:r="http://schemas.openxmlformats.org/officeDocument/2006/relationships" xmlns:p="http://schemas.openxmlformats.org/presentationml/2006/main">
   <p:cSld>
     <p:spTree>
@@ -4903,6 +6478,223 @@
       </p:grpSpPr>
       <p:sp>
         <p:nvSpPr>
+          <p:cNvPr id="7" name="标题 6"/>
+          <p:cNvSpPr>
+            <a:spLocks noGrp="1"/>
+          </p:cNvSpPr>
+          <p:nvPr>
+            <p:ph type="title"/>
+          </p:nvPr>
+        </p:nvSpPr>
+        <p:spPr>
+          <a:xfrm>
+            <a:off x="446405" y="345441"/>
+            <a:ext cx="9906000" cy="685793"/>
+          </a:xfrm>
+        </p:spPr>
+        <p:txBody>
+          <a:bodyPr/>
+          <a:lstStyle/>
+          <a:p>
+            <a:pPr algn="l" eaLnBrk="0" hangingPunct="0">
+              <a:buClrTx/>
+              <a:buSzTx/>
+              <a:buFontTx/>
+              <a:defRPr/>
+            </a:pPr>
+            <a:r>
+              <a:rPr lang="zh-CN" altLang="en-US" sz="2800" b="1" dirty="0">
+                <a:solidFill>
+                  <a:schemeClr val="tx1"/>
+                </a:solidFill>
+                <a:latin typeface="微软雅黑" charset="-122"/>
+                <a:ea typeface="微软雅黑" charset="-122"/>
+                <a:cs typeface="微软雅黑" charset="-122"/>
+              </a:rPr>
+              <a:t>大纲</a:t>
+            </a:r>
+            <a:endParaRPr lang="zh-CN" altLang="en-US" sz="2800" b="1" dirty="0">
+              <a:solidFill>
+                <a:schemeClr val="tx1"/>
+              </a:solidFill>
+              <a:latin typeface="微软雅黑" charset="-122"/>
+              <a:ea typeface="微软雅黑" charset="-122"/>
+              <a:cs typeface="微软雅黑" charset="-122"/>
+            </a:endParaRPr>
+          </a:p>
+        </p:txBody>
+      </p:sp>
+      <p:sp>
+        <p:nvSpPr>
+          <p:cNvPr id="2" name="矩形 1"/>
+          <p:cNvSpPr/>
+          <p:nvPr/>
+        </p:nvSpPr>
+        <p:spPr>
+          <a:xfrm>
+            <a:off x="446405" y="1659890"/>
+            <a:ext cx="8415020" cy="2245360"/>
+          </a:xfrm>
+          <a:prstGeom prst="rect">
+            <a:avLst/>
+          </a:prstGeom>
+        </p:spPr>
+        <p:txBody>
+          <a:bodyPr wrap="square">
+            <a:spAutoFit/>
+          </a:bodyPr>
+          <a:lstStyle/>
+          <a:p>
+            <a:pPr marL="285750" indent="-285750" algn="l">
+              <a:buFont typeface="Wingdings" panose="05000000000000000000" charset="0"/>
+              <a:buChar char=""/>
+            </a:pPr>
+            <a:r>
+              <a:rPr lang="en-US" altLang="zh-CN" sz="2000" dirty="0">
+                <a:sym typeface="+mn-ea"/>
+              </a:rPr>
+              <a:t>Introduction</a:t>
+            </a:r>
+            <a:endParaRPr lang="en-US" altLang="zh-CN" sz="2000" dirty="0">
+              <a:sym typeface="+mn-ea"/>
+            </a:endParaRPr>
+          </a:p>
+          <a:p>
+            <a:pPr marL="285750" indent="-285750" algn="l">
+              <a:buFont typeface="Wingdings" panose="05000000000000000000" charset="0"/>
+              <a:buChar char=""/>
+            </a:pPr>
+            <a:endParaRPr lang="zh-CN" altLang="en-US" sz="2000" dirty="0">
+              <a:sym typeface="+mn-ea"/>
+            </a:endParaRPr>
+          </a:p>
+          <a:p>
+            <a:pPr marL="285750" indent="-285750" algn="l">
+              <a:buFont typeface="Wingdings" panose="05000000000000000000" charset="0"/>
+              <a:buChar char=""/>
+            </a:pPr>
+            <a:r>
+              <a:rPr lang="en-US" altLang="zh-CN" sz="2000" dirty="0"/>
+              <a:t>Background</a:t>
+            </a:r>
+            <a:endParaRPr lang="en-US" altLang="zh-CN" sz="2000" dirty="0"/>
+          </a:p>
+          <a:p>
+            <a:pPr marL="285750" indent="-285750" algn="l">
+              <a:buFont typeface="Wingdings" panose="05000000000000000000" charset="0"/>
+              <a:buChar char=""/>
+            </a:pPr>
+            <a:endParaRPr lang="en-US" altLang="zh-CN" sz="2000" b="1" dirty="0">
+              <a:latin typeface="微软雅黑" charset="-122"/>
+              <a:ea typeface="微软雅黑" charset="-122"/>
+              <a:cs typeface="微软雅黑" charset="-122"/>
+              <a:sym typeface="+mn-ea"/>
+            </a:endParaRPr>
+          </a:p>
+          <a:p>
+            <a:pPr marL="285750" indent="-285750" algn="l">
+              <a:buFont typeface="Wingdings" panose="05000000000000000000" charset="0"/>
+              <a:buChar char=""/>
+            </a:pPr>
+            <a:r>
+              <a:rPr lang="en-US" altLang="zh-CN" sz="2000" dirty="0">
+                <a:solidFill>
+                  <a:schemeClr val="tx1"/>
+                </a:solidFill>
+                <a:latin typeface="微软雅黑" charset="-122"/>
+                <a:ea typeface="微软雅黑" charset="-122"/>
+                <a:cs typeface="微软雅黑" charset="-122"/>
+                <a:sym typeface="+mn-ea"/>
+              </a:rPr>
+              <a:t>Method</a:t>
+            </a:r>
+            <a:endParaRPr lang="zh-CN" altLang="en-US" sz="2000" dirty="0">
+              <a:solidFill>
+                <a:schemeClr val="tx1"/>
+              </a:solidFill>
+              <a:latin typeface="微软雅黑" charset="-122"/>
+              <a:ea typeface="微软雅黑" charset="-122"/>
+              <a:cs typeface="微软雅黑" charset="-122"/>
+              <a:sym typeface="+mn-ea"/>
+            </a:endParaRPr>
+          </a:p>
+          <a:p>
+            <a:pPr marL="285750" indent="-285750" algn="l">
+              <a:buFont typeface="Wingdings" panose="05000000000000000000" charset="0"/>
+              <a:buChar char=""/>
+            </a:pPr>
+            <a:endParaRPr lang="zh-CN" altLang="en-US" sz="2000" dirty="0">
+              <a:latin typeface="微软雅黑" charset="-122"/>
+              <a:ea typeface="微软雅黑" charset="-122"/>
+              <a:cs typeface="微软雅黑" charset="-122"/>
+              <a:sym typeface="+mn-ea"/>
+            </a:endParaRPr>
+          </a:p>
+          <a:p>
+            <a:pPr marL="285750" indent="-285750" algn="l">
+              <a:buFont typeface="Wingdings" panose="05000000000000000000" charset="0"/>
+              <a:buChar char=""/>
+            </a:pPr>
+            <a:r>
+              <a:rPr lang="en-US" altLang="zh-CN" sz="2000" dirty="0"/>
+              <a:t>Experiments</a:t>
+            </a:r>
+            <a:endParaRPr lang="en-US" altLang="zh-CN" sz="2000" dirty="0"/>
+          </a:p>
+        </p:txBody>
+      </p:sp>
+      <p:sp>
+        <p:nvSpPr>
+          <p:cNvPr id="15" name="椭圆 14"/>
+          <p:cNvSpPr/>
+          <p:nvPr/>
+        </p:nvSpPr>
+        <p:spPr>
+          <a:xfrm>
+            <a:off x="7497445" y="2990850"/>
+            <a:ext cx="914400" cy="914400"/>
+          </a:xfrm>
+          <a:prstGeom prst="ellipse">
+            <a:avLst/>
+          </a:prstGeom>
+        </p:spPr>
+        <p:txBody>
+          <a:bodyPr wrap="none">
+            <a:spAutoFit/>
+          </a:bodyPr>
+          <a:p>
+            <a:endParaRPr lang="zh-CN" altLang="en-US" sz="2400" dirty="0"/>
+          </a:p>
+        </p:txBody>
+      </p:sp>
+    </p:spTree>
+  </p:cSld>
+  <p:clrMapOvr>
+    <a:masterClrMapping/>
+  </p:clrMapOvr>
+  <p:transition/>
+</p:sld>
+</file>
+
+<file path=ppt/slides/slide20.xml><?xml version="1.0" encoding="utf-8"?>
+<p:sld xmlns:a="http://schemas.openxmlformats.org/drawingml/2006/main" xmlns:r="http://schemas.openxmlformats.org/officeDocument/2006/relationships" xmlns:p="http://schemas.openxmlformats.org/presentationml/2006/main" show="0">
+  <p:cSld>
+    <p:spTree>
+      <p:nvGrpSpPr>
+        <p:cNvPr id="1" name=""/>
+        <p:cNvGrpSpPr/>
+        <p:nvPr/>
+      </p:nvGrpSpPr>
+      <p:grpSpPr>
+        <a:xfrm>
+          <a:off x="0" y="0"/>
+          <a:ext cx="0" cy="0"/>
+          <a:chOff x="0" y="0"/>
+          <a:chExt cx="0" cy="0"/>
+        </a:xfrm>
+      </p:grpSpPr>
+      <p:sp>
+        <p:nvSpPr>
           <p:cNvPr id="6" name="矩形 5"/>
           <p:cNvSpPr/>
           <p:nvPr/>
@@ -5006,7 +6798,7 @@
         </p:blipFill>
         <p:spPr>
           <a:xfrm>
-            <a:off x="6068695" y="2571750"/>
+            <a:off x="6089015" y="2571750"/>
             <a:ext cx="5480685" cy="2748915"/>
           </a:xfrm>
           <a:prstGeom prst="rect">
@@ -5116,8 +6908,8 @@
 </p:sld>
 </file>
 
-<file path=ppt/slides/slide15.xml><?xml version="1.0" encoding="utf-8"?>
-<p:sld xmlns:a="http://schemas.openxmlformats.org/drawingml/2006/main" xmlns:r="http://schemas.openxmlformats.org/officeDocument/2006/relationships" xmlns:p="http://schemas.openxmlformats.org/presentationml/2006/main">
+<file path=ppt/slides/slide21.xml><?xml version="1.0" encoding="utf-8"?>
+<p:sld xmlns:a="http://schemas.openxmlformats.org/drawingml/2006/main" xmlns:r="http://schemas.openxmlformats.org/officeDocument/2006/relationships" xmlns:p="http://schemas.openxmlformats.org/presentationml/2006/main" show="0">
   <p:cSld>
     <p:spTree>
       <p:nvGrpSpPr>
@@ -5266,129 +7058,7 @@
 </p:sld>
 </file>
 
-<file path=ppt/slides/slide16.xml><?xml version="1.0" encoding="utf-8"?>
-<p:sld xmlns:a="http://schemas.openxmlformats.org/drawingml/2006/main" xmlns:r="http://schemas.openxmlformats.org/officeDocument/2006/relationships" xmlns:p="http://schemas.openxmlformats.org/presentationml/2006/main">
-  <p:cSld>
-    <p:spTree>
-      <p:nvGrpSpPr>
-        <p:cNvPr id="1" name=""/>
-        <p:cNvGrpSpPr/>
-        <p:nvPr/>
-      </p:nvGrpSpPr>
-      <p:grpSpPr>
-        <a:xfrm>
-          <a:off x="0" y="0"/>
-          <a:ext cx="0" cy="0"/>
-          <a:chOff x="0" y="0"/>
-          <a:chExt cx="0" cy="0"/>
-        </a:xfrm>
-      </p:grpSpPr>
-      <p:sp>
-        <p:nvSpPr>
-          <p:cNvPr id="6" name="矩形 5"/>
-          <p:cNvSpPr/>
-          <p:nvPr/>
-        </p:nvSpPr>
-        <p:spPr>
-          <a:xfrm>
-            <a:off x="304543" y="486560"/>
-            <a:ext cx="1612900" cy="521970"/>
-          </a:xfrm>
-          <a:prstGeom prst="rect">
-            <a:avLst/>
-          </a:prstGeom>
-        </p:spPr>
-        <p:txBody>
-          <a:bodyPr wrap="none">
-            <a:spAutoFit/>
-          </a:bodyPr>
-          <a:lstStyle/>
-          <a:p>
-            <a:pPr algn="l" defTabSz="914400">
-              <a:defRPr/>
-            </a:pPr>
-            <a:r>
-              <a:rPr lang="zh-CN" altLang="en-US" sz="2800" b="1" dirty="0">
-                <a:latin typeface="微软雅黑" charset="-122"/>
-                <a:ea typeface="微软雅黑" charset="-122"/>
-                <a:cs typeface="微软雅黑" charset="-122"/>
-                <a:sym typeface="+mn-ea"/>
-              </a:rPr>
-              <a:t>研究内容</a:t>
-            </a:r>
-            <a:endParaRPr lang="zh-CN" altLang="en-US" sz="2800" b="1" dirty="0">
-              <a:solidFill>
-                <a:schemeClr val="tx1"/>
-              </a:solidFill>
-              <a:latin typeface="微软雅黑" charset="-122"/>
-              <a:ea typeface="微软雅黑" charset="-122"/>
-              <a:cs typeface="微软雅黑" charset="-122"/>
-              <a:sym typeface="+mn-ea"/>
-            </a:endParaRPr>
-          </a:p>
-        </p:txBody>
-      </p:sp>
-      <p:sp>
-        <p:nvSpPr>
-          <p:cNvPr id="5" name="文本框 4"/>
-          <p:cNvSpPr txBox="1"/>
-          <p:nvPr/>
-        </p:nvSpPr>
-        <p:spPr>
-          <a:xfrm>
-            <a:off x="518795" y="1310005"/>
-            <a:ext cx="10592435" cy="645160"/>
-          </a:xfrm>
-          <a:prstGeom prst="rect">
-            <a:avLst/>
-          </a:prstGeom>
-          <a:noFill/>
-        </p:spPr>
-        <p:txBody>
-          <a:bodyPr wrap="square" rtlCol="0">
-            <a:spAutoFit/>
-          </a:bodyPr>
-          <a:p>
-            <a:pPr marL="285750" indent="-285750">
-              <a:buFont typeface="Wingdings" panose="05000000000000000000" charset="0"/>
-              <a:buChar char=""/>
-            </a:pPr>
-            <a:r>
-              <a:rPr lang="zh-CN" altLang="en-US"/>
-              <a:t>主动学习</a:t>
-            </a:r>
-            <a:endParaRPr lang="zh-CN"/>
-          </a:p>
-          <a:p>
-            <a:pPr marL="628650" lvl="2" indent="-285750">
-              <a:buFont typeface="Wingdings" panose="05000000000000000000" charset="0"/>
-              <a:buChar char=""/>
-            </a:pPr>
-            <a:endParaRPr lang="en-US"/>
-          </a:p>
-        </p:txBody>
-      </p:sp>
-    </p:spTree>
-  </p:cSld>
-  <p:clrMapOvr>
-    <a:masterClrMapping/>
-  </p:clrMapOvr>
-  <mc:AlternateContent xmlns:mc="http://schemas.openxmlformats.org/markup-compatibility/2006" xmlns:p159="http://schemas.microsoft.com/office/powerpoint/2015/09/main">
-    <mc:Choice Requires="p159">
-      <p:transition xmlns:p14="http://schemas.microsoft.com/office/powerpoint/2010/main" spd="med">
-        <p159:morph option="byObject"/>
-      </p:transition>
-    </mc:Choice>
-    <mc:Fallback>
-      <p:transition spd="med">
-        <p:fade/>
-      </p:transition>
-    </mc:Fallback>
-  </mc:AlternateContent>
-</p:sld>
-</file>
-
-<file path=ppt/slides/slide17.xml><?xml version="1.0" encoding="utf-8"?>
+<file path=ppt/slides/slide22.xml><?xml version="1.0" encoding="utf-8"?>
 <p:sld xmlns:a="http://schemas.openxmlformats.org/drawingml/2006/main" xmlns:r="http://schemas.openxmlformats.org/officeDocument/2006/relationships" xmlns:p="http://schemas.openxmlformats.org/presentationml/2006/main">
   <p:cSld>
     <p:spTree>
@@ -5468,223 +7138,6 @@
           </a:prstGeom>
         </p:spPr>
       </p:pic>
-    </p:spTree>
-  </p:cSld>
-  <p:clrMapOvr>
-    <a:masterClrMapping/>
-  </p:clrMapOvr>
-  <p:transition/>
-</p:sld>
-</file>
-
-<file path=ppt/slides/slide2.xml><?xml version="1.0" encoding="utf-8"?>
-<p:sld xmlns:a="http://schemas.openxmlformats.org/drawingml/2006/main" xmlns:r="http://schemas.openxmlformats.org/officeDocument/2006/relationships" xmlns:p="http://schemas.openxmlformats.org/presentationml/2006/main">
-  <p:cSld>
-    <p:spTree>
-      <p:nvGrpSpPr>
-        <p:cNvPr id="1" name=""/>
-        <p:cNvGrpSpPr/>
-        <p:nvPr/>
-      </p:nvGrpSpPr>
-      <p:grpSpPr>
-        <a:xfrm>
-          <a:off x="0" y="0"/>
-          <a:ext cx="0" cy="0"/>
-          <a:chOff x="0" y="0"/>
-          <a:chExt cx="0" cy="0"/>
-        </a:xfrm>
-      </p:grpSpPr>
-      <p:sp>
-        <p:nvSpPr>
-          <p:cNvPr id="7" name="标题 6"/>
-          <p:cNvSpPr>
-            <a:spLocks noGrp="1"/>
-          </p:cNvSpPr>
-          <p:nvPr>
-            <p:ph type="title"/>
-          </p:nvPr>
-        </p:nvSpPr>
-        <p:spPr>
-          <a:xfrm>
-            <a:off x="446405" y="345441"/>
-            <a:ext cx="9906000" cy="685793"/>
-          </a:xfrm>
-        </p:spPr>
-        <p:txBody>
-          <a:bodyPr/>
-          <a:lstStyle/>
-          <a:p>
-            <a:pPr algn="l" eaLnBrk="0" hangingPunct="0">
-              <a:buClrTx/>
-              <a:buSzTx/>
-              <a:buFontTx/>
-              <a:defRPr/>
-            </a:pPr>
-            <a:r>
-              <a:rPr lang="zh-CN" altLang="en-US" sz="2800" b="1" dirty="0">
-                <a:solidFill>
-                  <a:schemeClr val="tx1"/>
-                </a:solidFill>
-                <a:latin typeface="微软雅黑" charset="-122"/>
-                <a:ea typeface="微软雅黑" charset="-122"/>
-                <a:cs typeface="微软雅黑" charset="-122"/>
-              </a:rPr>
-              <a:t>大纲</a:t>
-            </a:r>
-            <a:endParaRPr lang="zh-CN" altLang="en-US" sz="2800" b="1" dirty="0">
-              <a:solidFill>
-                <a:schemeClr val="tx1"/>
-              </a:solidFill>
-              <a:latin typeface="微软雅黑" charset="-122"/>
-              <a:ea typeface="微软雅黑" charset="-122"/>
-              <a:cs typeface="微软雅黑" charset="-122"/>
-            </a:endParaRPr>
-          </a:p>
-        </p:txBody>
-      </p:sp>
-      <p:sp>
-        <p:nvSpPr>
-          <p:cNvPr id="2" name="矩形 1"/>
-          <p:cNvSpPr/>
-          <p:nvPr/>
-        </p:nvSpPr>
-        <p:spPr>
-          <a:xfrm>
-            <a:off x="446405" y="1659890"/>
-            <a:ext cx="8415020" cy="2245360"/>
-          </a:xfrm>
-          <a:prstGeom prst="rect">
-            <a:avLst/>
-          </a:prstGeom>
-        </p:spPr>
-        <p:txBody>
-          <a:bodyPr wrap="square">
-            <a:spAutoFit/>
-          </a:bodyPr>
-          <a:lstStyle/>
-          <a:p>
-            <a:pPr marL="285750" indent="-285750" algn="l">
-              <a:buFont typeface="Wingdings" panose="05000000000000000000" charset="0"/>
-              <a:buChar char=""/>
-            </a:pPr>
-            <a:r>
-              <a:rPr lang="en-US" altLang="zh-CN" sz="2000" dirty="0">
-                <a:sym typeface="+mn-ea"/>
-              </a:rPr>
-              <a:t>Introduction</a:t>
-            </a:r>
-            <a:endParaRPr lang="en-US" altLang="zh-CN" sz="2000" dirty="0">
-              <a:sym typeface="+mn-ea"/>
-            </a:endParaRPr>
-          </a:p>
-          <a:p>
-            <a:pPr marL="285750" indent="-285750" algn="l">
-              <a:buFont typeface="Wingdings" panose="05000000000000000000" charset="0"/>
-              <a:buChar char=""/>
-            </a:pPr>
-            <a:endParaRPr lang="zh-CN" altLang="en-US" sz="2000" dirty="0">
-              <a:sym typeface="+mn-ea"/>
-            </a:endParaRPr>
-          </a:p>
-          <a:p>
-            <a:pPr marL="285750" indent="-285750" algn="l">
-              <a:buFont typeface="Wingdings" panose="05000000000000000000" charset="0"/>
-              <a:buChar char=""/>
-            </a:pPr>
-            <a:r>
-              <a:rPr lang="en-US" altLang="zh-CN" sz="2000" dirty="0"/>
-              <a:t>Background</a:t>
-            </a:r>
-            <a:endParaRPr lang="en-US" altLang="zh-CN" sz="2000" dirty="0"/>
-          </a:p>
-          <a:p>
-            <a:pPr marL="285750" indent="-285750" algn="l">
-              <a:buFont typeface="Wingdings" panose="05000000000000000000" charset="0"/>
-              <a:buChar char=""/>
-            </a:pPr>
-            <a:endParaRPr lang="en-US" altLang="zh-CN" sz="2000" b="1" dirty="0">
-              <a:latin typeface="微软雅黑" charset="-122"/>
-              <a:ea typeface="微软雅黑" charset="-122"/>
-              <a:cs typeface="微软雅黑" charset="-122"/>
-              <a:sym typeface="+mn-ea"/>
-            </a:endParaRPr>
-          </a:p>
-          <a:p>
-            <a:pPr marL="285750" indent="-285750" algn="l">
-              <a:buFont typeface="Wingdings" panose="05000000000000000000" charset="0"/>
-              <a:buChar char=""/>
-            </a:pPr>
-            <a:r>
-              <a:rPr lang="en-US" altLang="zh-CN" sz="2000" dirty="0">
-                <a:solidFill>
-                  <a:schemeClr val="tx1"/>
-                </a:solidFill>
-                <a:latin typeface="微软雅黑" charset="-122"/>
-                <a:ea typeface="微软雅黑" charset="-122"/>
-                <a:cs typeface="微软雅黑" charset="-122"/>
-                <a:sym typeface="+mn-ea"/>
-              </a:rPr>
-              <a:t>Method</a:t>
-            </a:r>
-            <a:endParaRPr lang="zh-CN" altLang="en-US" sz="2000" dirty="0">
-              <a:solidFill>
-                <a:schemeClr val="tx1"/>
-              </a:solidFill>
-              <a:latin typeface="微软雅黑" charset="-122"/>
-              <a:ea typeface="微软雅黑" charset="-122"/>
-              <a:cs typeface="微软雅黑" charset="-122"/>
-              <a:sym typeface="+mn-ea"/>
-            </a:endParaRPr>
-          </a:p>
-          <a:p>
-            <a:pPr marL="285750" indent="-285750" algn="l">
-              <a:buFont typeface="Wingdings" panose="05000000000000000000" charset="0"/>
-              <a:buChar char=""/>
-            </a:pPr>
-            <a:endParaRPr lang="zh-CN" altLang="en-US" sz="2000" dirty="0">
-              <a:latin typeface="微软雅黑" charset="-122"/>
-              <a:ea typeface="微软雅黑" charset="-122"/>
-              <a:cs typeface="微软雅黑" charset="-122"/>
-              <a:sym typeface="+mn-ea"/>
-            </a:endParaRPr>
-          </a:p>
-          <a:p>
-            <a:pPr marL="285750" indent="-285750" algn="l">
-              <a:buFont typeface="Wingdings" panose="05000000000000000000" charset="0"/>
-              <a:buChar char=""/>
-            </a:pPr>
-            <a:r>
-              <a:rPr lang="en-US" altLang="zh-CN" sz="2000" dirty="0"/>
-              <a:t>Experiments</a:t>
-            </a:r>
-            <a:endParaRPr lang="en-US" altLang="zh-CN" sz="2000" dirty="0"/>
-          </a:p>
-        </p:txBody>
-      </p:sp>
-      <p:sp>
-        <p:nvSpPr>
-          <p:cNvPr id="15" name="椭圆 14"/>
-          <p:cNvSpPr/>
-          <p:nvPr/>
-        </p:nvSpPr>
-        <p:spPr>
-          <a:xfrm>
-            <a:off x="7497445" y="2990850"/>
-            <a:ext cx="914400" cy="914400"/>
-          </a:xfrm>
-          <a:prstGeom prst="ellipse">
-            <a:avLst/>
-          </a:prstGeom>
-        </p:spPr>
-        <p:txBody>
-          <a:bodyPr wrap="none">
-            <a:spAutoFit/>
-          </a:bodyPr>
-          <a:p>
-            <a:endParaRPr lang="zh-CN" altLang="en-US" sz="2400" dirty="0"/>
-          </a:p>
-        </p:txBody>
-      </p:sp>
     </p:spTree>
   </p:cSld>
   <p:clrMapOvr>
@@ -7569,24 +9022,60 @@
               <a:buChar char=""/>
             </a:pPr>
             <a:r>
-              <a:rPr lang="zh-CN"/>
-              <a:t>单一网络参数确定的建模方法</a:t>
+              <a:rPr lang="zh-CN" altLang="en-US"/>
+              <a:t>问题来源</a:t>
             </a:r>
             <a:r>
               <a:rPr lang="en-US" altLang="zh-CN"/>
               <a:t>: </a:t>
             </a:r>
             <a:r>
+              <a:rPr lang="zh-CN" altLang="en-US"/>
+              <a:t>对于</a:t>
+            </a:r>
+            <a:r>
+              <a:rPr lang="en-US" altLang="zh-CN"/>
+              <a:t>Uncertainty</a:t>
+            </a:r>
+            <a:r>
+              <a:rPr lang="zh-CN" altLang="en-US"/>
+              <a:t>建模目前</a:t>
+            </a:r>
+            <a:r>
+              <a:rPr lang="en-US" altLang="zh-CN"/>
+              <a:t>Ensemble</a:t>
+            </a:r>
+            <a:r>
+              <a:rPr lang="zh-CN" altLang="en-US"/>
+              <a:t>方法效果最好，但是多个模型对于计算和存储要求比较高</a:t>
+            </a:r>
+            <a:endParaRPr lang="zh-CN"/>
+          </a:p>
+          <a:p>
+            <a:pPr marL="285750" indent="-285750">
+              <a:buFont typeface="Wingdings" panose="05000000000000000000" charset="0"/>
+              <a:buChar char=""/>
+            </a:pPr>
+            <a:r>
+              <a:rPr lang="zh-CN"/>
+              <a:t>研究单个网络的</a:t>
+            </a:r>
+            <a:r>
+              <a:rPr lang="en-US" altLang="zh-CN"/>
+              <a:t>Uncertainty</a:t>
+            </a:r>
+            <a:r>
+              <a:rPr lang="zh-CN"/>
+              <a:t>建模方法</a:t>
+            </a:r>
+            <a:r>
+              <a:rPr lang="en-US" altLang="zh-CN"/>
+              <a:t>: </a:t>
+            </a:r>
+            <a:r>
               <a:rPr lang="zh-CN"/>
               <a:t>基于高维特征概率密度建模的不确定性估计</a:t>
             </a:r>
-            <a:endParaRPr lang="zh-CN"/>
-          </a:p>
-          <a:p>
-            <a:pPr marL="628650" lvl="2" indent="-285750">
-              <a:buFont typeface="Wingdings" panose="05000000000000000000" charset="0"/>
-              <a:buChar char=""/>
-            </a:pPr>
             <a:endParaRPr lang="en-US"/>
           </a:p>
         </p:txBody>
@@ -8747,7 +10236,7 @@
         </p:blipFill>
         <p:spPr>
           <a:xfrm>
-            <a:off x="3156585" y="4363720"/>
+            <a:off x="3156585" y="4373880"/>
             <a:ext cx="5878830" cy="740410"/>
           </a:xfrm>
           <a:prstGeom prst="rect">

--- a/pre/dum_pre.pptx
+++ b/pre/dum_pre.pptx
@@ -8,7 +8,7 @@
     <p:notesMasterId r:id="rId4"/>
   </p:notesMasterIdLst>
   <p:handoutMasterIdLst>
-    <p:handoutMasterId r:id="rId26"/>
+    <p:handoutMasterId r:id="rId31"/>
   </p:handoutMasterIdLst>
   <p:sldIdLst>
     <p:sldId id="256" r:id="rId3"/>
@@ -21,18 +21,23 @@
     <p:sldId id="1908" r:id="rId11"/>
     <p:sldId id="1912" r:id="rId12"/>
     <p:sldId id="1913" r:id="rId13"/>
-    <p:sldId id="1962" r:id="rId14"/>
-    <p:sldId id="1964" r:id="rId15"/>
-    <p:sldId id="1966" r:id="rId16"/>
-    <p:sldId id="1922" r:id="rId17"/>
-    <p:sldId id="1953" r:id="rId18"/>
-    <p:sldId id="1909" r:id="rId19"/>
-    <p:sldId id="1955" r:id="rId20"/>
-    <p:sldId id="1954" r:id="rId21"/>
-    <p:sldId id="1911" r:id="rId22"/>
-    <p:sldId id="1918" r:id="rId23"/>
-    <p:sldId id="1917" r:id="rId24"/>
-    <p:sldId id="1828" r:id="rId25"/>
+    <p:sldId id="1977" r:id="rId14"/>
+    <p:sldId id="1922" r:id="rId15"/>
+    <p:sldId id="1978" r:id="rId16"/>
+    <p:sldId id="1962" r:id="rId17"/>
+    <p:sldId id="1964" r:id="rId18"/>
+    <p:sldId id="1966" r:id="rId19"/>
+    <p:sldId id="1953" r:id="rId20"/>
+    <p:sldId id="1909" r:id="rId21"/>
+    <p:sldId id="1955" r:id="rId22"/>
+    <p:sldId id="1976" r:id="rId23"/>
+    <p:sldId id="1979" r:id="rId24"/>
+    <p:sldId id="1980" r:id="rId25"/>
+    <p:sldId id="1954" r:id="rId26"/>
+    <p:sldId id="1911" r:id="rId27"/>
+    <p:sldId id="1918" r:id="rId28"/>
+    <p:sldId id="1917" r:id="rId29"/>
+    <p:sldId id="1828" r:id="rId30"/>
   </p:sldIdLst>
   <p:sldSz cx="12192000" cy="6858000"/>
   <p:notesSz cx="6858000" cy="9144000"/>
@@ -1139,6 +1144,94 @@
 </file>
 
 <file path=ppt/notesSlides/notesSlide6.xml><?xml version="1.0" encoding="utf-8"?>
+<p:notes xmlns:a="http://schemas.openxmlformats.org/drawingml/2006/main" xmlns:r="http://schemas.openxmlformats.org/officeDocument/2006/relationships" xmlns:p="http://schemas.openxmlformats.org/presentationml/2006/main">
+  <p:cSld>
+    <p:spTree>
+      <p:nvGrpSpPr>
+        <p:cNvPr id="1" name=""/>
+        <p:cNvGrpSpPr/>
+        <p:nvPr/>
+      </p:nvGrpSpPr>
+      <p:grpSpPr/>
+      <p:sp>
+        <p:nvSpPr>
+          <p:cNvPr id="2" name="幻灯片图像占位符 1"/>
+          <p:cNvSpPr/>
+          <p:nvPr>
+            <p:ph type="sldImg" idx="2"/>
+          </p:nvPr>
+        </p:nvSpPr>
+        <p:spPr/>
+      </p:sp>
+      <p:sp>
+        <p:nvSpPr>
+          <p:cNvPr id="3" name="文本占位符 2"/>
+          <p:cNvSpPr/>
+          <p:nvPr>
+            <p:ph type="body" idx="3"/>
+          </p:nvPr>
+        </p:nvSpPr>
+        <p:spPr/>
+        <p:txBody>
+          <a:bodyPr/>
+          <a:p>
+            <a:endParaRPr lang="zh-CN" altLang="en-US"/>
+          </a:p>
+        </p:txBody>
+      </p:sp>
+    </p:spTree>
+  </p:cSld>
+  <p:clrMapOvr>
+    <a:masterClrMapping/>
+  </p:clrMapOvr>
+</p:notes>
+</file>
+
+<file path=ppt/notesSlides/notesSlide7.xml><?xml version="1.0" encoding="utf-8"?>
+<p:notes xmlns:a="http://schemas.openxmlformats.org/drawingml/2006/main" xmlns:r="http://schemas.openxmlformats.org/officeDocument/2006/relationships" xmlns:p="http://schemas.openxmlformats.org/presentationml/2006/main">
+  <p:cSld>
+    <p:spTree>
+      <p:nvGrpSpPr>
+        <p:cNvPr id="1" name=""/>
+        <p:cNvGrpSpPr/>
+        <p:nvPr/>
+      </p:nvGrpSpPr>
+      <p:grpSpPr/>
+      <p:sp>
+        <p:nvSpPr>
+          <p:cNvPr id="2" name="幻灯片图像占位符 1"/>
+          <p:cNvSpPr/>
+          <p:nvPr>
+            <p:ph type="sldImg" idx="2"/>
+          </p:nvPr>
+        </p:nvSpPr>
+        <p:spPr/>
+      </p:sp>
+      <p:sp>
+        <p:nvSpPr>
+          <p:cNvPr id="3" name="文本占位符 2"/>
+          <p:cNvSpPr/>
+          <p:nvPr>
+            <p:ph type="body" idx="3"/>
+          </p:nvPr>
+        </p:nvSpPr>
+        <p:spPr/>
+        <p:txBody>
+          <a:bodyPr/>
+          <a:p>
+            <a:endParaRPr lang="zh-CN" altLang="en-US"/>
+          </a:p>
+        </p:txBody>
+      </p:sp>
+    </p:spTree>
+  </p:cSld>
+  <p:clrMapOvr>
+    <a:masterClrMapping/>
+  </p:clrMapOvr>
+</p:notes>
+</file>
+
+<file path=ppt/notesSlides/notesSlide8.xml><?xml version="1.0" encoding="utf-8"?>
 <p:notes xmlns:a="http://schemas.openxmlformats.org/drawingml/2006/main" xmlns:r="http://schemas.openxmlformats.org/officeDocument/2006/relationships" xmlns:p="http://schemas.openxmlformats.org/presentationml/2006/main">
   <p:cSld>
     <p:spTree>
@@ -3801,8 +3894,8 @@
         </p:nvSpPr>
         <p:spPr>
           <a:xfrm>
-            <a:off x="1524000" y="2647953"/>
-            <a:ext cx="9144000" cy="1514475"/>
+            <a:off x="1149350" y="2671445"/>
+            <a:ext cx="9673590" cy="1514475"/>
           </a:xfrm>
         </p:spPr>
         <p:txBody>
@@ -3811,7 +3904,7 @@
           <a:p>
             <a:r>
               <a:rPr lang="zh-CN" altLang="en-US" sz="3600" b="1" dirty="0"/>
-              <a:t>基于高维特征概率密度建模的不确定性的研究</a:t>
+              <a:t>基于高维特征概率密度建模的模型不确定性的研究</a:t>
             </a:r>
             <a:endParaRPr lang="zh-CN" altLang="en-US" sz="3600" b="1" dirty="0"/>
           </a:p>
@@ -3928,7 +4021,7 @@
         <p:spPr>
           <a:xfrm>
             <a:off x="700405" y="1270635"/>
-            <a:ext cx="10592435" cy="1198880"/>
+            <a:ext cx="10592435" cy="1476375"/>
           </a:xfrm>
           <a:prstGeom prst="rect">
             <a:avLst/>
@@ -3962,6 +4055,18 @@
               </a:rPr>
               <a:t> CVPR2023</a:t>
             </a:r>
+            <a:endParaRPr lang="en-US" kern="100" dirty="0">
+              <a:effectLst/>
+              <a:latin typeface="Times New Roman" panose="02020603050405020304" pitchFamily="18" charset="0"/>
+              <a:ea typeface="宋体" pitchFamily="2" charset="-122"/>
+              <a:sym typeface="+mn-ea"/>
+            </a:endParaRPr>
+          </a:p>
+          <a:p>
+            <a:pPr marL="285750" indent="-285750">
+              <a:buFont typeface="Wingdings" panose="05000000000000000000" charset="0"/>
+              <a:buChar char=""/>
+            </a:pPr>
             <a:endParaRPr altLang="zh-CN" kern="100" dirty="0">
               <a:effectLst/>
               <a:latin typeface="Times New Roman" panose="02020603050405020304" pitchFamily="18" charset="0"/>
@@ -4073,7 +4178,7 @@
       </p:sp>
       <p:pic>
         <p:nvPicPr>
-          <p:cNvPr id="18" name="图片 17"/>
+          <p:cNvPr id="2" name="图片 1"/>
           <p:cNvPicPr>
             <a:picLocks noChangeAspect="1"/>
           </p:cNvPicPr>
@@ -4087,57 +4192,14 @@
         </p:blipFill>
         <p:spPr>
           <a:xfrm>
-            <a:off x="700405" y="2888615"/>
-            <a:ext cx="8876665" cy="2814320"/>
+            <a:off x="3716020" y="2879090"/>
+            <a:ext cx="3419475" cy="819150"/>
           </a:xfrm>
           <a:prstGeom prst="rect">
             <a:avLst/>
           </a:prstGeom>
         </p:spPr>
       </p:pic>
-      <p:sp>
-        <p:nvSpPr>
-          <p:cNvPr id="21" name="文本框 20"/>
-          <p:cNvSpPr txBox="1"/>
-          <p:nvPr/>
-        </p:nvSpPr>
-        <p:spPr>
-          <a:xfrm>
-            <a:off x="9135110" y="3973195"/>
-            <a:ext cx="2367280" cy="645160"/>
-          </a:xfrm>
-          <a:prstGeom prst="rect">
-            <a:avLst/>
-          </a:prstGeom>
-          <a:solidFill>
-            <a:schemeClr val="accent1"/>
-          </a:solidFill>
-          <a:ln>
-            <a:solidFill>
-              <a:schemeClr val="accent1"/>
-            </a:solidFill>
-          </a:ln>
-        </p:spPr>
-        <p:txBody>
-          <a:bodyPr wrap="none" rtlCol="0">
-            <a:spAutoFit/>
-          </a:bodyPr>
-          <a:p>
-            <a:r>
-              <a:rPr lang="en-US" altLang="zh-CN"/>
-              <a:t>Power Iteration Method</a:t>
-            </a:r>
-            <a:endParaRPr lang="en-US" altLang="zh-CN"/>
-          </a:p>
-          <a:p>
-            <a:r>
-              <a:rPr lang="zh-CN" altLang="en-US"/>
-              <a:t>计算谱范数</a:t>
-            </a:r>
-            <a:endParaRPr lang="zh-CN" altLang="en-US"/>
-          </a:p>
-        </p:txBody>
-      </p:sp>
     </p:spTree>
   </p:cSld>
   <p:clrMapOvr>
@@ -4184,7 +4246,7 @@
         <p:spPr>
           <a:xfrm>
             <a:off x="304543" y="486560"/>
-            <a:ext cx="2125980" cy="521970"/>
+            <a:ext cx="1510665" cy="521970"/>
           </a:xfrm>
           <a:prstGeom prst="rect">
             <a:avLst/>
@@ -4196,9 +4258,8 @@
           </a:bodyPr>
           <a:lstStyle/>
           <a:p>
-            <a:pPr marL="0" indent="0" algn="l">
-              <a:buFont typeface="Wingdings" panose="05000000000000000000" charset="0"/>
-              <a:buNone/>
+            <a:pPr algn="l" defTabSz="914400">
+              <a:defRPr/>
             </a:pPr>
             <a:r>
               <a:rPr lang="en-US" altLang="zh-CN" sz="2800" b="1" dirty="0">
@@ -4207,7 +4268,7 @@
                 <a:cs typeface="微软雅黑" charset="-122"/>
                 <a:sym typeface="+mn-ea"/>
               </a:rPr>
-              <a:t>Experiments</a:t>
+              <a:t>Methods</a:t>
             </a:r>
             <a:endParaRPr lang="zh-CN" altLang="en-US" sz="2800" b="1" dirty="0">
               <a:solidFill>
@@ -4229,7 +4290,7 @@
         </p:nvSpPr>
         <p:spPr>
           <a:xfrm>
-            <a:off x="442595" y="1341120"/>
+            <a:off x="700405" y="1270635"/>
             <a:ext cx="10592435" cy="1476375"/>
           </a:xfrm>
           <a:prstGeom prst="rect">
@@ -4247,36 +4308,40 @@
               <a:buChar char=""/>
             </a:pPr>
             <a:r>
-              <a:rPr lang="zh-CN"/>
-              <a:t>实验</a:t>
-            </a:r>
-            <a:r>
-              <a:rPr lang="en-US" altLang="zh-CN"/>
-              <a:t>: </a:t>
-            </a:r>
-            <a:r>
-              <a:rPr lang="zh-CN" altLang="en-US"/>
-              <a:t>统计关于输入的梯度范数，</a:t>
-            </a:r>
-            <a:r>
-              <a:rPr lang="zh-CN" altLang="en-US">
+              <a:rPr altLang="zh-CN" kern="100" dirty="0">
+                <a:effectLst/>
+                <a:latin typeface="Times New Roman" panose="02020603050405020304" pitchFamily="18" charset="0"/>
+                <a:ea typeface="宋体" pitchFamily="2" charset="-122"/>
                 <a:sym typeface="+mn-ea"/>
               </a:rPr>
-              <a:t>作为</a:t>
-            </a:r>
-            <a:r>
-              <a:rPr lang="en-US" altLang="zh-CN">
+              <a:t>《Deep Deterministic Uncertainty: A New Simple Baseline》</a:t>
+            </a:r>
+            <a:r>
+              <a:rPr lang="en-US" kern="100" dirty="0">
+                <a:effectLst/>
+                <a:latin typeface="Times New Roman" panose="02020603050405020304" pitchFamily="18" charset="0"/>
+                <a:ea typeface="宋体" pitchFamily="2" charset="-122"/>
                 <a:sym typeface="+mn-ea"/>
               </a:rPr>
-              <a:t>uncertainty</a:t>
-            </a:r>
-            <a:r>
-              <a:rPr lang="zh-CN" altLang="en-US">
-                <a:sym typeface="+mn-ea"/>
-              </a:rPr>
-              <a:t>度量</a:t>
-            </a:r>
-            <a:endParaRPr lang="zh-CN" altLang="en-US"/>
+              <a:t> CVPR2023</a:t>
+            </a:r>
+            <a:endParaRPr lang="en-US" kern="100" dirty="0">
+              <a:effectLst/>
+              <a:latin typeface="Times New Roman" panose="02020603050405020304" pitchFamily="18" charset="0"/>
+              <a:ea typeface="宋体" pitchFamily="2" charset="-122"/>
+              <a:sym typeface="+mn-ea"/>
+            </a:endParaRPr>
+          </a:p>
+          <a:p>
+            <a:pPr marL="285750" indent="-285750">
+              <a:buFont typeface="Wingdings" panose="05000000000000000000" charset="0"/>
+              <a:buChar char=""/>
+            </a:pPr>
+            <a:endParaRPr altLang="zh-CN" kern="100" dirty="0">
+              <a:effectLst/>
+              <a:latin typeface="Times New Roman" panose="02020603050405020304" pitchFamily="18" charset="0"/>
+              <a:ea typeface="宋体" pitchFamily="2" charset="-122"/>
+            </a:endParaRPr>
           </a:p>
           <a:p>
             <a:pPr marL="742950" lvl="1" indent="-285750">
@@ -4284,8 +4349,722 @@
               <a:buChar char=""/>
             </a:pPr>
             <a:r>
+              <a:rPr lang="zh-CN" altLang="en-US" kern="100" dirty="0">
+                <a:effectLst/>
+                <a:latin typeface="Times New Roman" panose="02020603050405020304" pitchFamily="18" charset="0"/>
+                <a:ea typeface="宋体" pitchFamily="2" charset="-122"/>
+                <a:sym typeface="+mn-ea"/>
+              </a:rPr>
+              <a:t>提出使用谱归一化</a:t>
+            </a:r>
+            <a:r>
+              <a:rPr lang="en-US" altLang="zh-CN" kern="100" dirty="0">
+                <a:effectLst/>
+                <a:latin typeface="Times New Roman" panose="02020603050405020304" pitchFamily="18" charset="0"/>
+                <a:ea typeface="宋体" pitchFamily="2" charset="-122"/>
+                <a:sym typeface="+mn-ea"/>
+              </a:rPr>
+              <a:t>(S</a:t>
+            </a:r>
+            <a:r>
+              <a:rPr lang="en-US" kern="100" dirty="0">
+                <a:effectLst/>
+                <a:latin typeface="Times New Roman" panose="02020603050405020304" pitchFamily="18" charset="0"/>
+                <a:ea typeface="宋体" pitchFamily="2" charset="-122"/>
+                <a:sym typeface="+mn-ea"/>
+              </a:rPr>
+              <a:t>pectral Normalization)</a:t>
+            </a:r>
+            <a:r>
+              <a:rPr lang="zh-CN" altLang="en-US" kern="100" dirty="0">
+                <a:effectLst/>
+                <a:latin typeface="Times New Roman" panose="02020603050405020304" pitchFamily="18" charset="0"/>
+                <a:ea typeface="宋体" pitchFamily="2" charset="-122"/>
+                <a:sym typeface="+mn-ea"/>
+              </a:rPr>
+              <a:t>保证网络的</a:t>
+            </a:r>
+            <a:r>
+              <a:rPr lang="en-US" kern="100" dirty="0">
+                <a:solidFill>
+                  <a:schemeClr val="tx1"/>
+                </a:solidFill>
+                <a:effectLst/>
+                <a:latin typeface="Times New Roman" panose="02020603050405020304" pitchFamily="18" charset="0"/>
+                <a:ea typeface="宋体" pitchFamily="2" charset="-122"/>
+                <a:sym typeface="+mn-ea"/>
+              </a:rPr>
+              <a:t>Smoothness &amp; Sensitivity</a:t>
+            </a:r>
+            <a:r>
+              <a:rPr lang="zh-CN" altLang="en-US" kern="100" dirty="0">
+                <a:solidFill>
+                  <a:schemeClr val="tx1"/>
+                </a:solidFill>
+                <a:effectLst/>
+                <a:latin typeface="Times New Roman" panose="02020603050405020304" pitchFamily="18" charset="0"/>
+                <a:ea typeface="宋体" pitchFamily="2" charset="-122"/>
+                <a:sym typeface="+mn-ea"/>
+              </a:rPr>
+              <a:t>，</a:t>
+            </a:r>
+            <a:r>
+              <a:rPr lang="zh-CN" altLang="en-US" kern="100" dirty="0">
+                <a:effectLst/>
+                <a:latin typeface="Times New Roman" panose="02020603050405020304" pitchFamily="18" charset="0"/>
+                <a:ea typeface="宋体" pitchFamily="2" charset="-122"/>
+                <a:sym typeface="+mn-ea"/>
+              </a:rPr>
+              <a:t>避免</a:t>
+            </a:r>
+            <a:r>
+              <a:rPr lang="en-US" altLang="zh-CN" kern="100" dirty="0">
+                <a:effectLst/>
+                <a:latin typeface="Times New Roman" panose="02020603050405020304" pitchFamily="18" charset="0"/>
+                <a:ea typeface="宋体" pitchFamily="2" charset="-122"/>
+                <a:sym typeface="+mn-ea"/>
+              </a:rPr>
+              <a:t>Feature Collapse</a:t>
+            </a:r>
+            <a:r>
+              <a:rPr lang="zh-CN" altLang="en-US" kern="100" dirty="0">
+                <a:effectLst/>
+                <a:latin typeface="Times New Roman" panose="02020603050405020304" pitchFamily="18" charset="0"/>
+                <a:ea typeface="宋体" pitchFamily="2" charset="-122"/>
+                <a:sym typeface="+mn-ea"/>
+              </a:rPr>
+              <a:t>问题</a:t>
+            </a:r>
+            <a:endParaRPr lang="zh-CN"/>
+          </a:p>
+          <a:p>
+            <a:pPr marL="285750" indent="-285750">
+              <a:buFont typeface="Wingdings" panose="05000000000000000000" charset="0"/>
+              <a:buChar char=""/>
+            </a:pPr>
+            <a:endParaRPr lang="en-US"/>
+          </a:p>
+        </p:txBody>
+      </p:sp>
+      <p:pic>
+        <p:nvPicPr>
+          <p:cNvPr id="18" name="图片 17"/>
+          <p:cNvPicPr>
+            <a:picLocks noChangeAspect="1"/>
+          </p:cNvPicPr>
+          <p:nvPr/>
+        </p:nvPicPr>
+        <p:blipFill>
+          <a:blip r:embed="rId1"/>
+          <a:stretch>
+            <a:fillRect/>
+          </a:stretch>
+        </p:blipFill>
+        <p:spPr>
+          <a:xfrm>
+            <a:off x="1433195" y="2825750"/>
+            <a:ext cx="8876665" cy="2814320"/>
+          </a:xfrm>
+          <a:prstGeom prst="rect">
+            <a:avLst/>
+          </a:prstGeom>
+        </p:spPr>
+      </p:pic>
+    </p:spTree>
+  </p:cSld>
+  <p:clrMapOvr>
+    <a:masterClrMapping/>
+  </p:clrMapOvr>
+  <mc:AlternateContent xmlns:mc="http://schemas.openxmlformats.org/markup-compatibility/2006" xmlns:p159="http://schemas.microsoft.com/office/powerpoint/2015/09/main">
+    <mc:Choice Requires="p159">
+      <p:transition xmlns:p14="http://schemas.microsoft.com/office/powerpoint/2010/main" spd="med">
+        <p159:morph option="byObject"/>
+      </p:transition>
+    </mc:Choice>
+    <mc:Fallback>
+      <p:transition spd="med">
+        <p:fade/>
+      </p:transition>
+    </mc:Fallback>
+  </mc:AlternateContent>
+</p:sld>
+</file>
+
+<file path=ppt/slides/slide12.xml><?xml version="1.0" encoding="utf-8"?>
+<p:sld xmlns:a="http://schemas.openxmlformats.org/drawingml/2006/main" xmlns:r="http://schemas.openxmlformats.org/officeDocument/2006/relationships" xmlns:p="http://schemas.openxmlformats.org/presentationml/2006/main">
+  <p:cSld>
+    <p:spTree>
+      <p:nvGrpSpPr>
+        <p:cNvPr id="1" name=""/>
+        <p:cNvGrpSpPr/>
+        <p:nvPr/>
+      </p:nvGrpSpPr>
+      <p:grpSpPr>
+        <a:xfrm>
+          <a:off x="0" y="0"/>
+          <a:ext cx="0" cy="0"/>
+          <a:chOff x="0" y="0"/>
+          <a:chExt cx="0" cy="0"/>
+        </a:xfrm>
+      </p:grpSpPr>
+      <p:sp>
+        <p:nvSpPr>
+          <p:cNvPr id="6" name="矩形 5"/>
+          <p:cNvSpPr/>
+          <p:nvPr/>
+        </p:nvSpPr>
+        <p:spPr>
+          <a:xfrm>
+            <a:off x="304543" y="486560"/>
+            <a:ext cx="2125980" cy="521970"/>
+          </a:xfrm>
+          <a:prstGeom prst="rect">
+            <a:avLst/>
+          </a:prstGeom>
+        </p:spPr>
+        <p:txBody>
+          <a:bodyPr wrap="none">
+            <a:spAutoFit/>
+          </a:bodyPr>
+          <a:lstStyle/>
+          <a:p>
+            <a:pPr algn="l" defTabSz="914400">
+              <a:defRPr/>
+            </a:pPr>
+            <a:r>
+              <a:rPr lang="en-US" altLang="zh-CN" sz="2800" b="1" dirty="0">
+                <a:latin typeface="微软雅黑" charset="-122"/>
+                <a:ea typeface="微软雅黑" charset="-122"/>
+                <a:cs typeface="微软雅黑" charset="-122"/>
+                <a:sym typeface="+mn-ea"/>
+              </a:rPr>
+              <a:t>Experiments</a:t>
+            </a:r>
+            <a:endParaRPr lang="zh-CN" altLang="en-US" sz="2800" b="1" dirty="0">
+              <a:solidFill>
+                <a:schemeClr val="tx1"/>
+              </a:solidFill>
+              <a:latin typeface="微软雅黑" charset="-122"/>
+              <a:ea typeface="微软雅黑" charset="-122"/>
+              <a:cs typeface="微软雅黑" charset="-122"/>
+              <a:sym typeface="+mn-ea"/>
+            </a:endParaRPr>
+          </a:p>
+        </p:txBody>
+      </p:sp>
+      <p:sp>
+        <p:nvSpPr>
+          <p:cNvPr id="10" name="文本框 9"/>
+          <p:cNvSpPr txBox="1"/>
+          <p:nvPr/>
+        </p:nvSpPr>
+        <p:spPr>
+          <a:xfrm>
+            <a:off x="457200" y="1197610"/>
+            <a:ext cx="10577830" cy="1753235"/>
+          </a:xfrm>
+          <a:prstGeom prst="rect">
+            <a:avLst/>
+          </a:prstGeom>
+          <a:noFill/>
+        </p:spPr>
+        <p:txBody>
+          <a:bodyPr wrap="square" rtlCol="0">
+            <a:spAutoFit/>
+          </a:bodyPr>
+          <a:p>
+            <a:pPr marL="285750" indent="-285750">
+              <a:buFont typeface="Wingdings" panose="05000000000000000000" charset="0"/>
+              <a:buChar char=""/>
+            </a:pPr>
+            <a:endParaRPr lang="zh-CN"/>
+          </a:p>
+          <a:p>
+            <a:pPr marL="285750" indent="-285750">
+              <a:buFont typeface="Wingdings" panose="05000000000000000000" charset="0"/>
+              <a:buChar char=""/>
+            </a:pPr>
+            <a:r>
+              <a:rPr altLang="zh-CN" kern="100" dirty="0">
+                <a:effectLst/>
+                <a:latin typeface="Times New Roman" panose="02020603050405020304" pitchFamily="18" charset="0"/>
+                <a:ea typeface="宋体" pitchFamily="2" charset="-122"/>
+                <a:sym typeface="+mn-ea"/>
+              </a:rPr>
+              <a:t>《</a:t>
+            </a:r>
+            <a:r>
+              <a:rPr lang="zh-CN"/>
+              <a:t>E</a:t>
+            </a:r>
+            <a:r>
+              <a:rPr lang="en-US" altLang="zh-CN"/>
+              <a:t>nhancing</a:t>
+            </a:r>
+            <a:r>
+              <a:rPr lang="zh-CN"/>
+              <a:t> </a:t>
+            </a:r>
+            <a:r>
+              <a:rPr lang="en-US" altLang="zh-CN"/>
+              <a:t>the reliability of out-of-distribution image detection in neural networks</a:t>
+            </a:r>
+            <a:r>
+              <a:rPr altLang="zh-CN" kern="100" dirty="0">
+                <a:effectLst/>
+                <a:latin typeface="Times New Roman" panose="02020603050405020304" pitchFamily="18" charset="0"/>
+                <a:ea typeface="宋体" pitchFamily="2" charset="-122"/>
+                <a:sym typeface="+mn-ea"/>
+              </a:rPr>
+              <a:t>》</a:t>
+            </a:r>
+            <a:endParaRPr altLang="zh-CN" kern="100" dirty="0">
+              <a:effectLst/>
+              <a:latin typeface="Times New Roman" panose="02020603050405020304" pitchFamily="18" charset="0"/>
+              <a:ea typeface="宋体" pitchFamily="2" charset="-122"/>
+              <a:sym typeface="+mn-ea"/>
+            </a:endParaRPr>
+          </a:p>
+          <a:p>
+            <a:pPr marL="285750" indent="-285750">
+              <a:buFont typeface="Wingdings" panose="05000000000000000000" charset="0"/>
+              <a:buChar char=""/>
+            </a:pPr>
+            <a:endParaRPr lang="en-US" altLang="zh-CN"/>
+          </a:p>
+          <a:p>
+            <a:pPr marL="285750" indent="-285750">
+              <a:buFont typeface="Wingdings" panose="05000000000000000000" charset="0"/>
+              <a:buChar char=""/>
+            </a:pPr>
+            <a:r>
+              <a:rPr lang="en-US" altLang="zh-CN"/>
+              <a:t>  </a:t>
+            </a:r>
+            <a:r>
               <a:rPr lang="zh-CN" altLang="en-US"/>
-              <a:t>gradient = images.grad.data</a:t>
+              <a:t>论文使用最大预测概率表示不确定性，并采用类似于</a:t>
+            </a:r>
+            <a:r>
+              <a:rPr lang="en-US" altLang="zh-CN"/>
+              <a:t>FGSM</a:t>
+            </a:r>
+            <a:r>
+              <a:rPr lang="zh-CN" altLang="en-US"/>
+              <a:t>攻击的加噪方式，可以提升区分</a:t>
+            </a:r>
+            <a:r>
+              <a:rPr lang="en-US" altLang="zh-CN"/>
+              <a:t>OOD</a:t>
+            </a:r>
+            <a:r>
+              <a:rPr lang="zh-CN" altLang="en-US"/>
+              <a:t>样本和</a:t>
+            </a:r>
+            <a:r>
+              <a:rPr lang="en-US" altLang="zh-CN"/>
+              <a:t>inD</a:t>
+            </a:r>
+            <a:r>
+              <a:rPr lang="zh-CN" altLang="en-US"/>
+              <a:t>样本的表现</a:t>
+            </a:r>
+            <a:endParaRPr lang="zh-CN"/>
+          </a:p>
+          <a:p>
+            <a:pPr marL="628650" lvl="2" indent="-285750">
+              <a:buFont typeface="Wingdings" panose="05000000000000000000" charset="0"/>
+              <a:buChar char=""/>
+            </a:pPr>
+            <a:endParaRPr lang="en-US"/>
+          </a:p>
+        </p:txBody>
+      </p:sp>
+      <p:grpSp>
+        <p:nvGrpSpPr>
+          <p:cNvPr id="7" name="组合 6"/>
+          <p:cNvGrpSpPr/>
+          <p:nvPr/>
+        </p:nvGrpSpPr>
+        <p:grpSpPr>
+          <a:xfrm>
+            <a:off x="2884170" y="3378200"/>
+            <a:ext cx="2942590" cy="1483360"/>
+            <a:chOff x="5234" y="4534"/>
+            <a:chExt cx="4634" cy="2336"/>
+          </a:xfrm>
+        </p:grpSpPr>
+        <p:pic>
+          <p:nvPicPr>
+            <p:cNvPr id="4" name="图片 3"/>
+            <p:cNvPicPr>
+              <a:picLocks noChangeAspect="1"/>
+            </p:cNvPicPr>
+            <p:nvPr/>
+          </p:nvPicPr>
+          <p:blipFill>
+            <a:blip r:embed="rId1"/>
+            <a:stretch>
+              <a:fillRect/>
+            </a:stretch>
+          </p:blipFill>
+          <p:spPr>
+            <a:xfrm>
+              <a:off x="5234" y="4534"/>
+              <a:ext cx="4605" cy="1035"/>
+            </a:xfrm>
+            <a:prstGeom prst="rect">
+              <a:avLst/>
+            </a:prstGeom>
+          </p:spPr>
+        </p:pic>
+        <p:pic>
+          <p:nvPicPr>
+            <p:cNvPr id="5" name="图片 4"/>
+            <p:cNvPicPr>
+              <a:picLocks noChangeAspect="1"/>
+            </p:cNvPicPr>
+            <p:nvPr/>
+          </p:nvPicPr>
+          <p:blipFill>
+            <a:blip r:embed="rId2"/>
+            <a:stretch>
+              <a:fillRect/>
+            </a:stretch>
+          </p:blipFill>
+          <p:spPr>
+            <a:xfrm>
+              <a:off x="5234" y="6286"/>
+              <a:ext cx="4635" cy="585"/>
+            </a:xfrm>
+            <a:prstGeom prst="rect">
+              <a:avLst/>
+            </a:prstGeom>
+          </p:spPr>
+        </p:pic>
+      </p:grpSp>
+    </p:spTree>
+  </p:cSld>
+  <p:clrMapOvr>
+    <a:masterClrMapping/>
+  </p:clrMapOvr>
+  <mc:AlternateContent xmlns:mc="http://schemas.openxmlformats.org/markup-compatibility/2006" xmlns:p159="http://schemas.microsoft.com/office/powerpoint/2015/09/main">
+    <mc:Choice Requires="p159">
+      <p:transition xmlns:p14="http://schemas.microsoft.com/office/powerpoint/2010/main" spd="med">
+        <p159:morph option="byObject"/>
+      </p:transition>
+    </mc:Choice>
+    <mc:Fallback>
+      <p:transition spd="med">
+        <p:fade/>
+      </p:transition>
+    </mc:Fallback>
+  </mc:AlternateContent>
+</p:sld>
+</file>
+
+<file path=ppt/slides/slide13.xml><?xml version="1.0" encoding="utf-8"?>
+<p:sld xmlns:a="http://schemas.openxmlformats.org/drawingml/2006/main" xmlns:r="http://schemas.openxmlformats.org/officeDocument/2006/relationships" xmlns:p="http://schemas.openxmlformats.org/presentationml/2006/main">
+  <p:cSld>
+    <p:spTree>
+      <p:nvGrpSpPr>
+        <p:cNvPr id="1" name=""/>
+        <p:cNvGrpSpPr/>
+        <p:nvPr/>
+      </p:nvGrpSpPr>
+      <p:grpSpPr>
+        <a:xfrm>
+          <a:off x="0" y="0"/>
+          <a:ext cx="0" cy="0"/>
+          <a:chOff x="0" y="0"/>
+          <a:chExt cx="0" cy="0"/>
+        </a:xfrm>
+      </p:grpSpPr>
+      <p:sp>
+        <p:nvSpPr>
+          <p:cNvPr id="6" name="矩形 5"/>
+          <p:cNvSpPr/>
+          <p:nvPr/>
+        </p:nvSpPr>
+        <p:spPr>
+          <a:xfrm>
+            <a:off x="304543" y="486560"/>
+            <a:ext cx="2125980" cy="521970"/>
+          </a:xfrm>
+          <a:prstGeom prst="rect">
+            <a:avLst/>
+          </a:prstGeom>
+        </p:spPr>
+        <p:txBody>
+          <a:bodyPr wrap="none">
+            <a:spAutoFit/>
+          </a:bodyPr>
+          <a:lstStyle/>
+          <a:p>
+            <a:pPr algn="l" defTabSz="914400">
+              <a:defRPr/>
+            </a:pPr>
+            <a:r>
+              <a:rPr lang="en-US" altLang="zh-CN" sz="2800" b="1" dirty="0">
+                <a:latin typeface="微软雅黑" charset="-122"/>
+                <a:ea typeface="微软雅黑" charset="-122"/>
+                <a:cs typeface="微软雅黑" charset="-122"/>
+                <a:sym typeface="+mn-ea"/>
+              </a:rPr>
+              <a:t>Experiments</a:t>
+            </a:r>
+            <a:endParaRPr lang="zh-CN" altLang="en-US" sz="2800" b="1" dirty="0">
+              <a:solidFill>
+                <a:schemeClr val="tx1"/>
+              </a:solidFill>
+              <a:latin typeface="微软雅黑" charset="-122"/>
+              <a:ea typeface="微软雅黑" charset="-122"/>
+              <a:cs typeface="微软雅黑" charset="-122"/>
+              <a:sym typeface="+mn-ea"/>
+            </a:endParaRPr>
+          </a:p>
+        </p:txBody>
+      </p:sp>
+      <p:sp>
+        <p:nvSpPr>
+          <p:cNvPr id="10" name="文本框 9"/>
+          <p:cNvSpPr txBox="1"/>
+          <p:nvPr/>
+        </p:nvSpPr>
+        <p:spPr>
+          <a:xfrm>
+            <a:off x="457200" y="1197610"/>
+            <a:ext cx="10577830" cy="1198880"/>
+          </a:xfrm>
+          <a:prstGeom prst="rect">
+            <a:avLst/>
+          </a:prstGeom>
+          <a:noFill/>
+        </p:spPr>
+        <p:txBody>
+          <a:bodyPr wrap="square" rtlCol="0">
+            <a:spAutoFit/>
+          </a:bodyPr>
+          <a:p>
+            <a:pPr marL="285750" indent="-285750">
+              <a:buFont typeface="Wingdings" panose="05000000000000000000" charset="0"/>
+              <a:buChar char=""/>
+            </a:pPr>
+            <a:endParaRPr lang="zh-CN"/>
+          </a:p>
+          <a:p>
+            <a:pPr marL="285750" indent="-285750">
+              <a:buFont typeface="Wingdings" panose="05000000000000000000" charset="0"/>
+              <a:buChar char=""/>
+            </a:pPr>
+            <a:r>
+              <a:rPr lang="zh-CN" altLang="en-US"/>
+              <a:t>研究梯度空间</a:t>
+            </a:r>
+            <a:endParaRPr lang="zh-CN" altLang="en-US"/>
+          </a:p>
+          <a:p>
+            <a:pPr marL="285750" indent="-285750">
+              <a:buFont typeface="Wingdings" panose="05000000000000000000" charset="0"/>
+              <a:buChar char=""/>
+            </a:pPr>
+            <a:r>
+              <a:rPr lang="zh-CN" altLang="en-US"/>
+              <a:t>基于梯度空间上的差异，添加输入扰动</a:t>
+            </a:r>
+            <a:endParaRPr lang="zh-CN" altLang="en-US"/>
+          </a:p>
+          <a:p>
+            <a:pPr marL="285750" indent="-285750">
+              <a:buFont typeface="Wingdings" panose="05000000000000000000" charset="0"/>
+              <a:buChar char=""/>
+            </a:pPr>
+            <a:endParaRPr lang="zh-CN" altLang="en-US"/>
+          </a:p>
+        </p:txBody>
+      </p:sp>
+      <p:grpSp>
+        <p:nvGrpSpPr>
+          <p:cNvPr id="7" name="组合 6"/>
+          <p:cNvGrpSpPr/>
+          <p:nvPr/>
+        </p:nvGrpSpPr>
+        <p:grpSpPr>
+          <a:xfrm>
+            <a:off x="2884170" y="3378200"/>
+            <a:ext cx="2942590" cy="1483360"/>
+            <a:chOff x="5234" y="4534"/>
+            <a:chExt cx="4634" cy="2336"/>
+          </a:xfrm>
+        </p:grpSpPr>
+        <p:pic>
+          <p:nvPicPr>
+            <p:cNvPr id="4" name="图片 3"/>
+            <p:cNvPicPr>
+              <a:picLocks noChangeAspect="1"/>
+            </p:cNvPicPr>
+            <p:nvPr/>
+          </p:nvPicPr>
+          <p:blipFill>
+            <a:blip r:embed="rId1"/>
+            <a:stretch>
+              <a:fillRect/>
+            </a:stretch>
+          </p:blipFill>
+          <p:spPr>
+            <a:xfrm>
+              <a:off x="5234" y="4534"/>
+              <a:ext cx="4605" cy="1035"/>
+            </a:xfrm>
+            <a:prstGeom prst="rect">
+              <a:avLst/>
+            </a:prstGeom>
+          </p:spPr>
+        </p:pic>
+        <p:pic>
+          <p:nvPicPr>
+            <p:cNvPr id="5" name="图片 4"/>
+            <p:cNvPicPr>
+              <a:picLocks noChangeAspect="1"/>
+            </p:cNvPicPr>
+            <p:nvPr/>
+          </p:nvPicPr>
+          <p:blipFill>
+            <a:blip r:embed="rId2"/>
+            <a:stretch>
+              <a:fillRect/>
+            </a:stretch>
+          </p:blipFill>
+          <p:spPr>
+            <a:xfrm>
+              <a:off x="5234" y="6286"/>
+              <a:ext cx="4635" cy="585"/>
+            </a:xfrm>
+            <a:prstGeom prst="rect">
+              <a:avLst/>
+            </a:prstGeom>
+          </p:spPr>
+        </p:pic>
+      </p:grpSp>
+    </p:spTree>
+  </p:cSld>
+  <p:clrMapOvr>
+    <a:masterClrMapping/>
+  </p:clrMapOvr>
+  <mc:AlternateContent xmlns:mc="http://schemas.openxmlformats.org/markup-compatibility/2006" xmlns:p159="http://schemas.microsoft.com/office/powerpoint/2015/09/main">
+    <mc:Choice Requires="p159">
+      <p:transition xmlns:p14="http://schemas.microsoft.com/office/powerpoint/2010/main" spd="med">
+        <p159:morph option="byObject"/>
+      </p:transition>
+    </mc:Choice>
+    <mc:Fallback>
+      <p:transition spd="med">
+        <p:fade/>
+      </p:transition>
+    </mc:Fallback>
+  </mc:AlternateContent>
+</p:sld>
+</file>
+
+<file path=ppt/slides/slide14.xml><?xml version="1.0" encoding="utf-8"?>
+<p:sld xmlns:a="http://schemas.openxmlformats.org/drawingml/2006/main" xmlns:r="http://schemas.openxmlformats.org/officeDocument/2006/relationships" xmlns:p="http://schemas.openxmlformats.org/presentationml/2006/main">
+  <p:cSld>
+    <p:spTree>
+      <p:nvGrpSpPr>
+        <p:cNvPr id="1" name=""/>
+        <p:cNvGrpSpPr/>
+        <p:nvPr/>
+      </p:nvGrpSpPr>
+      <p:grpSpPr>
+        <a:xfrm>
+          <a:off x="0" y="0"/>
+          <a:ext cx="0" cy="0"/>
+          <a:chOff x="0" y="0"/>
+          <a:chExt cx="0" cy="0"/>
+        </a:xfrm>
+      </p:grpSpPr>
+      <p:sp>
+        <p:nvSpPr>
+          <p:cNvPr id="6" name="矩形 5"/>
+          <p:cNvSpPr/>
+          <p:nvPr/>
+        </p:nvSpPr>
+        <p:spPr>
+          <a:xfrm>
+            <a:off x="304543" y="486560"/>
+            <a:ext cx="2125980" cy="521970"/>
+          </a:xfrm>
+          <a:prstGeom prst="rect">
+            <a:avLst/>
+          </a:prstGeom>
+        </p:spPr>
+        <p:txBody>
+          <a:bodyPr wrap="none">
+            <a:spAutoFit/>
+          </a:bodyPr>
+          <a:lstStyle/>
+          <a:p>
+            <a:pPr marL="0" indent="0" algn="l">
+              <a:buFont typeface="Wingdings" panose="05000000000000000000" charset="0"/>
+              <a:buNone/>
+            </a:pPr>
+            <a:r>
+              <a:rPr lang="en-US" altLang="zh-CN" sz="2800" b="1" dirty="0">
+                <a:latin typeface="微软雅黑" charset="-122"/>
+                <a:ea typeface="微软雅黑" charset="-122"/>
+                <a:cs typeface="微软雅黑" charset="-122"/>
+                <a:sym typeface="+mn-ea"/>
+              </a:rPr>
+              <a:t>Experiments</a:t>
+            </a:r>
+            <a:endParaRPr lang="zh-CN" altLang="en-US" sz="2800" b="1" dirty="0">
+              <a:solidFill>
+                <a:schemeClr val="tx1"/>
+              </a:solidFill>
+              <a:latin typeface="微软雅黑" charset="-122"/>
+              <a:ea typeface="微软雅黑" charset="-122"/>
+              <a:cs typeface="微软雅黑" charset="-122"/>
+              <a:sym typeface="+mn-ea"/>
+            </a:endParaRPr>
+          </a:p>
+        </p:txBody>
+      </p:sp>
+      <p:sp>
+        <p:nvSpPr>
+          <p:cNvPr id="5" name="文本框 4"/>
+          <p:cNvSpPr txBox="1"/>
+          <p:nvPr/>
+        </p:nvSpPr>
+        <p:spPr>
+          <a:xfrm>
+            <a:off x="442595" y="1341120"/>
+            <a:ext cx="10592435" cy="1476375"/>
+          </a:xfrm>
+          <a:prstGeom prst="rect">
+            <a:avLst/>
+          </a:prstGeom>
+          <a:noFill/>
+        </p:spPr>
+        <p:txBody>
+          <a:bodyPr wrap="square" rtlCol="0">
+            <a:spAutoFit/>
+          </a:bodyPr>
+          <a:p>
+            <a:pPr marL="285750" indent="-285750">
+              <a:buFont typeface="Wingdings" panose="05000000000000000000" charset="0"/>
+              <a:buChar char=""/>
+            </a:pPr>
+            <a:r>
+              <a:rPr lang="zh-CN"/>
+              <a:t>实验</a:t>
+            </a:r>
+            <a:r>
+              <a:rPr lang="en-US" altLang="zh-CN"/>
+              <a:t>: </a:t>
+            </a:r>
+            <a:r>
+              <a:rPr lang="zh-CN" altLang="en-US"/>
+              <a:t>统计关于输入的梯度范数</a:t>
             </a:r>
             <a:endParaRPr lang="zh-CN" altLang="en-US"/>
           </a:p>
@@ -4296,7 +5075,18 @@
             </a:pPr>
             <a:r>
               <a:rPr lang="zh-CN" altLang="en-US"/>
-              <a:t>gradient_norms = torch.norm(gradient, p=norm, dim=(1, 2, 3))</a:t>
+              <a:t>gradient = images.grad.data</a:t>
+            </a:r>
+            <a:endParaRPr lang="zh-CN" altLang="en-US"/>
+          </a:p>
+          <a:p>
+            <a:pPr marL="742950" lvl="1" indent="-285750">
+              <a:buFont typeface="Wingdings" panose="05000000000000000000" charset="0"/>
+              <a:buChar char=""/>
+            </a:pPr>
+            <a:r>
+              <a:rPr lang="zh-CN" altLang="en-US"/>
+              <a:t>gradient_norms = torch.norm(gradient, p=norm)</a:t>
             </a:r>
             <a:endParaRPr lang="zh-CN" altLang="en-US"/>
           </a:p>
@@ -4464,6 +5254,76 @@
           </p:spPr>
         </p:pic>
       </p:grpSp>
+      <p:sp>
+        <p:nvSpPr>
+          <p:cNvPr id="3" name="文本框 2"/>
+          <p:cNvSpPr txBox="1"/>
+          <p:nvPr/>
+        </p:nvSpPr>
+        <p:spPr>
+          <a:xfrm>
+            <a:off x="8335010" y="3295650"/>
+            <a:ext cx="3698240" cy="645160"/>
+          </a:xfrm>
+          <a:prstGeom prst="rect">
+            <a:avLst/>
+          </a:prstGeom>
+          <a:noFill/>
+        </p:spPr>
+        <p:txBody>
+          <a:bodyPr wrap="square" rtlCol="0">
+            <a:spAutoFit/>
+          </a:bodyPr>
+          <a:p>
+            <a:pPr algn="l"/>
+            <a:r>
+              <a:rPr lang="en-US" altLang="zh-CN">
+                <a:sym typeface="+mn-ea"/>
+              </a:rPr>
+              <a:t>Loss=gaussians_model.log_prob(X)</a:t>
+            </a:r>
+            <a:endParaRPr lang="en-US" altLang="zh-CN"/>
+          </a:p>
+          <a:p>
+            <a:endParaRPr lang="zh-CN" altLang="en-US"/>
+          </a:p>
+        </p:txBody>
+      </p:sp>
+      <p:sp>
+        <p:nvSpPr>
+          <p:cNvPr id="4" name="文本框 3"/>
+          <p:cNvSpPr txBox="1"/>
+          <p:nvPr/>
+        </p:nvSpPr>
+        <p:spPr>
+          <a:xfrm>
+            <a:off x="8335010" y="5307330"/>
+            <a:ext cx="3222625" cy="645160"/>
+          </a:xfrm>
+          <a:prstGeom prst="rect">
+            <a:avLst/>
+          </a:prstGeom>
+          <a:noFill/>
+        </p:spPr>
+        <p:txBody>
+          <a:bodyPr wrap="square" rtlCol="0">
+            <a:spAutoFit/>
+          </a:bodyPr>
+          <a:p>
+            <a:pPr algn="l"/>
+            <a:r>
+              <a:rPr lang="en-US" altLang="zh-CN">
+                <a:sym typeface="+mn-ea"/>
+              </a:rPr>
+              <a:t>Loss=CrossEntropy(label,pred)</a:t>
+            </a:r>
+            <a:endParaRPr lang="en-US" altLang="zh-CN"/>
+          </a:p>
+          <a:p>
+            <a:endParaRPr lang="zh-CN" altLang="en-US"/>
+          </a:p>
+        </p:txBody>
+      </p:sp>
     </p:spTree>
   </p:cSld>
   <p:clrMapOvr>
@@ -4484,7 +5344,7 @@
 </p:sld>
 </file>
 
-<file path=ppt/slides/slide12.xml><?xml version="1.0" encoding="utf-8"?>
+<file path=ppt/slides/slide15.xml><?xml version="1.0" encoding="utf-8"?>
 <p:sld xmlns:a="http://schemas.openxmlformats.org/drawingml/2006/main" xmlns:r="http://schemas.openxmlformats.org/officeDocument/2006/relationships" xmlns:p="http://schemas.openxmlformats.org/presentationml/2006/main">
   <p:cSld>
     <p:bg>
@@ -4588,25 +5448,7 @@
             </a:r>
             <a:r>
               <a:rPr lang="zh-CN" altLang="en-US"/>
-              <a:t>统计关于输入的梯度范数，</a:t>
-            </a:r>
-            <a:r>
-              <a:rPr lang="zh-CN" altLang="en-US">
-                <a:sym typeface="+mn-ea"/>
-              </a:rPr>
-              <a:t>作为</a:t>
-            </a:r>
-            <a:r>
-              <a:rPr lang="en-US" altLang="zh-CN">
-                <a:sym typeface="+mn-ea"/>
-              </a:rPr>
-              <a:t>uncertainty</a:t>
-            </a:r>
-            <a:r>
-              <a:rPr lang="zh-CN" altLang="en-US">
-                <a:sym typeface="+mn-ea"/>
-              </a:rPr>
-              <a:t>度量</a:t>
+              <a:t>统计关于输入的梯度范数</a:t>
             </a:r>
             <a:endParaRPr lang="zh-CN" altLang="en-US"/>
           </a:p>
@@ -4811,99 +5653,16 @@
           </p:pic>
         </p:grpSp>
       </p:grpSp>
-    </p:spTree>
-  </p:cSld>
-  <p:clrMapOvr>
-    <a:masterClrMapping/>
-  </p:clrMapOvr>
-  <mc:AlternateContent xmlns:mc="http://schemas.openxmlformats.org/markup-compatibility/2006" xmlns:p159="http://schemas.microsoft.com/office/powerpoint/2015/09/main">
-    <mc:Choice Requires="p159">
-      <p:transition xmlns:p14="http://schemas.microsoft.com/office/powerpoint/2010/main" spd="med">
-        <p159:morph option="byObject"/>
-      </p:transition>
-    </mc:Choice>
-    <mc:Fallback>
-      <p:transition spd="med">
-        <p:fade/>
-      </p:transition>
-    </mc:Fallback>
-  </mc:AlternateContent>
-</p:sld>
-</file>
-
-<file path=ppt/slides/slide13.xml><?xml version="1.0" encoding="utf-8"?>
-<p:sld xmlns:a="http://schemas.openxmlformats.org/drawingml/2006/main" xmlns:r="http://schemas.openxmlformats.org/officeDocument/2006/relationships" xmlns:p="http://schemas.openxmlformats.org/presentationml/2006/main">
-  <p:cSld>
-    <p:spTree>
-      <p:nvGrpSpPr>
-        <p:cNvPr id="1" name=""/>
-        <p:cNvGrpSpPr/>
-        <p:nvPr/>
-      </p:nvGrpSpPr>
-      <p:grpSpPr>
-        <a:xfrm>
-          <a:off x="0" y="0"/>
-          <a:ext cx="0" cy="0"/>
-          <a:chOff x="0" y="0"/>
-          <a:chExt cx="0" cy="0"/>
-        </a:xfrm>
-      </p:grpSpPr>
-      <p:sp>
-        <p:nvSpPr>
-          <p:cNvPr id="6" name="矩形 5"/>
-          <p:cNvSpPr/>
-          <p:nvPr/>
-        </p:nvSpPr>
-        <p:spPr>
-          <a:xfrm>
-            <a:off x="304543" y="486560"/>
-            <a:ext cx="2125980" cy="521970"/>
-          </a:xfrm>
-          <a:prstGeom prst="rect">
-            <a:avLst/>
-          </a:prstGeom>
-        </p:spPr>
-        <p:txBody>
-          <a:bodyPr wrap="none">
-            <a:spAutoFit/>
-          </a:bodyPr>
-          <a:lstStyle/>
-          <a:p>
-            <a:pPr marL="0" indent="0" algn="l">
-              <a:buFont typeface="Wingdings" panose="05000000000000000000" charset="0"/>
-              <a:buNone/>
-            </a:pPr>
-            <a:r>
-              <a:rPr lang="en-US" altLang="zh-CN" sz="2800" b="1" dirty="0">
-                <a:latin typeface="微软雅黑" charset="-122"/>
-                <a:ea typeface="微软雅黑" charset="-122"/>
-                <a:cs typeface="微软雅黑" charset="-122"/>
-                <a:sym typeface="+mn-ea"/>
-              </a:rPr>
-              <a:t>Experiments</a:t>
-            </a:r>
-            <a:endParaRPr lang="zh-CN" altLang="en-US" sz="2800" b="1" dirty="0">
-              <a:solidFill>
-                <a:schemeClr val="tx1"/>
-              </a:solidFill>
-              <a:latin typeface="微软雅黑" charset="-122"/>
-              <a:ea typeface="微软雅黑" charset="-122"/>
-              <a:cs typeface="微软雅黑" charset="-122"/>
-              <a:sym typeface="+mn-ea"/>
-            </a:endParaRPr>
-          </a:p>
-        </p:txBody>
-      </p:sp>
-      <p:sp>
-        <p:nvSpPr>
-          <p:cNvPr id="5" name="文本框 4"/>
+      <p:sp>
+        <p:nvSpPr>
+          <p:cNvPr id="2" name="文本框 1"/>
           <p:cNvSpPr txBox="1"/>
           <p:nvPr/>
         </p:nvSpPr>
         <p:spPr>
           <a:xfrm>
-            <a:off x="442595" y="1341120"/>
-            <a:ext cx="10592435" cy="645160"/>
+            <a:off x="7791450" y="3387090"/>
+            <a:ext cx="4206875" cy="368300"/>
           </a:xfrm>
           <a:prstGeom prst="rect">
             <a:avLst/>
@@ -4915,43 +5674,24 @@
             <a:spAutoFit/>
           </a:bodyPr>
           <a:p>
-            <a:pPr marL="285750" indent="-285750">
-              <a:buFont typeface="Wingdings" panose="05000000000000000000" charset="0"/>
-              <a:buChar char=""/>
-            </a:pPr>
-            <a:r>
-              <a:rPr lang="zh-CN"/>
-              <a:t>实验：使用关于输入的梯度作为</a:t>
-            </a:r>
             <a:r>
               <a:rPr lang="en-US" altLang="zh-CN"/>
-              <a:t>uncertainty</a:t>
-            </a:r>
-            <a:r>
-              <a:rPr lang="zh-CN" altLang="en-US"/>
-              <a:t>度量</a:t>
-            </a:r>
-            <a:endParaRPr lang="zh-CN"/>
-          </a:p>
-          <a:p>
-            <a:pPr marL="628650" lvl="2" indent="-285750">
-              <a:buFont typeface="Wingdings" panose="05000000000000000000" charset="0"/>
-              <a:buChar char=""/>
-            </a:pPr>
-            <a:endParaRPr lang="en-US"/>
-          </a:p>
-        </p:txBody>
-      </p:sp>
-      <p:sp>
-        <p:nvSpPr>
-          <p:cNvPr id="8" name="文本框 7"/>
+              <a:t>Loss=gaussians_model.log_prob(X)</a:t>
+            </a:r>
+            <a:endParaRPr lang="en-US" altLang="zh-CN"/>
+          </a:p>
+        </p:txBody>
+      </p:sp>
+      <p:sp>
+        <p:nvSpPr>
+          <p:cNvPr id="3" name="文本框 2"/>
           <p:cNvSpPr txBox="1"/>
           <p:nvPr/>
         </p:nvSpPr>
         <p:spPr>
           <a:xfrm>
-            <a:off x="304800" y="3279140"/>
-            <a:ext cx="1173480" cy="368300"/>
+            <a:off x="7861300" y="5059680"/>
+            <a:ext cx="4313555" cy="368300"/>
           </a:xfrm>
           <a:prstGeom prst="rect">
             <a:avLst/>
@@ -4965,519 +5705,7 @@
           <a:p>
             <a:r>
               <a:rPr lang="en-US" altLang="zh-CN"/>
-              <a:t>:</a:t>
-            </a:r>
-            <a:endParaRPr lang="en-US" altLang="zh-CN"/>
-          </a:p>
-        </p:txBody>
-      </p:sp>
-      <p:pic>
-        <p:nvPicPr>
-          <p:cNvPr id="2" name="图片 1"/>
-          <p:cNvPicPr>
-            <a:picLocks noChangeAspect="1"/>
-          </p:cNvPicPr>
-          <p:nvPr/>
-        </p:nvPicPr>
-        <p:blipFill>
-          <a:blip r:embed="rId1"/>
-          <a:stretch>
-            <a:fillRect/>
-          </a:stretch>
-        </p:blipFill>
-        <p:spPr>
-          <a:xfrm>
-            <a:off x="931545" y="2472055"/>
-            <a:ext cx="4533900" cy="2619375"/>
-          </a:xfrm>
-          <a:prstGeom prst="rect">
-            <a:avLst/>
-          </a:prstGeom>
-        </p:spPr>
-      </p:pic>
-      <p:pic>
-        <p:nvPicPr>
-          <p:cNvPr id="3" name="图片 2"/>
-          <p:cNvPicPr>
-            <a:picLocks noChangeAspect="1"/>
-          </p:cNvPicPr>
-          <p:nvPr/>
-        </p:nvPicPr>
-        <p:blipFill>
-          <a:blip r:embed="rId2"/>
-          <a:stretch>
-            <a:fillRect/>
-          </a:stretch>
-        </p:blipFill>
-        <p:spPr>
-          <a:xfrm>
-            <a:off x="6517005" y="2550160"/>
-            <a:ext cx="4743450" cy="2628900"/>
-          </a:xfrm>
-          <a:prstGeom prst="rect">
-            <a:avLst/>
-          </a:prstGeom>
-        </p:spPr>
-      </p:pic>
-    </p:spTree>
-  </p:cSld>
-  <p:clrMapOvr>
-    <a:masterClrMapping/>
-  </p:clrMapOvr>
-  <mc:AlternateContent xmlns:mc="http://schemas.openxmlformats.org/markup-compatibility/2006" xmlns:p159="http://schemas.microsoft.com/office/powerpoint/2015/09/main">
-    <mc:Choice Requires="p159">
-      <p:transition xmlns:p14="http://schemas.microsoft.com/office/powerpoint/2010/main" spd="med">
-        <p159:morph option="byObject"/>
-      </p:transition>
-    </mc:Choice>
-    <mc:Fallback>
-      <p:transition spd="med">
-        <p:fade/>
-      </p:transition>
-    </mc:Fallback>
-  </mc:AlternateContent>
-</p:sld>
-</file>
-
-<file path=ppt/slides/slide14.xml><?xml version="1.0" encoding="utf-8"?>
-<p:sld xmlns:a="http://schemas.openxmlformats.org/drawingml/2006/main" xmlns:r="http://schemas.openxmlformats.org/officeDocument/2006/relationships" xmlns:p="http://schemas.openxmlformats.org/presentationml/2006/main">
-  <p:cSld>
-    <p:spTree>
-      <p:nvGrpSpPr>
-        <p:cNvPr id="1" name=""/>
-        <p:cNvGrpSpPr/>
-        <p:nvPr/>
-      </p:nvGrpSpPr>
-      <p:grpSpPr>
-        <a:xfrm>
-          <a:off x="0" y="0"/>
-          <a:ext cx="0" cy="0"/>
-          <a:chOff x="0" y="0"/>
-          <a:chExt cx="0" cy="0"/>
-        </a:xfrm>
-      </p:grpSpPr>
-      <p:sp>
-        <p:nvSpPr>
-          <p:cNvPr id="6" name="矩形 5"/>
-          <p:cNvSpPr/>
-          <p:nvPr/>
-        </p:nvSpPr>
-        <p:spPr>
-          <a:xfrm>
-            <a:off x="304543" y="486560"/>
-            <a:ext cx="2125980" cy="521970"/>
-          </a:xfrm>
-          <a:prstGeom prst="rect">
-            <a:avLst/>
-          </a:prstGeom>
-        </p:spPr>
-        <p:txBody>
-          <a:bodyPr wrap="none">
-            <a:spAutoFit/>
-          </a:bodyPr>
-          <a:lstStyle/>
-          <a:p>
-            <a:pPr algn="l" defTabSz="914400">
-              <a:defRPr/>
-            </a:pPr>
-            <a:r>
-              <a:rPr lang="en-US" altLang="zh-CN" sz="2800" b="1" dirty="0">
-                <a:latin typeface="微软雅黑" charset="-122"/>
-                <a:ea typeface="微软雅黑" charset="-122"/>
-                <a:cs typeface="微软雅黑" charset="-122"/>
-                <a:sym typeface="+mn-ea"/>
-              </a:rPr>
-              <a:t>Experiments</a:t>
-            </a:r>
-            <a:endParaRPr lang="zh-CN" altLang="en-US" sz="2800" b="1" dirty="0">
-              <a:solidFill>
-                <a:schemeClr val="tx1"/>
-              </a:solidFill>
-              <a:latin typeface="微软雅黑" charset="-122"/>
-              <a:ea typeface="微软雅黑" charset="-122"/>
-              <a:cs typeface="微软雅黑" charset="-122"/>
-              <a:sym typeface="+mn-ea"/>
-            </a:endParaRPr>
-          </a:p>
-        </p:txBody>
-      </p:sp>
-      <p:sp>
-        <p:nvSpPr>
-          <p:cNvPr id="10" name="文本框 9"/>
-          <p:cNvSpPr txBox="1"/>
-          <p:nvPr/>
-        </p:nvSpPr>
-        <p:spPr>
-          <a:xfrm>
-            <a:off x="457200" y="1197610"/>
-            <a:ext cx="10577830" cy="1198880"/>
-          </a:xfrm>
-          <a:prstGeom prst="rect">
-            <a:avLst/>
-          </a:prstGeom>
-          <a:noFill/>
-        </p:spPr>
-        <p:txBody>
-          <a:bodyPr wrap="square" rtlCol="0">
-            <a:spAutoFit/>
-          </a:bodyPr>
-          <a:p>
-            <a:pPr marL="285750" indent="-285750">
-              <a:buFont typeface="Wingdings" panose="05000000000000000000" charset="0"/>
-              <a:buChar char=""/>
-            </a:pPr>
-            <a:r>
-              <a:rPr lang="zh-CN"/>
-              <a:t>基于</a:t>
-            </a:r>
-            <a:r>
-              <a:rPr lang="en-US" altLang="zh-CN"/>
-              <a:t>inD</a:t>
-            </a:r>
-            <a:r>
-              <a:rPr lang="zh-CN" altLang="en-US"/>
-              <a:t>和</a:t>
-            </a:r>
-            <a:r>
-              <a:rPr lang="en-US" altLang="zh-CN"/>
-              <a:t>OOD</a:t>
-            </a:r>
-            <a:r>
-              <a:rPr lang="zh-CN" altLang="en-US"/>
-              <a:t>样本的输入梯度表现的差异，</a:t>
-            </a:r>
-            <a:r>
-              <a:rPr lang="zh-CN"/>
-              <a:t>加入输入噪声</a:t>
-            </a:r>
-            <a:r>
-              <a:rPr lang="en-US" altLang="zh-CN"/>
-              <a:t>(input purturbation)</a:t>
-            </a:r>
-            <a:endParaRPr lang="en-US" altLang="zh-CN"/>
-          </a:p>
-          <a:p>
-            <a:pPr marL="285750" indent="-285750">
-              <a:buFont typeface="Wingdings" panose="05000000000000000000" charset="0"/>
-              <a:buChar char=""/>
-            </a:pPr>
-            <a:endParaRPr lang="en-US" altLang="zh-CN"/>
-          </a:p>
-          <a:p>
-            <a:pPr marL="285750" indent="-285750">
-              <a:buFont typeface="Wingdings" panose="05000000000000000000" charset="0"/>
-              <a:buChar char=""/>
-            </a:pPr>
-            <a:r>
-              <a:rPr lang="zh-CN" altLang="en-US"/>
-              <a:t>类似于</a:t>
-            </a:r>
-            <a:r>
-              <a:rPr lang="en-US" altLang="zh-CN"/>
-              <a:t>FGSM</a:t>
-            </a:r>
-            <a:r>
-              <a:rPr lang="zh-CN" altLang="en-US"/>
-              <a:t>攻击的加噪方式</a:t>
-            </a:r>
-            <a:endParaRPr lang="zh-CN"/>
-          </a:p>
-          <a:p>
-            <a:pPr marL="628650" lvl="2" indent="-285750">
-              <a:buFont typeface="Wingdings" panose="05000000000000000000" charset="0"/>
-              <a:buChar char=""/>
-            </a:pPr>
-            <a:endParaRPr lang="en-US"/>
-          </a:p>
-        </p:txBody>
-      </p:sp>
-      <p:pic>
-        <p:nvPicPr>
-          <p:cNvPr id="13" name="图片 12"/>
-          <p:cNvPicPr>
-            <a:picLocks noChangeAspect="1"/>
-          </p:cNvPicPr>
-          <p:nvPr/>
-        </p:nvPicPr>
-        <p:blipFill>
-          <a:blip r:embed="rId1"/>
-          <a:stretch>
-            <a:fillRect/>
-          </a:stretch>
-        </p:blipFill>
-        <p:spPr>
-          <a:xfrm>
-            <a:off x="2545715" y="3029585"/>
-            <a:ext cx="5289550" cy="550545"/>
-          </a:xfrm>
-          <a:prstGeom prst="rect">
-            <a:avLst/>
-          </a:prstGeom>
-        </p:spPr>
-      </p:pic>
-    </p:spTree>
-  </p:cSld>
-  <p:clrMapOvr>
-    <a:masterClrMapping/>
-  </p:clrMapOvr>
-  <mc:AlternateContent xmlns:mc="http://schemas.openxmlformats.org/markup-compatibility/2006" xmlns:p159="http://schemas.microsoft.com/office/powerpoint/2015/09/main">
-    <mc:Choice Requires="p159">
-      <p:transition xmlns:p14="http://schemas.microsoft.com/office/powerpoint/2010/main" spd="med">
-        <p159:morph option="byObject"/>
-      </p:transition>
-    </mc:Choice>
-    <mc:Fallback>
-      <p:transition spd="med">
-        <p:fade/>
-      </p:transition>
-    </mc:Fallback>
-  </mc:AlternateContent>
-</p:sld>
-</file>
-
-<file path=ppt/slides/slide15.xml><?xml version="1.0" encoding="utf-8"?>
-<p:sld xmlns:a="http://schemas.openxmlformats.org/drawingml/2006/main" xmlns:r="http://schemas.openxmlformats.org/officeDocument/2006/relationships" xmlns:p="http://schemas.openxmlformats.org/presentationml/2006/main">
-  <p:cSld>
-    <p:spTree>
-      <p:nvGrpSpPr>
-        <p:cNvPr id="1" name=""/>
-        <p:cNvGrpSpPr/>
-        <p:nvPr/>
-      </p:nvGrpSpPr>
-      <p:grpSpPr>
-        <a:xfrm>
-          <a:off x="0" y="0"/>
-          <a:ext cx="0" cy="0"/>
-          <a:chOff x="0" y="0"/>
-          <a:chExt cx="0" cy="0"/>
-        </a:xfrm>
-      </p:grpSpPr>
-      <p:sp>
-        <p:nvSpPr>
-          <p:cNvPr id="6" name="矩形 5"/>
-          <p:cNvSpPr/>
-          <p:nvPr/>
-        </p:nvSpPr>
-        <p:spPr>
-          <a:xfrm>
-            <a:off x="304543" y="486560"/>
-            <a:ext cx="2125980" cy="521970"/>
-          </a:xfrm>
-          <a:prstGeom prst="rect">
-            <a:avLst/>
-          </a:prstGeom>
-        </p:spPr>
-        <p:txBody>
-          <a:bodyPr wrap="none">
-            <a:spAutoFit/>
-          </a:bodyPr>
-          <a:lstStyle/>
-          <a:p>
-            <a:pPr marL="0" indent="0" algn="l">
-              <a:buFont typeface="Wingdings" panose="05000000000000000000" charset="0"/>
-              <a:buNone/>
-            </a:pPr>
-            <a:r>
-              <a:rPr lang="en-US" altLang="zh-CN" sz="2800" b="1" dirty="0">
-                <a:latin typeface="微软雅黑" charset="-122"/>
-                <a:ea typeface="微软雅黑" charset="-122"/>
-                <a:cs typeface="微软雅黑" charset="-122"/>
-                <a:sym typeface="+mn-ea"/>
-              </a:rPr>
-              <a:t>Experiments</a:t>
-            </a:r>
-            <a:endParaRPr lang="zh-CN" altLang="en-US" sz="2800" b="1" dirty="0">
-              <a:solidFill>
-                <a:schemeClr val="tx1"/>
-              </a:solidFill>
-              <a:latin typeface="微软雅黑" charset="-122"/>
-              <a:ea typeface="微软雅黑" charset="-122"/>
-              <a:cs typeface="微软雅黑" charset="-122"/>
-              <a:sym typeface="+mn-ea"/>
-            </a:endParaRPr>
-          </a:p>
-        </p:txBody>
-      </p:sp>
-      <p:sp>
-        <p:nvSpPr>
-          <p:cNvPr id="5" name="文本框 4"/>
-          <p:cNvSpPr txBox="1"/>
-          <p:nvPr/>
-        </p:nvSpPr>
-        <p:spPr>
-          <a:xfrm>
-            <a:off x="442595" y="1341120"/>
-            <a:ext cx="10592435" cy="645160"/>
-          </a:xfrm>
-          <a:prstGeom prst="rect">
-            <a:avLst/>
-          </a:prstGeom>
-          <a:noFill/>
-        </p:spPr>
-        <p:txBody>
-          <a:bodyPr wrap="square" rtlCol="0">
-            <a:spAutoFit/>
-          </a:bodyPr>
-          <a:p>
-            <a:pPr marL="285750" indent="-285750">
-              <a:buFont typeface="Wingdings" panose="05000000000000000000" charset="0"/>
-              <a:buChar char=""/>
-            </a:pPr>
-            <a:r>
-              <a:rPr lang="zh-CN"/>
-              <a:t>加入</a:t>
-            </a:r>
-            <a:r>
-              <a:rPr lang="en-US" altLang="zh-CN"/>
-              <a:t>input purturbation</a:t>
-            </a:r>
-            <a:r>
-              <a:rPr lang="zh-CN" altLang="en-US">
-                <a:sym typeface="+mn-ea"/>
-              </a:rPr>
-              <a:t>实验结果</a:t>
-            </a:r>
-            <a:endParaRPr lang="zh-CN"/>
-          </a:p>
-          <a:p>
-            <a:pPr marL="628650" lvl="2" indent="-285750">
-              <a:buFont typeface="Wingdings" panose="05000000000000000000" charset="0"/>
-              <a:buChar char=""/>
-            </a:pPr>
-            <a:endParaRPr lang="en-US"/>
-          </a:p>
-        </p:txBody>
-      </p:sp>
-      <p:sp>
-        <p:nvSpPr>
-          <p:cNvPr id="8" name="文本框 7"/>
-          <p:cNvSpPr txBox="1"/>
-          <p:nvPr/>
-        </p:nvSpPr>
-        <p:spPr>
-          <a:xfrm>
-            <a:off x="304800" y="3279140"/>
-            <a:ext cx="1173480" cy="368300"/>
-          </a:xfrm>
-          <a:prstGeom prst="rect">
-            <a:avLst/>
-          </a:prstGeom>
-          <a:noFill/>
-        </p:spPr>
-        <p:txBody>
-          <a:bodyPr wrap="square" rtlCol="0">
-            <a:spAutoFit/>
-          </a:bodyPr>
-          <a:p>
-            <a:r>
-              <a:rPr lang="en-US" altLang="zh-CN"/>
-              <a:t>:</a:t>
-            </a:r>
-            <a:endParaRPr lang="en-US" altLang="zh-CN"/>
-          </a:p>
-        </p:txBody>
-      </p:sp>
-      <p:pic>
-        <p:nvPicPr>
-          <p:cNvPr id="2" name="图片 1"/>
-          <p:cNvPicPr>
-            <a:picLocks noChangeAspect="1"/>
-          </p:cNvPicPr>
-          <p:nvPr/>
-        </p:nvPicPr>
-        <p:blipFill>
-          <a:blip r:embed="rId1"/>
-          <a:stretch>
-            <a:fillRect/>
-          </a:stretch>
-        </p:blipFill>
-        <p:spPr>
-          <a:xfrm>
-            <a:off x="5907405" y="1879600"/>
-            <a:ext cx="3503930" cy="4330700"/>
-          </a:xfrm>
-          <a:prstGeom prst="rect">
-            <a:avLst/>
-          </a:prstGeom>
-        </p:spPr>
-      </p:pic>
-      <p:pic>
-        <p:nvPicPr>
-          <p:cNvPr id="7" name="图片 6"/>
-          <p:cNvPicPr>
-            <a:picLocks noChangeAspect="1"/>
-          </p:cNvPicPr>
-          <p:nvPr/>
-        </p:nvPicPr>
-        <p:blipFill>
-          <a:blip r:embed="rId2"/>
-          <a:stretch>
-            <a:fillRect/>
-          </a:stretch>
-        </p:blipFill>
-        <p:spPr>
-          <a:xfrm>
-            <a:off x="1409065" y="1879600"/>
-            <a:ext cx="3563620" cy="4149090"/>
-          </a:xfrm>
-          <a:prstGeom prst="rect">
-            <a:avLst/>
-          </a:prstGeom>
-        </p:spPr>
-      </p:pic>
-      <p:sp>
-        <p:nvSpPr>
-          <p:cNvPr id="9" name="文本框 8"/>
-          <p:cNvSpPr txBox="1"/>
-          <p:nvPr/>
-        </p:nvSpPr>
-        <p:spPr>
-          <a:xfrm>
-            <a:off x="2751455" y="6185535"/>
-            <a:ext cx="754380" cy="368300"/>
-          </a:xfrm>
-          <a:prstGeom prst="rect">
-            <a:avLst/>
-          </a:prstGeom>
-          <a:noFill/>
-        </p:spPr>
-        <p:txBody>
-          <a:bodyPr wrap="none" rtlCol="0">
-            <a:spAutoFit/>
-          </a:bodyPr>
-          <a:p>
-            <a:r>
-              <a:rPr lang="en-US" altLang="zh-CN"/>
-              <a:t>vgg16</a:t>
-            </a:r>
-            <a:endParaRPr lang="en-US" altLang="zh-CN"/>
-          </a:p>
-        </p:txBody>
-      </p:sp>
-      <p:sp>
-        <p:nvSpPr>
-          <p:cNvPr id="10" name="文本框 9"/>
-          <p:cNvSpPr txBox="1"/>
-          <p:nvPr/>
-        </p:nvSpPr>
-        <p:spPr>
-          <a:xfrm>
-            <a:off x="7180580" y="6185535"/>
-            <a:ext cx="957580" cy="368300"/>
-          </a:xfrm>
-          <a:prstGeom prst="rect">
-            <a:avLst/>
-          </a:prstGeom>
-          <a:noFill/>
-        </p:spPr>
-        <p:txBody>
-          <a:bodyPr wrap="none" rtlCol="0">
-            <a:spAutoFit/>
-          </a:bodyPr>
-          <a:p>
-            <a:r>
-              <a:rPr lang="en-US" altLang="zh-CN"/>
-              <a:t>resnet50</a:t>
+              <a:t>Loss=CrossEntropy(label,pred)</a:t>
             </a:r>
             <a:endParaRPr lang="en-US" altLang="zh-CN"/>
           </a:p>
@@ -5593,17 +5821,15 @@
             </a:pPr>
             <a:r>
               <a:rPr lang="zh-CN"/>
-              <a:t>加入</a:t>
+              <a:t>实验：使用关于输入的梯度作为</a:t>
             </a:r>
             <a:r>
               <a:rPr lang="en-US" altLang="zh-CN"/>
-              <a:t>input purturbation</a:t>
-            </a:r>
-            <a:r>
-              <a:rPr lang="zh-CN" altLang="en-US">
-                <a:sym typeface="+mn-ea"/>
-              </a:rPr>
-              <a:t>实验结果</a:t>
+              <a:t>uncertainty</a:t>
+            </a:r>
+            <a:r>
+              <a:rPr lang="zh-CN" altLang="en-US"/>
+              <a:t>度量</a:t>
             </a:r>
             <a:endParaRPr lang="zh-CN"/>
           </a:p>
@@ -5647,7 +5873,7 @@
       </p:sp>
       <p:pic>
         <p:nvPicPr>
-          <p:cNvPr id="7" name="图片 6"/>
+          <p:cNvPr id="2" name="图片 1"/>
           <p:cNvPicPr>
             <a:picLocks noChangeAspect="1"/>
           </p:cNvPicPr>
@@ -5661,8 +5887,8 @@
         </p:blipFill>
         <p:spPr>
           <a:xfrm>
-            <a:off x="650240" y="2319020"/>
-            <a:ext cx="5278120" cy="3017520"/>
+            <a:off x="931545" y="2472055"/>
+            <a:ext cx="4533900" cy="2619375"/>
           </a:xfrm>
           <a:prstGeom prst="rect">
             <a:avLst/>
@@ -5671,7 +5897,7 @@
       </p:pic>
       <p:pic>
         <p:nvPicPr>
-          <p:cNvPr id="2" name="图片 1"/>
+          <p:cNvPr id="3" name="图片 2"/>
           <p:cNvPicPr>
             <a:picLocks noChangeAspect="1"/>
           </p:cNvPicPr>
@@ -5685,8 +5911,8 @@
         </p:blipFill>
         <p:spPr>
           <a:xfrm>
-            <a:off x="6271895" y="2281555"/>
-            <a:ext cx="5486400" cy="3105150"/>
+            <a:off x="6517005" y="2550160"/>
+            <a:ext cx="4743450" cy="2628900"/>
           </a:xfrm>
           <a:prstGeom prst="rect">
             <a:avLst/>
@@ -5714,7 +5940,7 @@
 </file>
 
 <file path=ppt/slides/slide17.xml><?xml version="1.0" encoding="utf-8"?>
-<p:sld xmlns:a="http://schemas.openxmlformats.org/drawingml/2006/main" xmlns:r="http://schemas.openxmlformats.org/officeDocument/2006/relationships" xmlns:p="http://schemas.openxmlformats.org/presentationml/2006/main">
+<p:sld xmlns:a="http://schemas.openxmlformats.org/drawingml/2006/main" xmlns:r="http://schemas.openxmlformats.org/officeDocument/2006/relationships" xmlns:p="http://schemas.openxmlformats.org/presentationml/2006/main" show="0">
   <p:cSld>
     <p:spTree>
       <p:nvGrpSpPr>
@@ -5785,7 +6011,7 @@
         <p:spPr>
           <a:xfrm>
             <a:off x="442595" y="1341120"/>
-            <a:ext cx="10592435" cy="1198880"/>
+            <a:ext cx="10592435" cy="645160"/>
           </a:xfrm>
           <a:prstGeom prst="rect">
             <a:avLst/>
@@ -5803,37 +6029,17 @@
             </a:pPr>
             <a:r>
               <a:rPr lang="zh-CN"/>
-              <a:t>实验</a:t>
+              <a:t>加入</a:t>
             </a:r>
             <a:r>
               <a:rPr lang="en-US" altLang="zh-CN"/>
-              <a:t>: </a:t>
-            </a:r>
-            <a:r>
-              <a:rPr lang="zh-CN"/>
-              <a:t>不同噪声，对实验结果的影响</a:t>
-            </a:r>
-            <a:endParaRPr lang="zh-CN"/>
-          </a:p>
-          <a:p>
-            <a:pPr marL="742950" lvl="1" indent="-285750">
-              <a:buFont typeface="Wingdings" panose="05000000000000000000" charset="0"/>
-              <a:buChar char=""/>
-            </a:pPr>
-            <a:r>
-              <a:rPr lang="zh-CN" altLang="en-US"/>
-              <a:t>根据输入的梯度，验证不同的添加噪声方式</a:t>
-            </a:r>
-            <a:endParaRPr lang="zh-CN" altLang="en-US"/>
-          </a:p>
-          <a:p>
-            <a:pPr marL="742950" lvl="1" indent="-285750">
-              <a:buFont typeface="Wingdings" panose="05000000000000000000" charset="0"/>
-              <a:buChar char=""/>
-            </a:pPr>
-            <a:r>
-              <a:rPr lang="en-US" altLang="zh-CN"/>
-              <a:t>fgsm/bim/pgd</a:t>
+              <a:t>input purturbation</a:t>
+            </a:r>
+            <a:r>
+              <a:rPr lang="zh-CN" altLang="en-US">
+                <a:sym typeface="+mn-ea"/>
+              </a:rPr>
+              <a:t>实验结果</a:t>
             </a:r>
             <a:endParaRPr lang="zh-CN"/>
           </a:p>
@@ -5891,8 +6097,300 @@
         </p:blipFill>
         <p:spPr>
           <a:xfrm>
-            <a:off x="2913380" y="3007995"/>
-            <a:ext cx="6581775" cy="1962150"/>
+            <a:off x="5907405" y="1879600"/>
+            <a:ext cx="3503930" cy="4330700"/>
+          </a:xfrm>
+          <a:prstGeom prst="rect">
+            <a:avLst/>
+          </a:prstGeom>
+        </p:spPr>
+      </p:pic>
+      <p:pic>
+        <p:nvPicPr>
+          <p:cNvPr id="7" name="图片 6"/>
+          <p:cNvPicPr>
+            <a:picLocks noChangeAspect="1"/>
+          </p:cNvPicPr>
+          <p:nvPr/>
+        </p:nvPicPr>
+        <p:blipFill>
+          <a:blip r:embed="rId2"/>
+          <a:stretch>
+            <a:fillRect/>
+          </a:stretch>
+        </p:blipFill>
+        <p:spPr>
+          <a:xfrm>
+            <a:off x="1409065" y="1879600"/>
+            <a:ext cx="3563620" cy="4149090"/>
+          </a:xfrm>
+          <a:prstGeom prst="rect">
+            <a:avLst/>
+          </a:prstGeom>
+        </p:spPr>
+      </p:pic>
+      <p:sp>
+        <p:nvSpPr>
+          <p:cNvPr id="9" name="文本框 8"/>
+          <p:cNvSpPr txBox="1"/>
+          <p:nvPr/>
+        </p:nvSpPr>
+        <p:spPr>
+          <a:xfrm>
+            <a:off x="2751455" y="6185535"/>
+            <a:ext cx="754380" cy="368300"/>
+          </a:xfrm>
+          <a:prstGeom prst="rect">
+            <a:avLst/>
+          </a:prstGeom>
+          <a:noFill/>
+        </p:spPr>
+        <p:txBody>
+          <a:bodyPr wrap="none" rtlCol="0">
+            <a:spAutoFit/>
+          </a:bodyPr>
+          <a:p>
+            <a:r>
+              <a:rPr lang="en-US" altLang="zh-CN"/>
+              <a:t>vgg16</a:t>
+            </a:r>
+            <a:endParaRPr lang="en-US" altLang="zh-CN"/>
+          </a:p>
+        </p:txBody>
+      </p:sp>
+      <p:sp>
+        <p:nvSpPr>
+          <p:cNvPr id="10" name="文本框 9"/>
+          <p:cNvSpPr txBox="1"/>
+          <p:nvPr/>
+        </p:nvSpPr>
+        <p:spPr>
+          <a:xfrm>
+            <a:off x="7180580" y="6185535"/>
+            <a:ext cx="957580" cy="368300"/>
+          </a:xfrm>
+          <a:prstGeom prst="rect">
+            <a:avLst/>
+          </a:prstGeom>
+          <a:noFill/>
+        </p:spPr>
+        <p:txBody>
+          <a:bodyPr wrap="none" rtlCol="0">
+            <a:spAutoFit/>
+          </a:bodyPr>
+          <a:p>
+            <a:r>
+              <a:rPr lang="en-US" altLang="zh-CN"/>
+              <a:t>resnet50</a:t>
+            </a:r>
+            <a:endParaRPr lang="en-US" altLang="zh-CN"/>
+          </a:p>
+        </p:txBody>
+      </p:sp>
+    </p:spTree>
+  </p:cSld>
+  <p:clrMapOvr>
+    <a:masterClrMapping/>
+  </p:clrMapOvr>
+  <mc:AlternateContent xmlns:mc="http://schemas.openxmlformats.org/markup-compatibility/2006" xmlns:p159="http://schemas.microsoft.com/office/powerpoint/2015/09/main">
+    <mc:Choice Requires="p159">
+      <p:transition xmlns:p14="http://schemas.microsoft.com/office/powerpoint/2010/main" spd="med">
+        <p159:morph option="byObject"/>
+      </p:transition>
+    </mc:Choice>
+    <mc:Fallback>
+      <p:transition spd="med">
+        <p:fade/>
+      </p:transition>
+    </mc:Fallback>
+  </mc:AlternateContent>
+</p:sld>
+</file>
+
+<file path=ppt/slides/slide18.xml><?xml version="1.0" encoding="utf-8"?>
+<p:sld xmlns:a="http://schemas.openxmlformats.org/drawingml/2006/main" xmlns:r="http://schemas.openxmlformats.org/officeDocument/2006/relationships" xmlns:p="http://schemas.openxmlformats.org/presentationml/2006/main" show="0">
+  <p:cSld>
+    <p:spTree>
+      <p:nvGrpSpPr>
+        <p:cNvPr id="1" name=""/>
+        <p:cNvGrpSpPr/>
+        <p:nvPr/>
+      </p:nvGrpSpPr>
+      <p:grpSpPr>
+        <a:xfrm>
+          <a:off x="0" y="0"/>
+          <a:ext cx="0" cy="0"/>
+          <a:chOff x="0" y="0"/>
+          <a:chExt cx="0" cy="0"/>
+        </a:xfrm>
+      </p:grpSpPr>
+      <p:sp>
+        <p:nvSpPr>
+          <p:cNvPr id="6" name="矩形 5"/>
+          <p:cNvSpPr/>
+          <p:nvPr/>
+        </p:nvSpPr>
+        <p:spPr>
+          <a:xfrm>
+            <a:off x="304543" y="486560"/>
+            <a:ext cx="2125980" cy="521970"/>
+          </a:xfrm>
+          <a:prstGeom prst="rect">
+            <a:avLst/>
+          </a:prstGeom>
+        </p:spPr>
+        <p:txBody>
+          <a:bodyPr wrap="none">
+            <a:spAutoFit/>
+          </a:bodyPr>
+          <a:lstStyle/>
+          <a:p>
+            <a:pPr marL="0" indent="0" algn="l">
+              <a:buFont typeface="Wingdings" panose="05000000000000000000" charset="0"/>
+              <a:buNone/>
+            </a:pPr>
+            <a:r>
+              <a:rPr lang="en-US" altLang="zh-CN" sz="2800" b="1" dirty="0">
+                <a:latin typeface="微软雅黑" charset="-122"/>
+                <a:ea typeface="微软雅黑" charset="-122"/>
+                <a:cs typeface="微软雅黑" charset="-122"/>
+                <a:sym typeface="+mn-ea"/>
+              </a:rPr>
+              <a:t>Experiments</a:t>
+            </a:r>
+            <a:endParaRPr lang="zh-CN" altLang="en-US" sz="2800" b="1" dirty="0">
+              <a:solidFill>
+                <a:schemeClr val="tx1"/>
+              </a:solidFill>
+              <a:latin typeface="微软雅黑" charset="-122"/>
+              <a:ea typeface="微软雅黑" charset="-122"/>
+              <a:cs typeface="微软雅黑" charset="-122"/>
+              <a:sym typeface="+mn-ea"/>
+            </a:endParaRPr>
+          </a:p>
+        </p:txBody>
+      </p:sp>
+      <p:sp>
+        <p:nvSpPr>
+          <p:cNvPr id="5" name="文本框 4"/>
+          <p:cNvSpPr txBox="1"/>
+          <p:nvPr/>
+        </p:nvSpPr>
+        <p:spPr>
+          <a:xfrm>
+            <a:off x="442595" y="1341120"/>
+            <a:ext cx="10592435" cy="645160"/>
+          </a:xfrm>
+          <a:prstGeom prst="rect">
+            <a:avLst/>
+          </a:prstGeom>
+          <a:noFill/>
+        </p:spPr>
+        <p:txBody>
+          <a:bodyPr wrap="square" rtlCol="0">
+            <a:spAutoFit/>
+          </a:bodyPr>
+          <a:p>
+            <a:pPr marL="285750" indent="-285750">
+              <a:buFont typeface="Wingdings" panose="05000000000000000000" charset="0"/>
+              <a:buChar char=""/>
+            </a:pPr>
+            <a:r>
+              <a:rPr lang="zh-CN"/>
+              <a:t>加入</a:t>
+            </a:r>
+            <a:r>
+              <a:rPr lang="en-US" altLang="zh-CN"/>
+              <a:t>input purturbation</a:t>
+            </a:r>
+            <a:r>
+              <a:rPr lang="zh-CN" altLang="en-US">
+                <a:sym typeface="+mn-ea"/>
+              </a:rPr>
+              <a:t>实验结果</a:t>
+            </a:r>
+            <a:endParaRPr lang="zh-CN"/>
+          </a:p>
+          <a:p>
+            <a:pPr marL="628650" lvl="2" indent="-285750">
+              <a:buFont typeface="Wingdings" panose="05000000000000000000" charset="0"/>
+              <a:buChar char=""/>
+            </a:pPr>
+            <a:endParaRPr lang="en-US"/>
+          </a:p>
+        </p:txBody>
+      </p:sp>
+      <p:sp>
+        <p:nvSpPr>
+          <p:cNvPr id="8" name="文本框 7"/>
+          <p:cNvSpPr txBox="1"/>
+          <p:nvPr/>
+        </p:nvSpPr>
+        <p:spPr>
+          <a:xfrm>
+            <a:off x="304800" y="3279140"/>
+            <a:ext cx="1173480" cy="368300"/>
+          </a:xfrm>
+          <a:prstGeom prst="rect">
+            <a:avLst/>
+          </a:prstGeom>
+          <a:noFill/>
+        </p:spPr>
+        <p:txBody>
+          <a:bodyPr wrap="square" rtlCol="0">
+            <a:spAutoFit/>
+          </a:bodyPr>
+          <a:p>
+            <a:r>
+              <a:rPr lang="en-US" altLang="zh-CN"/>
+              <a:t>:</a:t>
+            </a:r>
+            <a:endParaRPr lang="en-US" altLang="zh-CN"/>
+          </a:p>
+        </p:txBody>
+      </p:sp>
+      <p:pic>
+        <p:nvPicPr>
+          <p:cNvPr id="7" name="图片 6"/>
+          <p:cNvPicPr>
+            <a:picLocks noChangeAspect="1"/>
+          </p:cNvPicPr>
+          <p:nvPr/>
+        </p:nvPicPr>
+        <p:blipFill>
+          <a:blip r:embed="rId1"/>
+          <a:stretch>
+            <a:fillRect/>
+          </a:stretch>
+        </p:blipFill>
+        <p:spPr>
+          <a:xfrm>
+            <a:off x="650240" y="2319020"/>
+            <a:ext cx="5278120" cy="3017520"/>
+          </a:xfrm>
+          <a:prstGeom prst="rect">
+            <a:avLst/>
+          </a:prstGeom>
+        </p:spPr>
+      </p:pic>
+      <p:pic>
+        <p:nvPicPr>
+          <p:cNvPr id="2" name="图片 1"/>
+          <p:cNvPicPr>
+            <a:picLocks noChangeAspect="1"/>
+          </p:cNvPicPr>
+          <p:nvPr/>
+        </p:nvPicPr>
+        <p:blipFill>
+          <a:blip r:embed="rId2"/>
+          <a:stretch>
+            <a:fillRect/>
+          </a:stretch>
+        </p:blipFill>
+        <p:spPr>
+          <a:xfrm>
+            <a:off x="6271895" y="2281555"/>
+            <a:ext cx="5486400" cy="3105150"/>
           </a:xfrm>
           <a:prstGeom prst="rect">
             <a:avLst/>
@@ -5919,8 +6417,8 @@
 </p:sld>
 </file>
 
-<file path=ppt/slides/slide18.xml><?xml version="1.0" encoding="utf-8"?>
-<p:sld xmlns:a="http://schemas.openxmlformats.org/drawingml/2006/main" xmlns:r="http://schemas.openxmlformats.org/officeDocument/2006/relationships" xmlns:p="http://schemas.openxmlformats.org/presentationml/2006/main">
+<file path=ppt/slides/slide19.xml><?xml version="1.0" encoding="utf-8"?>
+<p:sld xmlns:a="http://schemas.openxmlformats.org/drawingml/2006/main" xmlns:r="http://schemas.openxmlformats.org/officeDocument/2006/relationships" xmlns:p="http://schemas.openxmlformats.org/presentationml/2006/main" show="0">
   <p:cSld>
     <p:spTree>
       <p:nvGrpSpPr>
@@ -5991,7 +6489,7 @@
         <p:spPr>
           <a:xfrm>
             <a:off x="442595" y="1341120"/>
-            <a:ext cx="10592435" cy="1476375"/>
+            <a:ext cx="10592435" cy="1198880"/>
           </a:xfrm>
           <a:prstGeom prst="rect">
             <a:avLst/>
@@ -6008,14 +6506,18 @@
               <a:buChar char=""/>
             </a:pPr>
             <a:r>
-              <a:rPr lang="zh-CN" altLang="en-US">
-                <a:sym typeface="+mn-ea"/>
-              </a:rPr>
-              <a:t>后续实验计划</a:t>
-            </a:r>
-            <a:endParaRPr lang="zh-CN" altLang="en-US">
-              <a:sym typeface="+mn-ea"/>
-            </a:endParaRPr>
+              <a:rPr lang="zh-CN"/>
+              <a:t>实验</a:t>
+            </a:r>
+            <a:r>
+              <a:rPr lang="en-US" altLang="zh-CN"/>
+              <a:t>: </a:t>
+            </a:r>
+            <a:r>
+              <a:rPr lang="zh-CN"/>
+              <a:t>不同噪声，对实验结果的影响</a:t>
+            </a:r>
+            <a:endParaRPr lang="zh-CN"/>
           </a:p>
           <a:p>
             <a:pPr marL="742950" lvl="1" indent="-285750">
@@ -6023,20 +6525,10 @@
               <a:buChar char=""/>
             </a:pPr>
             <a:r>
-              <a:rPr lang="en-US" altLang="zh-CN">
-                <a:sym typeface="+mn-ea"/>
-              </a:rPr>
-              <a:t>1. </a:t>
-            </a:r>
-            <a:r>
-              <a:rPr lang="zh-CN" altLang="en-US">
-                <a:sym typeface="+mn-ea"/>
-              </a:rPr>
-              <a:t>对不同层的研究</a:t>
-            </a:r>
-            <a:endParaRPr lang="zh-CN" altLang="en-US">
-              <a:sym typeface="+mn-ea"/>
-            </a:endParaRPr>
+              <a:rPr lang="zh-CN" altLang="en-US"/>
+              <a:t>根据输入的梯度，验证不同的添加噪声方式</a:t>
+            </a:r>
+            <a:endParaRPr lang="zh-CN" altLang="en-US"/>
           </a:p>
           <a:p>
             <a:pPr marL="742950" lvl="1" indent="-285750">
@@ -6044,61 +6536,8 @@
               <a:buChar char=""/>
             </a:pPr>
             <a:r>
-              <a:rPr lang="en-US" altLang="zh-CN">
-                <a:sym typeface="+mn-ea"/>
-              </a:rPr>
-              <a:t>2. </a:t>
-            </a:r>
-            <a:r>
-              <a:rPr lang="zh-CN" altLang="en-US">
-                <a:sym typeface="+mn-ea"/>
-              </a:rPr>
-              <a:t>添加一个</a:t>
-            </a:r>
-            <a:r>
-              <a:rPr lang="en-US" altLang="zh-CN">
-                <a:sym typeface="+mn-ea"/>
-              </a:rPr>
-              <a:t>head</a:t>
-            </a:r>
-            <a:r>
-              <a:rPr lang="zh-CN" altLang="en-US">
-                <a:sym typeface="+mn-ea"/>
-              </a:rPr>
-              <a:t>直接预测</a:t>
-            </a:r>
-            <a:r>
-              <a:rPr lang="en-US" altLang="zh-CN">
-                <a:sym typeface="+mn-ea"/>
-              </a:rPr>
-              <a:t>uncertainty</a:t>
-            </a:r>
-            <a:endParaRPr lang="en-US" altLang="zh-CN">
-              <a:sym typeface="+mn-ea"/>
-            </a:endParaRPr>
-          </a:p>
-          <a:p>
-            <a:pPr marL="742950" lvl="1" indent="-285750">
-              <a:buFont typeface="Wingdings" panose="05000000000000000000" charset="0"/>
-              <a:buChar char=""/>
-            </a:pPr>
-            <a:r>
-              <a:rPr lang="en-US" altLang="zh-CN">
-                <a:sym typeface="+mn-ea"/>
-              </a:rPr>
-              <a:t>3. </a:t>
-            </a:r>
-            <a:r>
-              <a:rPr lang="zh-CN" altLang="en-US">
-                <a:sym typeface="+mn-ea"/>
-              </a:rPr>
-              <a:t>在主动学习任务上评估</a:t>
-            </a:r>
-            <a:r>
-              <a:rPr lang="en-US" altLang="zh-CN">
-                <a:sym typeface="+mn-ea"/>
-              </a:rPr>
-              <a:t>uncertainty</a:t>
+              <a:rPr lang="en-US" altLang="zh-CN"/>
+              <a:t>fgsm/bim/pgd</a:t>
             </a:r>
             <a:endParaRPr lang="zh-CN"/>
           </a:p>
@@ -6140,6 +6579,30 @@
           </a:p>
         </p:txBody>
       </p:sp>
+      <p:pic>
+        <p:nvPicPr>
+          <p:cNvPr id="2" name="图片 1"/>
+          <p:cNvPicPr>
+            <a:picLocks noChangeAspect="1"/>
+          </p:cNvPicPr>
+          <p:nvPr/>
+        </p:nvPicPr>
+        <p:blipFill>
+          <a:blip r:embed="rId1"/>
+          <a:stretch>
+            <a:fillRect/>
+          </a:stretch>
+        </p:blipFill>
+        <p:spPr>
+          <a:xfrm>
+            <a:off x="2913380" y="3007995"/>
+            <a:ext cx="6581775" cy="1962150"/>
+          </a:xfrm>
+          <a:prstGeom prst="rect">
+            <a:avLst/>
+          </a:prstGeom>
+        </p:spPr>
+      </p:pic>
     </p:spTree>
   </p:cSld>
   <p:clrMapOvr>
@@ -6160,7 +6623,1185 @@
 </p:sld>
 </file>
 
-<file path=ppt/slides/slide19.xml><?xml version="1.0" encoding="utf-8"?>
+<file path=ppt/slides/slide2.xml><?xml version="1.0" encoding="utf-8"?>
+<p:sld xmlns:a="http://schemas.openxmlformats.org/drawingml/2006/main" xmlns:r="http://schemas.openxmlformats.org/officeDocument/2006/relationships" xmlns:p="http://schemas.openxmlformats.org/presentationml/2006/main">
+  <p:cSld>
+    <p:spTree>
+      <p:nvGrpSpPr>
+        <p:cNvPr id="1" name=""/>
+        <p:cNvGrpSpPr/>
+        <p:nvPr/>
+      </p:nvGrpSpPr>
+      <p:grpSpPr>
+        <a:xfrm>
+          <a:off x="0" y="0"/>
+          <a:ext cx="0" cy="0"/>
+          <a:chOff x="0" y="0"/>
+          <a:chExt cx="0" cy="0"/>
+        </a:xfrm>
+      </p:grpSpPr>
+      <p:sp>
+        <p:nvSpPr>
+          <p:cNvPr id="7" name="标题 6"/>
+          <p:cNvSpPr>
+            <a:spLocks noGrp="1"/>
+          </p:cNvSpPr>
+          <p:nvPr>
+            <p:ph type="title"/>
+          </p:nvPr>
+        </p:nvSpPr>
+        <p:spPr>
+          <a:xfrm>
+            <a:off x="446405" y="345441"/>
+            <a:ext cx="9906000" cy="685793"/>
+          </a:xfrm>
+        </p:spPr>
+        <p:txBody>
+          <a:bodyPr/>
+          <a:lstStyle/>
+          <a:p>
+            <a:pPr algn="l" eaLnBrk="0" hangingPunct="0">
+              <a:buClrTx/>
+              <a:buSzTx/>
+              <a:buFontTx/>
+              <a:defRPr/>
+            </a:pPr>
+            <a:r>
+              <a:rPr lang="zh-CN" altLang="en-US" sz="2800" b="1" dirty="0">
+                <a:solidFill>
+                  <a:schemeClr val="tx1"/>
+                </a:solidFill>
+                <a:latin typeface="微软雅黑" charset="-122"/>
+                <a:ea typeface="微软雅黑" charset="-122"/>
+                <a:cs typeface="微软雅黑" charset="-122"/>
+              </a:rPr>
+              <a:t>大纲</a:t>
+            </a:r>
+            <a:endParaRPr lang="zh-CN" altLang="en-US" sz="2800" b="1" dirty="0">
+              <a:solidFill>
+                <a:schemeClr val="tx1"/>
+              </a:solidFill>
+              <a:latin typeface="微软雅黑" charset="-122"/>
+              <a:ea typeface="微软雅黑" charset="-122"/>
+              <a:cs typeface="微软雅黑" charset="-122"/>
+            </a:endParaRPr>
+          </a:p>
+        </p:txBody>
+      </p:sp>
+      <p:sp>
+        <p:nvSpPr>
+          <p:cNvPr id="2" name="矩形 1"/>
+          <p:cNvSpPr/>
+          <p:nvPr/>
+        </p:nvSpPr>
+        <p:spPr>
+          <a:xfrm>
+            <a:off x="446405" y="1659890"/>
+            <a:ext cx="8415020" cy="2245360"/>
+          </a:xfrm>
+          <a:prstGeom prst="rect">
+            <a:avLst/>
+          </a:prstGeom>
+        </p:spPr>
+        <p:txBody>
+          <a:bodyPr wrap="square">
+            <a:spAutoFit/>
+          </a:bodyPr>
+          <a:lstStyle/>
+          <a:p>
+            <a:pPr marL="285750" indent="-285750" algn="l">
+              <a:buFont typeface="Wingdings" panose="05000000000000000000" charset="0"/>
+              <a:buChar char=""/>
+            </a:pPr>
+            <a:r>
+              <a:rPr lang="en-US" altLang="zh-CN" sz="2000" dirty="0">
+                <a:sym typeface="+mn-ea"/>
+              </a:rPr>
+              <a:t>Introduction</a:t>
+            </a:r>
+            <a:endParaRPr lang="en-US" altLang="zh-CN" sz="2000" dirty="0">
+              <a:sym typeface="+mn-ea"/>
+            </a:endParaRPr>
+          </a:p>
+          <a:p>
+            <a:pPr marL="285750" indent="-285750" algn="l">
+              <a:buFont typeface="Wingdings" panose="05000000000000000000" charset="0"/>
+              <a:buChar char=""/>
+            </a:pPr>
+            <a:endParaRPr lang="zh-CN" altLang="en-US" sz="2000" dirty="0">
+              <a:sym typeface="+mn-ea"/>
+            </a:endParaRPr>
+          </a:p>
+          <a:p>
+            <a:pPr marL="285750" indent="-285750" algn="l">
+              <a:buFont typeface="Wingdings" panose="05000000000000000000" charset="0"/>
+              <a:buChar char=""/>
+            </a:pPr>
+            <a:r>
+              <a:rPr lang="en-US" altLang="zh-CN" sz="2000" dirty="0"/>
+              <a:t>Background</a:t>
+            </a:r>
+            <a:endParaRPr lang="en-US" altLang="zh-CN" sz="2000" dirty="0"/>
+          </a:p>
+          <a:p>
+            <a:pPr marL="285750" indent="-285750" algn="l">
+              <a:buFont typeface="Wingdings" panose="05000000000000000000" charset="0"/>
+              <a:buChar char=""/>
+            </a:pPr>
+            <a:endParaRPr lang="en-US" altLang="zh-CN" sz="2000" b="1" dirty="0">
+              <a:latin typeface="微软雅黑" charset="-122"/>
+              <a:ea typeface="微软雅黑" charset="-122"/>
+              <a:cs typeface="微软雅黑" charset="-122"/>
+              <a:sym typeface="+mn-ea"/>
+            </a:endParaRPr>
+          </a:p>
+          <a:p>
+            <a:pPr marL="285750" indent="-285750" algn="l">
+              <a:buFont typeface="Wingdings" panose="05000000000000000000" charset="0"/>
+              <a:buChar char=""/>
+            </a:pPr>
+            <a:r>
+              <a:rPr lang="en-US" altLang="zh-CN" sz="2000" dirty="0">
+                <a:solidFill>
+                  <a:schemeClr val="tx1"/>
+                </a:solidFill>
+                <a:latin typeface="微软雅黑" charset="-122"/>
+                <a:ea typeface="微软雅黑" charset="-122"/>
+                <a:cs typeface="微软雅黑" charset="-122"/>
+                <a:sym typeface="+mn-ea"/>
+              </a:rPr>
+              <a:t>Method</a:t>
+            </a:r>
+            <a:endParaRPr lang="zh-CN" altLang="en-US" sz="2000" dirty="0">
+              <a:solidFill>
+                <a:schemeClr val="tx1"/>
+              </a:solidFill>
+              <a:latin typeface="微软雅黑" charset="-122"/>
+              <a:ea typeface="微软雅黑" charset="-122"/>
+              <a:cs typeface="微软雅黑" charset="-122"/>
+              <a:sym typeface="+mn-ea"/>
+            </a:endParaRPr>
+          </a:p>
+          <a:p>
+            <a:pPr marL="285750" indent="-285750" algn="l">
+              <a:buFont typeface="Wingdings" panose="05000000000000000000" charset="0"/>
+              <a:buChar char=""/>
+            </a:pPr>
+            <a:endParaRPr lang="zh-CN" altLang="en-US" sz="2000" dirty="0">
+              <a:latin typeface="微软雅黑" charset="-122"/>
+              <a:ea typeface="微软雅黑" charset="-122"/>
+              <a:cs typeface="微软雅黑" charset="-122"/>
+              <a:sym typeface="+mn-ea"/>
+            </a:endParaRPr>
+          </a:p>
+          <a:p>
+            <a:pPr marL="285750" indent="-285750" algn="l">
+              <a:buFont typeface="Wingdings" panose="05000000000000000000" charset="0"/>
+              <a:buChar char=""/>
+            </a:pPr>
+            <a:r>
+              <a:rPr lang="en-US" altLang="zh-CN" sz="2000" dirty="0"/>
+              <a:t>Experiments</a:t>
+            </a:r>
+            <a:endParaRPr lang="en-US" altLang="zh-CN" sz="2000" dirty="0"/>
+          </a:p>
+        </p:txBody>
+      </p:sp>
+      <p:sp>
+        <p:nvSpPr>
+          <p:cNvPr id="15" name="椭圆 14"/>
+          <p:cNvSpPr/>
+          <p:nvPr/>
+        </p:nvSpPr>
+        <p:spPr>
+          <a:xfrm>
+            <a:off x="7497445" y="2990850"/>
+            <a:ext cx="914400" cy="914400"/>
+          </a:xfrm>
+          <a:prstGeom prst="ellipse">
+            <a:avLst/>
+          </a:prstGeom>
+        </p:spPr>
+        <p:txBody>
+          <a:bodyPr wrap="none">
+            <a:spAutoFit/>
+          </a:bodyPr>
+          <a:p>
+            <a:endParaRPr lang="zh-CN" altLang="en-US" sz="2400" dirty="0"/>
+          </a:p>
+        </p:txBody>
+      </p:sp>
+    </p:spTree>
+  </p:cSld>
+  <p:clrMapOvr>
+    <a:masterClrMapping/>
+  </p:clrMapOvr>
+  <p:transition/>
+</p:sld>
+</file>
+
+<file path=ppt/slides/slide20.xml><?xml version="1.0" encoding="utf-8"?>
+<p:sld xmlns:a="http://schemas.openxmlformats.org/drawingml/2006/main" xmlns:r="http://schemas.openxmlformats.org/officeDocument/2006/relationships" xmlns:p="http://schemas.openxmlformats.org/presentationml/2006/main">
+  <p:cSld>
+    <p:spTree>
+      <p:nvGrpSpPr>
+        <p:cNvPr id="1" name=""/>
+        <p:cNvGrpSpPr/>
+        <p:nvPr/>
+      </p:nvGrpSpPr>
+      <p:grpSpPr>
+        <a:xfrm>
+          <a:off x="0" y="0"/>
+          <a:ext cx="0" cy="0"/>
+          <a:chOff x="0" y="0"/>
+          <a:chExt cx="0" cy="0"/>
+        </a:xfrm>
+      </p:grpSpPr>
+      <p:sp>
+        <p:nvSpPr>
+          <p:cNvPr id="6" name="矩形 5"/>
+          <p:cNvSpPr/>
+          <p:nvPr/>
+        </p:nvSpPr>
+        <p:spPr>
+          <a:xfrm>
+            <a:off x="304543" y="486560"/>
+            <a:ext cx="2125980" cy="521970"/>
+          </a:xfrm>
+          <a:prstGeom prst="rect">
+            <a:avLst/>
+          </a:prstGeom>
+        </p:spPr>
+        <p:txBody>
+          <a:bodyPr wrap="none">
+            <a:spAutoFit/>
+          </a:bodyPr>
+          <a:lstStyle/>
+          <a:p>
+            <a:pPr marL="0" indent="0" algn="l">
+              <a:buFont typeface="Wingdings" panose="05000000000000000000" charset="0"/>
+              <a:buNone/>
+            </a:pPr>
+            <a:r>
+              <a:rPr lang="en-US" altLang="zh-CN" sz="2800" b="1" dirty="0">
+                <a:latin typeface="微软雅黑" charset="-122"/>
+                <a:ea typeface="微软雅黑" charset="-122"/>
+                <a:cs typeface="微软雅黑" charset="-122"/>
+                <a:sym typeface="+mn-ea"/>
+              </a:rPr>
+              <a:t>Experiments</a:t>
+            </a:r>
+            <a:endParaRPr lang="zh-CN" altLang="en-US" sz="2800" b="1" dirty="0">
+              <a:solidFill>
+                <a:schemeClr val="tx1"/>
+              </a:solidFill>
+              <a:latin typeface="微软雅黑" charset="-122"/>
+              <a:ea typeface="微软雅黑" charset="-122"/>
+              <a:cs typeface="微软雅黑" charset="-122"/>
+              <a:sym typeface="+mn-ea"/>
+            </a:endParaRPr>
+          </a:p>
+        </p:txBody>
+      </p:sp>
+      <p:sp>
+        <p:nvSpPr>
+          <p:cNvPr id="5" name="文本框 4"/>
+          <p:cNvSpPr txBox="1"/>
+          <p:nvPr/>
+        </p:nvSpPr>
+        <p:spPr>
+          <a:xfrm>
+            <a:off x="442595" y="1341120"/>
+            <a:ext cx="10592435" cy="922020"/>
+          </a:xfrm>
+          <a:prstGeom prst="rect">
+            <a:avLst/>
+          </a:prstGeom>
+          <a:noFill/>
+        </p:spPr>
+        <p:txBody>
+          <a:bodyPr wrap="square" rtlCol="0">
+            <a:spAutoFit/>
+          </a:bodyPr>
+          <a:p>
+            <a:pPr marL="285750" indent="-285750">
+              <a:buFont typeface="Wingdings" panose="05000000000000000000" charset="0"/>
+              <a:buChar char=""/>
+            </a:pPr>
+            <a:r>
+              <a:rPr lang="zh-CN"/>
+              <a:t>实验</a:t>
+            </a:r>
+            <a:r>
+              <a:rPr lang="en-US" altLang="zh-CN"/>
+              <a:t>: </a:t>
+            </a:r>
+            <a:r>
+              <a:rPr lang="zh-CN"/>
+              <a:t>不同噪声，对实验结果的影响</a:t>
+            </a:r>
+            <a:endParaRPr lang="zh-CN"/>
+          </a:p>
+          <a:p>
+            <a:pPr marL="285750" indent="-285750">
+              <a:buFont typeface="Wingdings" panose="05000000000000000000" charset="0"/>
+              <a:buChar char=""/>
+            </a:pPr>
+            <a:endParaRPr lang="zh-CN"/>
+          </a:p>
+          <a:p>
+            <a:pPr marL="742950" lvl="1" indent="-285750">
+              <a:buFont typeface="Wingdings" panose="05000000000000000000" charset="0"/>
+              <a:buChar char=""/>
+            </a:pPr>
+            <a:r>
+              <a:rPr lang="zh-CN" altLang="en-US"/>
+              <a:t>根据输入的梯度，验证不同的添加噪声方式</a:t>
+            </a:r>
+            <a:endParaRPr lang="en-US"/>
+          </a:p>
+        </p:txBody>
+      </p:sp>
+      <p:sp>
+        <p:nvSpPr>
+          <p:cNvPr id="8" name="文本框 7"/>
+          <p:cNvSpPr txBox="1"/>
+          <p:nvPr/>
+        </p:nvSpPr>
+        <p:spPr>
+          <a:xfrm>
+            <a:off x="1805305" y="3128645"/>
+            <a:ext cx="11245215" cy="922020"/>
+          </a:xfrm>
+          <a:prstGeom prst="rect">
+            <a:avLst/>
+          </a:prstGeom>
+          <a:noFill/>
+        </p:spPr>
+        <p:txBody>
+          <a:bodyPr wrap="square" rtlCol="0">
+            <a:spAutoFit/>
+          </a:bodyPr>
+          <a:p>
+            <a:r>
+              <a:rPr lang="en-US" altLang="zh-CN"/>
+              <a:t>threshod:</a:t>
+            </a:r>
+            <a:r>
+              <a:rPr lang="zh-CN" altLang="en-US"/>
+              <a:t>在训练集上统计所有关于输入的梯度，并计算分位数</a:t>
+            </a:r>
+            <a:endParaRPr lang="zh-CN" altLang="en-US"/>
+          </a:p>
+          <a:p>
+            <a:endParaRPr lang="zh-CN" altLang="en-US"/>
+          </a:p>
+          <a:p>
+            <a:r>
+              <a:rPr lang="zh-CN" altLang="en-US"/>
+              <a:t>通过</a:t>
+            </a:r>
+            <a:r>
+              <a:rPr lang="en-US" altLang="zh-CN"/>
+              <a:t>gridSearch</a:t>
+            </a:r>
+            <a:r>
+              <a:rPr lang="zh-CN" altLang="en-US"/>
+              <a:t>得到超参数</a:t>
+            </a:r>
+            <a:r>
+              <a:rPr lang="en-US" altLang="zh-CN"/>
+              <a:t>: </a:t>
+            </a:r>
+            <a:r>
+              <a:rPr lang="en-US" altLang="zh-CN">
+                <a:latin typeface="文鼎ＰＬ简中楷" panose="02010600030101010101" charset="-122"/>
+                <a:ea typeface="文鼎ＰＬ简中楷" panose="02010600030101010101" charset="-122"/>
+              </a:rPr>
+              <a:t>ε,λ</a:t>
+            </a:r>
+            <a:endParaRPr lang="en-US" altLang="zh-CN">
+              <a:latin typeface="文鼎ＰＬ简中楷" panose="02010600030101010101" charset="-122"/>
+              <a:ea typeface="文鼎ＰＬ简中楷" panose="02010600030101010101" charset="-122"/>
+            </a:endParaRPr>
+          </a:p>
+        </p:txBody>
+      </p:sp>
+      <p:pic>
+        <p:nvPicPr>
+          <p:cNvPr id="7" name="图片 6"/>
+          <p:cNvPicPr>
+            <a:picLocks noChangeAspect="1"/>
+          </p:cNvPicPr>
+          <p:nvPr/>
+        </p:nvPicPr>
+        <p:blipFill>
+          <a:blip r:embed="rId1"/>
+          <a:stretch>
+            <a:fillRect/>
+          </a:stretch>
+        </p:blipFill>
+        <p:spPr>
+          <a:xfrm>
+            <a:off x="1805305" y="2414905"/>
+            <a:ext cx="7867650" cy="561975"/>
+          </a:xfrm>
+          <a:prstGeom prst="rect">
+            <a:avLst/>
+          </a:prstGeom>
+        </p:spPr>
+      </p:pic>
+    </p:spTree>
+  </p:cSld>
+  <p:clrMapOvr>
+    <a:masterClrMapping/>
+  </p:clrMapOvr>
+  <mc:AlternateContent xmlns:mc="http://schemas.openxmlformats.org/markup-compatibility/2006" xmlns:p159="http://schemas.microsoft.com/office/powerpoint/2015/09/main">
+    <mc:Choice Requires="p159">
+      <p:transition xmlns:p14="http://schemas.microsoft.com/office/powerpoint/2010/main" spd="med">
+        <p159:morph option="byObject"/>
+      </p:transition>
+    </mc:Choice>
+    <mc:Fallback>
+      <p:transition spd="med">
+        <p:fade/>
+      </p:transition>
+    </mc:Fallback>
+  </mc:AlternateContent>
+</p:sld>
+</file>
+
+<file path=ppt/slides/slide21.xml><?xml version="1.0" encoding="utf-8"?>
+<p:sld xmlns:a="http://schemas.openxmlformats.org/drawingml/2006/main" xmlns:r="http://schemas.openxmlformats.org/officeDocument/2006/relationships" xmlns:p="http://schemas.openxmlformats.org/presentationml/2006/main" show="0">
+  <p:cSld>
+    <p:spTree>
+      <p:nvGrpSpPr>
+        <p:cNvPr id="1" name=""/>
+        <p:cNvGrpSpPr/>
+        <p:nvPr/>
+      </p:nvGrpSpPr>
+      <p:grpSpPr>
+        <a:xfrm>
+          <a:off x="0" y="0"/>
+          <a:ext cx="0" cy="0"/>
+          <a:chOff x="0" y="0"/>
+          <a:chExt cx="0" cy="0"/>
+        </a:xfrm>
+      </p:grpSpPr>
+      <p:sp>
+        <p:nvSpPr>
+          <p:cNvPr id="6" name="矩形 5"/>
+          <p:cNvSpPr/>
+          <p:nvPr/>
+        </p:nvSpPr>
+        <p:spPr>
+          <a:xfrm>
+            <a:off x="304543" y="486560"/>
+            <a:ext cx="2125980" cy="521970"/>
+          </a:xfrm>
+          <a:prstGeom prst="rect">
+            <a:avLst/>
+          </a:prstGeom>
+        </p:spPr>
+        <p:txBody>
+          <a:bodyPr wrap="none">
+            <a:spAutoFit/>
+          </a:bodyPr>
+          <a:lstStyle/>
+          <a:p>
+            <a:pPr marL="0" indent="0" algn="l">
+              <a:buFont typeface="Wingdings" panose="05000000000000000000" charset="0"/>
+              <a:buNone/>
+            </a:pPr>
+            <a:r>
+              <a:rPr lang="en-US" altLang="zh-CN" sz="2800" b="1" dirty="0">
+                <a:latin typeface="微软雅黑" charset="-122"/>
+                <a:ea typeface="微软雅黑" charset="-122"/>
+                <a:cs typeface="微软雅黑" charset="-122"/>
+                <a:sym typeface="+mn-ea"/>
+              </a:rPr>
+              <a:t>Experiments</a:t>
+            </a:r>
+            <a:endParaRPr lang="zh-CN" altLang="en-US" sz="2800" b="1" dirty="0">
+              <a:solidFill>
+                <a:schemeClr val="tx1"/>
+              </a:solidFill>
+              <a:latin typeface="微软雅黑" charset="-122"/>
+              <a:ea typeface="微软雅黑" charset="-122"/>
+              <a:cs typeface="微软雅黑" charset="-122"/>
+              <a:sym typeface="+mn-ea"/>
+            </a:endParaRPr>
+          </a:p>
+        </p:txBody>
+      </p:sp>
+      <p:sp>
+        <p:nvSpPr>
+          <p:cNvPr id="5" name="文本框 4"/>
+          <p:cNvSpPr txBox="1"/>
+          <p:nvPr/>
+        </p:nvSpPr>
+        <p:spPr>
+          <a:xfrm>
+            <a:off x="442595" y="1341120"/>
+            <a:ext cx="10592435" cy="645160"/>
+          </a:xfrm>
+          <a:prstGeom prst="rect">
+            <a:avLst/>
+          </a:prstGeom>
+          <a:noFill/>
+        </p:spPr>
+        <p:txBody>
+          <a:bodyPr wrap="square" rtlCol="0">
+            <a:spAutoFit/>
+          </a:bodyPr>
+          <a:p>
+            <a:pPr marL="285750" indent="-285750">
+              <a:buFont typeface="Wingdings" panose="05000000000000000000" charset="0"/>
+              <a:buChar char=""/>
+            </a:pPr>
+            <a:r>
+              <a:rPr lang="zh-CN"/>
+              <a:t>加入</a:t>
+            </a:r>
+            <a:r>
+              <a:rPr lang="en-US" altLang="zh-CN"/>
+              <a:t>input purturbation</a:t>
+            </a:r>
+            <a:r>
+              <a:rPr lang="zh-CN" altLang="en-US">
+                <a:sym typeface="+mn-ea"/>
+              </a:rPr>
+              <a:t>实验结果</a:t>
+            </a:r>
+            <a:endParaRPr lang="zh-CN"/>
+          </a:p>
+          <a:p>
+            <a:pPr marL="628650" lvl="2" indent="-285750">
+              <a:buFont typeface="Wingdings" panose="05000000000000000000" charset="0"/>
+              <a:buChar char=""/>
+            </a:pPr>
+            <a:endParaRPr lang="en-US"/>
+          </a:p>
+        </p:txBody>
+      </p:sp>
+      <p:sp>
+        <p:nvSpPr>
+          <p:cNvPr id="8" name="文本框 7"/>
+          <p:cNvSpPr txBox="1"/>
+          <p:nvPr/>
+        </p:nvSpPr>
+        <p:spPr>
+          <a:xfrm>
+            <a:off x="304800" y="3279140"/>
+            <a:ext cx="1173480" cy="368300"/>
+          </a:xfrm>
+          <a:prstGeom prst="rect">
+            <a:avLst/>
+          </a:prstGeom>
+          <a:noFill/>
+        </p:spPr>
+        <p:txBody>
+          <a:bodyPr wrap="square" rtlCol="0">
+            <a:spAutoFit/>
+          </a:bodyPr>
+          <a:p>
+            <a:r>
+              <a:rPr lang="en-US" altLang="zh-CN"/>
+              <a:t>:</a:t>
+            </a:r>
+            <a:endParaRPr lang="en-US" altLang="zh-CN"/>
+          </a:p>
+        </p:txBody>
+      </p:sp>
+      <p:sp>
+        <p:nvSpPr>
+          <p:cNvPr id="9" name="文本框 8"/>
+          <p:cNvSpPr txBox="1"/>
+          <p:nvPr/>
+        </p:nvSpPr>
+        <p:spPr>
+          <a:xfrm>
+            <a:off x="2782570" y="6080760"/>
+            <a:ext cx="754380" cy="368300"/>
+          </a:xfrm>
+          <a:prstGeom prst="rect">
+            <a:avLst/>
+          </a:prstGeom>
+          <a:noFill/>
+        </p:spPr>
+        <p:txBody>
+          <a:bodyPr wrap="none" rtlCol="0">
+            <a:spAutoFit/>
+          </a:bodyPr>
+          <a:p>
+            <a:r>
+              <a:rPr lang="en-US" altLang="zh-CN"/>
+              <a:t>vgg16</a:t>
+            </a:r>
+            <a:endParaRPr lang="en-US" altLang="zh-CN"/>
+          </a:p>
+        </p:txBody>
+      </p:sp>
+      <p:sp>
+        <p:nvSpPr>
+          <p:cNvPr id="10" name="文本框 9"/>
+          <p:cNvSpPr txBox="1"/>
+          <p:nvPr/>
+        </p:nvSpPr>
+        <p:spPr>
+          <a:xfrm>
+            <a:off x="7160260" y="6080760"/>
+            <a:ext cx="957580" cy="368300"/>
+          </a:xfrm>
+          <a:prstGeom prst="rect">
+            <a:avLst/>
+          </a:prstGeom>
+          <a:noFill/>
+        </p:spPr>
+        <p:txBody>
+          <a:bodyPr wrap="none" rtlCol="0">
+            <a:spAutoFit/>
+          </a:bodyPr>
+          <a:p>
+            <a:r>
+              <a:rPr lang="en-US" altLang="zh-CN"/>
+              <a:t>resnet50</a:t>
+            </a:r>
+            <a:endParaRPr lang="en-US" altLang="zh-CN"/>
+          </a:p>
+        </p:txBody>
+      </p:sp>
+      <p:pic>
+        <p:nvPicPr>
+          <p:cNvPr id="4" name="图片 3"/>
+          <p:cNvPicPr>
+            <a:picLocks noChangeAspect="1"/>
+          </p:cNvPicPr>
+          <p:nvPr/>
+        </p:nvPicPr>
+        <p:blipFill>
+          <a:blip r:embed="rId1"/>
+          <a:stretch>
+            <a:fillRect/>
+          </a:stretch>
+        </p:blipFill>
+        <p:spPr>
+          <a:xfrm>
+            <a:off x="1633855" y="1671320"/>
+            <a:ext cx="3388360" cy="4409440"/>
+          </a:xfrm>
+          <a:prstGeom prst="rect">
+            <a:avLst/>
+          </a:prstGeom>
+        </p:spPr>
+      </p:pic>
+      <p:pic>
+        <p:nvPicPr>
+          <p:cNvPr id="11" name="图片 10"/>
+          <p:cNvPicPr>
+            <a:picLocks noChangeAspect="1"/>
+          </p:cNvPicPr>
+          <p:nvPr/>
+        </p:nvPicPr>
+        <p:blipFill>
+          <a:blip r:embed="rId2"/>
+          <a:stretch>
+            <a:fillRect/>
+          </a:stretch>
+        </p:blipFill>
+        <p:spPr>
+          <a:xfrm>
+            <a:off x="5899785" y="1814195"/>
+            <a:ext cx="3477895" cy="4217670"/>
+          </a:xfrm>
+          <a:prstGeom prst="rect">
+            <a:avLst/>
+          </a:prstGeom>
+        </p:spPr>
+      </p:pic>
+    </p:spTree>
+  </p:cSld>
+  <p:clrMapOvr>
+    <a:masterClrMapping/>
+  </p:clrMapOvr>
+  <mc:AlternateContent xmlns:mc="http://schemas.openxmlformats.org/markup-compatibility/2006" xmlns:p159="http://schemas.microsoft.com/office/powerpoint/2015/09/main">
+    <mc:Choice Requires="p159">
+      <p:transition xmlns:p14="http://schemas.microsoft.com/office/powerpoint/2010/main" spd="med">
+        <p159:morph option="byObject"/>
+      </p:transition>
+    </mc:Choice>
+    <mc:Fallback>
+      <p:transition spd="med">
+        <p:fade/>
+      </p:transition>
+    </mc:Fallback>
+  </mc:AlternateContent>
+</p:sld>
+</file>
+
+<file path=ppt/slides/slide22.xml><?xml version="1.0" encoding="utf-8"?>
+<p:sld xmlns:a="http://schemas.openxmlformats.org/drawingml/2006/main" xmlns:r="http://schemas.openxmlformats.org/officeDocument/2006/relationships" xmlns:p="http://schemas.openxmlformats.org/presentationml/2006/main" show="0">
+  <p:cSld>
+    <p:spTree>
+      <p:nvGrpSpPr>
+        <p:cNvPr id="1" name=""/>
+        <p:cNvGrpSpPr/>
+        <p:nvPr/>
+      </p:nvGrpSpPr>
+      <p:grpSpPr>
+        <a:xfrm>
+          <a:off x="0" y="0"/>
+          <a:ext cx="0" cy="0"/>
+          <a:chOff x="0" y="0"/>
+          <a:chExt cx="0" cy="0"/>
+        </a:xfrm>
+      </p:grpSpPr>
+      <p:sp>
+        <p:nvSpPr>
+          <p:cNvPr id="6" name="矩形 5"/>
+          <p:cNvSpPr/>
+          <p:nvPr/>
+        </p:nvSpPr>
+        <p:spPr>
+          <a:xfrm>
+            <a:off x="304543" y="486560"/>
+            <a:ext cx="2125980" cy="521970"/>
+          </a:xfrm>
+          <a:prstGeom prst="rect">
+            <a:avLst/>
+          </a:prstGeom>
+        </p:spPr>
+        <p:txBody>
+          <a:bodyPr wrap="none">
+            <a:spAutoFit/>
+          </a:bodyPr>
+          <a:lstStyle/>
+          <a:p>
+            <a:pPr marL="0" indent="0" algn="l">
+              <a:buFont typeface="Wingdings" panose="05000000000000000000" charset="0"/>
+              <a:buNone/>
+            </a:pPr>
+            <a:r>
+              <a:rPr lang="en-US" altLang="zh-CN" sz="2800" b="1" dirty="0">
+                <a:latin typeface="微软雅黑" charset="-122"/>
+                <a:ea typeface="微软雅黑" charset="-122"/>
+                <a:cs typeface="微软雅黑" charset="-122"/>
+                <a:sym typeface="+mn-ea"/>
+              </a:rPr>
+              <a:t>Experiments</a:t>
+            </a:r>
+            <a:endParaRPr lang="zh-CN" altLang="en-US" sz="2800" b="1" dirty="0">
+              <a:solidFill>
+                <a:schemeClr val="tx1"/>
+              </a:solidFill>
+              <a:latin typeface="微软雅黑" charset="-122"/>
+              <a:ea typeface="微软雅黑" charset="-122"/>
+              <a:cs typeface="微软雅黑" charset="-122"/>
+              <a:sym typeface="+mn-ea"/>
+            </a:endParaRPr>
+          </a:p>
+        </p:txBody>
+      </p:sp>
+      <p:sp>
+        <p:nvSpPr>
+          <p:cNvPr id="5" name="文本框 4"/>
+          <p:cNvSpPr txBox="1"/>
+          <p:nvPr/>
+        </p:nvSpPr>
+        <p:spPr>
+          <a:xfrm>
+            <a:off x="442595" y="1341120"/>
+            <a:ext cx="10592435" cy="645160"/>
+          </a:xfrm>
+          <a:prstGeom prst="rect">
+            <a:avLst/>
+          </a:prstGeom>
+          <a:noFill/>
+        </p:spPr>
+        <p:txBody>
+          <a:bodyPr wrap="square" rtlCol="0">
+            <a:spAutoFit/>
+          </a:bodyPr>
+          <a:p>
+            <a:pPr marL="285750" indent="-285750">
+              <a:buFont typeface="Wingdings" panose="05000000000000000000" charset="0"/>
+              <a:buChar char=""/>
+            </a:pPr>
+            <a:r>
+              <a:rPr lang="zh-CN"/>
+              <a:t>加入</a:t>
+            </a:r>
+            <a:r>
+              <a:rPr lang="en-US" altLang="zh-CN"/>
+              <a:t>input purturbation</a:t>
+            </a:r>
+            <a:r>
+              <a:rPr lang="zh-CN" altLang="en-US">
+                <a:sym typeface="+mn-ea"/>
+              </a:rPr>
+              <a:t>实验结果</a:t>
+            </a:r>
+            <a:endParaRPr lang="zh-CN"/>
+          </a:p>
+          <a:p>
+            <a:pPr marL="628650" lvl="2" indent="-285750">
+              <a:buFont typeface="Wingdings" panose="05000000000000000000" charset="0"/>
+              <a:buChar char=""/>
+            </a:pPr>
+            <a:endParaRPr lang="en-US"/>
+          </a:p>
+        </p:txBody>
+      </p:sp>
+      <p:sp>
+        <p:nvSpPr>
+          <p:cNvPr id="8" name="文本框 7"/>
+          <p:cNvSpPr txBox="1"/>
+          <p:nvPr/>
+        </p:nvSpPr>
+        <p:spPr>
+          <a:xfrm>
+            <a:off x="304800" y="3279140"/>
+            <a:ext cx="1173480" cy="368300"/>
+          </a:xfrm>
+          <a:prstGeom prst="rect">
+            <a:avLst/>
+          </a:prstGeom>
+          <a:noFill/>
+        </p:spPr>
+        <p:txBody>
+          <a:bodyPr wrap="square" rtlCol="0">
+            <a:spAutoFit/>
+          </a:bodyPr>
+          <a:p>
+            <a:r>
+              <a:rPr lang="en-US" altLang="zh-CN"/>
+              <a:t>:</a:t>
+            </a:r>
+            <a:endParaRPr lang="en-US" altLang="zh-CN"/>
+          </a:p>
+        </p:txBody>
+      </p:sp>
+      <p:pic>
+        <p:nvPicPr>
+          <p:cNvPr id="7" name="图片 6"/>
+          <p:cNvPicPr>
+            <a:picLocks noChangeAspect="1"/>
+          </p:cNvPicPr>
+          <p:nvPr/>
+        </p:nvPicPr>
+        <p:blipFill>
+          <a:blip r:embed="rId1"/>
+          <a:stretch>
+            <a:fillRect/>
+          </a:stretch>
+        </p:blipFill>
+        <p:spPr>
+          <a:xfrm>
+            <a:off x="650240" y="2319020"/>
+            <a:ext cx="5278120" cy="3017520"/>
+          </a:xfrm>
+          <a:prstGeom prst="rect">
+            <a:avLst/>
+          </a:prstGeom>
+        </p:spPr>
+      </p:pic>
+      <p:pic>
+        <p:nvPicPr>
+          <p:cNvPr id="2" name="图片 1"/>
+          <p:cNvPicPr>
+            <a:picLocks noChangeAspect="1"/>
+          </p:cNvPicPr>
+          <p:nvPr/>
+        </p:nvPicPr>
+        <p:blipFill>
+          <a:blip r:embed="rId2"/>
+          <a:stretch>
+            <a:fillRect/>
+          </a:stretch>
+        </p:blipFill>
+        <p:spPr>
+          <a:xfrm>
+            <a:off x="6271895" y="2281555"/>
+            <a:ext cx="5486400" cy="3105150"/>
+          </a:xfrm>
+          <a:prstGeom prst="rect">
+            <a:avLst/>
+          </a:prstGeom>
+        </p:spPr>
+      </p:pic>
+    </p:spTree>
+  </p:cSld>
+  <p:clrMapOvr>
+    <a:masterClrMapping/>
+  </p:clrMapOvr>
+  <mc:AlternateContent xmlns:mc="http://schemas.openxmlformats.org/markup-compatibility/2006" xmlns:p159="http://schemas.microsoft.com/office/powerpoint/2015/09/main">
+    <mc:Choice Requires="p159">
+      <p:transition xmlns:p14="http://schemas.microsoft.com/office/powerpoint/2010/main" spd="med">
+        <p159:morph option="byObject"/>
+      </p:transition>
+    </mc:Choice>
+    <mc:Fallback>
+      <p:transition spd="med">
+        <p:fade/>
+      </p:transition>
+    </mc:Fallback>
+  </mc:AlternateContent>
+</p:sld>
+</file>
+
+<file path=ppt/slides/slide23.xml><?xml version="1.0" encoding="utf-8"?>
+<p:sld xmlns:a="http://schemas.openxmlformats.org/drawingml/2006/main" xmlns:r="http://schemas.openxmlformats.org/officeDocument/2006/relationships" xmlns:p="http://schemas.openxmlformats.org/presentationml/2006/main">
+  <p:cSld>
+    <p:spTree>
+      <p:nvGrpSpPr>
+        <p:cNvPr id="1" name=""/>
+        <p:cNvGrpSpPr/>
+        <p:nvPr/>
+      </p:nvGrpSpPr>
+      <p:grpSpPr>
+        <a:xfrm>
+          <a:off x="0" y="0"/>
+          <a:ext cx="0" cy="0"/>
+          <a:chOff x="0" y="0"/>
+          <a:chExt cx="0" cy="0"/>
+        </a:xfrm>
+      </p:grpSpPr>
+      <p:sp>
+        <p:nvSpPr>
+          <p:cNvPr id="6" name="矩形 5"/>
+          <p:cNvSpPr/>
+          <p:nvPr/>
+        </p:nvSpPr>
+        <p:spPr>
+          <a:xfrm>
+            <a:off x="304543" y="486560"/>
+            <a:ext cx="2125980" cy="521970"/>
+          </a:xfrm>
+          <a:prstGeom prst="rect">
+            <a:avLst/>
+          </a:prstGeom>
+        </p:spPr>
+        <p:txBody>
+          <a:bodyPr wrap="none">
+            <a:spAutoFit/>
+          </a:bodyPr>
+          <a:lstStyle/>
+          <a:p>
+            <a:pPr marL="0" indent="0" algn="l">
+              <a:buFont typeface="Wingdings" panose="05000000000000000000" charset="0"/>
+              <a:buNone/>
+            </a:pPr>
+            <a:r>
+              <a:rPr lang="en-US" altLang="zh-CN" sz="2800" b="1" dirty="0">
+                <a:latin typeface="微软雅黑" charset="-122"/>
+                <a:ea typeface="微软雅黑" charset="-122"/>
+                <a:cs typeface="微软雅黑" charset="-122"/>
+                <a:sym typeface="+mn-ea"/>
+              </a:rPr>
+              <a:t>Experiments</a:t>
+            </a:r>
+            <a:endParaRPr lang="zh-CN" altLang="en-US" sz="2800" b="1" dirty="0">
+              <a:solidFill>
+                <a:schemeClr val="tx1"/>
+              </a:solidFill>
+              <a:latin typeface="微软雅黑" charset="-122"/>
+              <a:ea typeface="微软雅黑" charset="-122"/>
+              <a:cs typeface="微软雅黑" charset="-122"/>
+              <a:sym typeface="+mn-ea"/>
+            </a:endParaRPr>
+          </a:p>
+        </p:txBody>
+      </p:sp>
+      <p:sp>
+        <p:nvSpPr>
+          <p:cNvPr id="5" name="文本框 4"/>
+          <p:cNvSpPr txBox="1"/>
+          <p:nvPr/>
+        </p:nvSpPr>
+        <p:spPr>
+          <a:xfrm>
+            <a:off x="442595" y="1341120"/>
+            <a:ext cx="10592435" cy="1198880"/>
+          </a:xfrm>
+          <a:prstGeom prst="rect">
+            <a:avLst/>
+          </a:prstGeom>
+          <a:noFill/>
+        </p:spPr>
+        <p:txBody>
+          <a:bodyPr wrap="square" rtlCol="0">
+            <a:spAutoFit/>
+          </a:bodyPr>
+          <a:p>
+            <a:pPr marL="285750" indent="-285750">
+              <a:buFont typeface="Wingdings" panose="05000000000000000000" charset="0"/>
+              <a:buChar char=""/>
+            </a:pPr>
+            <a:r>
+              <a:rPr lang="zh-CN" altLang="en-US">
+                <a:sym typeface="+mn-ea"/>
+              </a:rPr>
+              <a:t>后续实验计划</a:t>
+            </a:r>
+            <a:endParaRPr lang="zh-CN" altLang="en-US">
+              <a:sym typeface="+mn-ea"/>
+            </a:endParaRPr>
+          </a:p>
+          <a:p>
+            <a:pPr marL="742950" lvl="1" indent="-285750">
+              <a:buFont typeface="Wingdings" panose="05000000000000000000" charset="0"/>
+              <a:buChar char=""/>
+            </a:pPr>
+            <a:r>
+              <a:rPr lang="en-US" altLang="zh-CN">
+                <a:sym typeface="+mn-ea"/>
+              </a:rPr>
+              <a:t>1. </a:t>
+            </a:r>
+            <a:r>
+              <a:rPr lang="zh-CN" altLang="en-US">
+                <a:sym typeface="+mn-ea"/>
+              </a:rPr>
+              <a:t>对不同层的研究</a:t>
+            </a:r>
+            <a:r>
+              <a:rPr lang="en-US" altLang="zh-CN">
+                <a:sym typeface="+mn-ea"/>
+              </a:rPr>
+              <a:t> </a:t>
+            </a:r>
+            <a:endParaRPr lang="zh-CN" altLang="en-US">
+              <a:sym typeface="+mn-ea"/>
+            </a:endParaRPr>
+          </a:p>
+          <a:p>
+            <a:pPr marL="742950" lvl="1" indent="-285750">
+              <a:buFont typeface="Wingdings" panose="05000000000000000000" charset="0"/>
+              <a:buChar char=""/>
+            </a:pPr>
+            <a:r>
+              <a:rPr lang="en-US" altLang="zh-CN">
+                <a:sym typeface="+mn-ea"/>
+              </a:rPr>
+              <a:t>2. </a:t>
+            </a:r>
+            <a:r>
+              <a:rPr lang="zh-CN" altLang="en-US">
+                <a:sym typeface="+mn-ea"/>
+              </a:rPr>
+              <a:t>在主动学习</a:t>
+            </a:r>
+            <a:r>
+              <a:rPr lang="en-US" altLang="zh-CN">
+                <a:sym typeface="+mn-ea"/>
+              </a:rPr>
+              <a:t>,</a:t>
+            </a:r>
+            <a:r>
+              <a:rPr lang="zh-CN" altLang="en-US">
+                <a:sym typeface="+mn-ea"/>
+              </a:rPr>
+              <a:t>对抗样本检测等任务上评估</a:t>
+            </a:r>
+            <a:r>
+              <a:rPr lang="en-US" altLang="zh-CN">
+                <a:sym typeface="+mn-ea"/>
+              </a:rPr>
+              <a:t>uncertainty</a:t>
+            </a:r>
+            <a:endParaRPr lang="en-US" altLang="zh-CN">
+              <a:sym typeface="+mn-ea"/>
+            </a:endParaRPr>
+          </a:p>
+          <a:p>
+            <a:pPr marL="742950" lvl="1" indent="-285750">
+              <a:buFont typeface="Wingdings" panose="05000000000000000000" charset="0"/>
+              <a:buChar char=""/>
+            </a:pPr>
+            <a:r>
+              <a:rPr lang="en-US" altLang="zh-CN">
+                <a:sym typeface="+mn-ea"/>
+              </a:rPr>
+              <a:t>3. </a:t>
+            </a:r>
+            <a:r>
+              <a:rPr lang="zh-CN" altLang="en-US">
+                <a:sym typeface="+mn-ea"/>
+              </a:rPr>
+              <a:t>添加一个</a:t>
+            </a:r>
+            <a:r>
+              <a:rPr lang="en-US" altLang="zh-CN">
+                <a:sym typeface="+mn-ea"/>
+              </a:rPr>
+              <a:t>head</a:t>
+            </a:r>
+            <a:r>
+              <a:rPr lang="zh-CN" altLang="en-US">
+                <a:sym typeface="+mn-ea"/>
+              </a:rPr>
+              <a:t>直接预测</a:t>
+            </a:r>
+            <a:r>
+              <a:rPr lang="en-US" altLang="zh-CN">
+                <a:sym typeface="+mn-ea"/>
+              </a:rPr>
+              <a:t>uncertainty</a:t>
+            </a:r>
+            <a:endParaRPr lang="en-US"/>
+          </a:p>
+        </p:txBody>
+      </p:sp>
+      <p:sp>
+        <p:nvSpPr>
+          <p:cNvPr id="8" name="文本框 7"/>
+          <p:cNvSpPr txBox="1"/>
+          <p:nvPr/>
+        </p:nvSpPr>
+        <p:spPr>
+          <a:xfrm>
+            <a:off x="304800" y="3279140"/>
+            <a:ext cx="1173480" cy="368300"/>
+          </a:xfrm>
+          <a:prstGeom prst="rect">
+            <a:avLst/>
+          </a:prstGeom>
+          <a:noFill/>
+        </p:spPr>
+        <p:txBody>
+          <a:bodyPr wrap="square" rtlCol="0">
+            <a:spAutoFit/>
+          </a:bodyPr>
+          <a:p>
+            <a:r>
+              <a:rPr lang="en-US" altLang="zh-CN"/>
+              <a:t>:</a:t>
+            </a:r>
+            <a:endParaRPr lang="en-US" altLang="zh-CN"/>
+          </a:p>
+        </p:txBody>
+      </p:sp>
+    </p:spTree>
+  </p:cSld>
+  <p:clrMapOvr>
+    <a:masterClrMapping/>
+  </p:clrMapOvr>
+  <mc:AlternateContent xmlns:mc="http://schemas.openxmlformats.org/markup-compatibility/2006" xmlns:p159="http://schemas.microsoft.com/office/powerpoint/2015/09/main">
+    <mc:Choice Requires="p159">
+      <p:transition xmlns:p14="http://schemas.microsoft.com/office/powerpoint/2010/main" spd="med">
+        <p159:morph option="byObject"/>
+      </p:transition>
+    </mc:Choice>
+    <mc:Fallback>
+      <p:transition spd="med">
+        <p:fade/>
+      </p:transition>
+    </mc:Fallback>
+  </mc:AlternateContent>
+</p:sld>
+</file>
+
+<file path=ppt/slides/slide24.xml><?xml version="1.0" encoding="utf-8"?>
 <p:sld xmlns:a="http://schemas.openxmlformats.org/drawingml/2006/main" xmlns:r="http://schemas.openxmlformats.org/officeDocument/2006/relationships" xmlns:p="http://schemas.openxmlformats.org/presentationml/2006/main" show="0">
   <p:cSld>
     <p:spTree>
@@ -6459,224 +8100,7 @@
 </p:sld>
 </file>
 
-<file path=ppt/slides/slide2.xml><?xml version="1.0" encoding="utf-8"?>
-<p:sld xmlns:a="http://schemas.openxmlformats.org/drawingml/2006/main" xmlns:r="http://schemas.openxmlformats.org/officeDocument/2006/relationships" xmlns:p="http://schemas.openxmlformats.org/presentationml/2006/main">
-  <p:cSld>
-    <p:spTree>
-      <p:nvGrpSpPr>
-        <p:cNvPr id="1" name=""/>
-        <p:cNvGrpSpPr/>
-        <p:nvPr/>
-      </p:nvGrpSpPr>
-      <p:grpSpPr>
-        <a:xfrm>
-          <a:off x="0" y="0"/>
-          <a:ext cx="0" cy="0"/>
-          <a:chOff x="0" y="0"/>
-          <a:chExt cx="0" cy="0"/>
-        </a:xfrm>
-      </p:grpSpPr>
-      <p:sp>
-        <p:nvSpPr>
-          <p:cNvPr id="7" name="标题 6"/>
-          <p:cNvSpPr>
-            <a:spLocks noGrp="1"/>
-          </p:cNvSpPr>
-          <p:nvPr>
-            <p:ph type="title"/>
-          </p:nvPr>
-        </p:nvSpPr>
-        <p:spPr>
-          <a:xfrm>
-            <a:off x="446405" y="345441"/>
-            <a:ext cx="9906000" cy="685793"/>
-          </a:xfrm>
-        </p:spPr>
-        <p:txBody>
-          <a:bodyPr/>
-          <a:lstStyle/>
-          <a:p>
-            <a:pPr algn="l" eaLnBrk="0" hangingPunct="0">
-              <a:buClrTx/>
-              <a:buSzTx/>
-              <a:buFontTx/>
-              <a:defRPr/>
-            </a:pPr>
-            <a:r>
-              <a:rPr lang="zh-CN" altLang="en-US" sz="2800" b="1" dirty="0">
-                <a:solidFill>
-                  <a:schemeClr val="tx1"/>
-                </a:solidFill>
-                <a:latin typeface="微软雅黑" charset="-122"/>
-                <a:ea typeface="微软雅黑" charset="-122"/>
-                <a:cs typeface="微软雅黑" charset="-122"/>
-              </a:rPr>
-              <a:t>大纲</a:t>
-            </a:r>
-            <a:endParaRPr lang="zh-CN" altLang="en-US" sz="2800" b="1" dirty="0">
-              <a:solidFill>
-                <a:schemeClr val="tx1"/>
-              </a:solidFill>
-              <a:latin typeface="微软雅黑" charset="-122"/>
-              <a:ea typeface="微软雅黑" charset="-122"/>
-              <a:cs typeface="微软雅黑" charset="-122"/>
-            </a:endParaRPr>
-          </a:p>
-        </p:txBody>
-      </p:sp>
-      <p:sp>
-        <p:nvSpPr>
-          <p:cNvPr id="2" name="矩形 1"/>
-          <p:cNvSpPr/>
-          <p:nvPr/>
-        </p:nvSpPr>
-        <p:spPr>
-          <a:xfrm>
-            <a:off x="446405" y="1659890"/>
-            <a:ext cx="8415020" cy="2245360"/>
-          </a:xfrm>
-          <a:prstGeom prst="rect">
-            <a:avLst/>
-          </a:prstGeom>
-        </p:spPr>
-        <p:txBody>
-          <a:bodyPr wrap="square">
-            <a:spAutoFit/>
-          </a:bodyPr>
-          <a:lstStyle/>
-          <a:p>
-            <a:pPr marL="285750" indent="-285750" algn="l">
-              <a:buFont typeface="Wingdings" panose="05000000000000000000" charset="0"/>
-              <a:buChar char=""/>
-            </a:pPr>
-            <a:r>
-              <a:rPr lang="en-US" altLang="zh-CN" sz="2000" dirty="0">
-                <a:sym typeface="+mn-ea"/>
-              </a:rPr>
-              <a:t>Introduction</a:t>
-            </a:r>
-            <a:endParaRPr lang="en-US" altLang="zh-CN" sz="2000" dirty="0">
-              <a:sym typeface="+mn-ea"/>
-            </a:endParaRPr>
-          </a:p>
-          <a:p>
-            <a:pPr marL="285750" indent="-285750" algn="l">
-              <a:buFont typeface="Wingdings" panose="05000000000000000000" charset="0"/>
-              <a:buChar char=""/>
-            </a:pPr>
-            <a:endParaRPr lang="zh-CN" altLang="en-US" sz="2000" dirty="0">
-              <a:sym typeface="+mn-ea"/>
-            </a:endParaRPr>
-          </a:p>
-          <a:p>
-            <a:pPr marL="285750" indent="-285750" algn="l">
-              <a:buFont typeface="Wingdings" panose="05000000000000000000" charset="0"/>
-              <a:buChar char=""/>
-            </a:pPr>
-            <a:r>
-              <a:rPr lang="en-US" altLang="zh-CN" sz="2000" dirty="0"/>
-              <a:t>Background</a:t>
-            </a:r>
-            <a:endParaRPr lang="en-US" altLang="zh-CN" sz="2000" dirty="0"/>
-          </a:p>
-          <a:p>
-            <a:pPr marL="285750" indent="-285750" algn="l">
-              <a:buFont typeface="Wingdings" panose="05000000000000000000" charset="0"/>
-              <a:buChar char=""/>
-            </a:pPr>
-            <a:endParaRPr lang="en-US" altLang="zh-CN" sz="2000" b="1" dirty="0">
-              <a:latin typeface="微软雅黑" charset="-122"/>
-              <a:ea typeface="微软雅黑" charset="-122"/>
-              <a:cs typeface="微软雅黑" charset="-122"/>
-              <a:sym typeface="+mn-ea"/>
-            </a:endParaRPr>
-          </a:p>
-          <a:p>
-            <a:pPr marL="285750" indent="-285750" algn="l">
-              <a:buFont typeface="Wingdings" panose="05000000000000000000" charset="0"/>
-              <a:buChar char=""/>
-            </a:pPr>
-            <a:r>
-              <a:rPr lang="en-US" altLang="zh-CN" sz="2000" dirty="0">
-                <a:solidFill>
-                  <a:schemeClr val="tx1"/>
-                </a:solidFill>
-                <a:latin typeface="微软雅黑" charset="-122"/>
-                <a:ea typeface="微软雅黑" charset="-122"/>
-                <a:cs typeface="微软雅黑" charset="-122"/>
-                <a:sym typeface="+mn-ea"/>
-              </a:rPr>
-              <a:t>Method</a:t>
-            </a:r>
-            <a:endParaRPr lang="zh-CN" altLang="en-US" sz="2000" dirty="0">
-              <a:solidFill>
-                <a:schemeClr val="tx1"/>
-              </a:solidFill>
-              <a:latin typeface="微软雅黑" charset="-122"/>
-              <a:ea typeface="微软雅黑" charset="-122"/>
-              <a:cs typeface="微软雅黑" charset="-122"/>
-              <a:sym typeface="+mn-ea"/>
-            </a:endParaRPr>
-          </a:p>
-          <a:p>
-            <a:pPr marL="285750" indent="-285750" algn="l">
-              <a:buFont typeface="Wingdings" panose="05000000000000000000" charset="0"/>
-              <a:buChar char=""/>
-            </a:pPr>
-            <a:endParaRPr lang="zh-CN" altLang="en-US" sz="2000" dirty="0">
-              <a:latin typeface="微软雅黑" charset="-122"/>
-              <a:ea typeface="微软雅黑" charset="-122"/>
-              <a:cs typeface="微软雅黑" charset="-122"/>
-              <a:sym typeface="+mn-ea"/>
-            </a:endParaRPr>
-          </a:p>
-          <a:p>
-            <a:pPr marL="285750" indent="-285750" algn="l">
-              <a:buFont typeface="Wingdings" panose="05000000000000000000" charset="0"/>
-              <a:buChar char=""/>
-            </a:pPr>
-            <a:r>
-              <a:rPr lang="en-US" altLang="zh-CN" sz="2000" dirty="0"/>
-              <a:t>Experiments</a:t>
-            </a:r>
-            <a:endParaRPr lang="en-US" altLang="zh-CN" sz="2000" dirty="0"/>
-          </a:p>
-        </p:txBody>
-      </p:sp>
-      <p:sp>
-        <p:nvSpPr>
-          <p:cNvPr id="15" name="椭圆 14"/>
-          <p:cNvSpPr/>
-          <p:nvPr/>
-        </p:nvSpPr>
-        <p:spPr>
-          <a:xfrm>
-            <a:off x="7497445" y="2990850"/>
-            <a:ext cx="914400" cy="914400"/>
-          </a:xfrm>
-          <a:prstGeom prst="ellipse">
-            <a:avLst/>
-          </a:prstGeom>
-        </p:spPr>
-        <p:txBody>
-          <a:bodyPr wrap="none">
-            <a:spAutoFit/>
-          </a:bodyPr>
-          <a:p>
-            <a:endParaRPr lang="zh-CN" altLang="en-US" sz="2400" dirty="0"/>
-          </a:p>
-        </p:txBody>
-      </p:sp>
-    </p:spTree>
-  </p:cSld>
-  <p:clrMapOvr>
-    <a:masterClrMapping/>
-  </p:clrMapOvr>
-  <p:transition/>
-</p:sld>
-</file>
-
-<file path=ppt/slides/slide20.xml><?xml version="1.0" encoding="utf-8"?>
+<file path=ppt/slides/slide25.xml><?xml version="1.0" encoding="utf-8"?>
 <p:sld xmlns:a="http://schemas.openxmlformats.org/drawingml/2006/main" xmlns:r="http://schemas.openxmlformats.org/officeDocument/2006/relationships" xmlns:p="http://schemas.openxmlformats.org/presentationml/2006/main" show="0">
   <p:cSld>
     <p:spTree>
@@ -6908,7 +8332,7 @@
 </p:sld>
 </file>
 
-<file path=ppt/slides/slide21.xml><?xml version="1.0" encoding="utf-8"?>
+<file path=ppt/slides/slide26.xml><?xml version="1.0" encoding="utf-8"?>
 <p:sld xmlns:a="http://schemas.openxmlformats.org/drawingml/2006/main" xmlns:r="http://schemas.openxmlformats.org/officeDocument/2006/relationships" xmlns:p="http://schemas.openxmlformats.org/presentationml/2006/main" show="0">
   <p:cSld>
     <p:spTree>
@@ -7058,7 +8482,7 @@
 </p:sld>
 </file>
 
-<file path=ppt/slides/slide22.xml><?xml version="1.0" encoding="utf-8"?>
+<file path=ppt/slides/slide27.xml><?xml version="1.0" encoding="utf-8"?>
 <p:sld xmlns:a="http://schemas.openxmlformats.org/drawingml/2006/main" xmlns:r="http://schemas.openxmlformats.org/officeDocument/2006/relationships" xmlns:p="http://schemas.openxmlformats.org/presentationml/2006/main">
   <p:cSld>
     <p:spTree>
@@ -7283,122 +8707,116 @@
             </a:r>
             <a:r>
               <a:rPr lang="zh-CN" altLang="en-US" dirty="0">
+                <a:solidFill>
+                  <a:srgbClr val="FF0000"/>
+                </a:solidFill>
                 <a:sym typeface="+mn-ea"/>
               </a:rPr>
               <a:t>域外</a:t>
-            </a:r>
-            <a:r>
-              <a:rPr lang="en-US" altLang="zh-CN" dirty="0">
-                <a:sym typeface="+mn-ea"/>
-              </a:rPr>
-              <a:t>样本，会过度自信地给出</a:t>
-            </a:r>
-            <a:r>
-              <a:rPr lang="zh-CN" altLang="en-US" dirty="0">
-                <a:sym typeface="+mn-ea"/>
-              </a:rPr>
-              <a:t>很</a:t>
-            </a:r>
-            <a:r>
-              <a:rPr lang="en-US" altLang="zh-CN" dirty="0">
-                <a:sym typeface="+mn-ea"/>
-              </a:rPr>
-              <a:t>高</a:t>
-            </a:r>
-            <a:r>
-              <a:rPr lang="zh-CN" altLang="en-US" dirty="0">
-                <a:sym typeface="+mn-ea"/>
-              </a:rPr>
-              <a:t>的</a:t>
-            </a:r>
-            <a:r>
-              <a:rPr lang="en-US" altLang="zh-CN" dirty="0">
-                <a:sym typeface="+mn-ea"/>
-              </a:rPr>
-              <a:t>预测</a:t>
-            </a:r>
-            <a:r>
-              <a:rPr lang="zh-CN" altLang="en-US" dirty="0">
-                <a:sym typeface="+mn-ea"/>
-              </a:rPr>
-              <a:t>概率</a:t>
-            </a:r>
-            <a:r>
-              <a:rPr lang="en-US" altLang="zh-CN" dirty="0">
-                <a:sym typeface="+mn-ea"/>
-              </a:rPr>
-              <a:t>，使得</a:t>
-            </a:r>
-            <a:r>
-              <a:rPr lang="zh-CN" altLang="en-US" dirty="0">
-                <a:sym typeface="+mn-ea"/>
-              </a:rPr>
-              <a:t>该</a:t>
-            </a:r>
-            <a:r>
-              <a:rPr lang="en-US" altLang="zh-CN" dirty="0">
-                <a:sym typeface="+mn-ea"/>
-              </a:rPr>
-              <a:t>样本</a:t>
-            </a:r>
-            <a:r>
-              <a:rPr lang="zh-CN" altLang="en-US" dirty="0">
-                <a:sym typeface="+mn-ea"/>
-              </a:rPr>
-              <a:t>被</a:t>
-            </a:r>
-            <a:r>
-              <a:rPr lang="en-US" altLang="zh-CN" dirty="0">
-                <a:sym typeface="+mn-ea"/>
-              </a:rPr>
-              <a:t>错误划分到已知类别中</a:t>
-            </a:r>
-            <a:endParaRPr lang="en-US" altLang="zh-CN" dirty="0">
-              <a:sym typeface="+mn-ea"/>
-            </a:endParaRPr>
-          </a:p>
-          <a:p>
-            <a:pPr marL="285750" indent="-285750" algn="just">
-              <a:buFont typeface="Wingdings" panose="05000000000000000000" charset="0"/>
-              <a:buChar char=""/>
-            </a:pPr>
-            <a:endParaRPr lang="en-US" altLang="zh-CN" dirty="0"/>
-          </a:p>
-          <a:p>
-            <a:pPr marL="285750" indent="-285750" algn="just">
-              <a:buFont typeface="Wingdings" panose="05000000000000000000" charset="0"/>
-              <a:buChar char=""/>
-            </a:pPr>
-            <a:r>
-              <a:rPr lang="en-US" altLang="zh-CN" dirty="0"/>
-              <a:t>predict answer+ </a:t>
             </a:r>
             <a:r>
               <a:rPr lang="en-US" altLang="zh-CN" dirty="0">
                 <a:solidFill>
                   <a:srgbClr val="FF0000"/>
                 </a:solidFill>
-              </a:rPr>
-              <a:t>uncertainty</a:t>
-            </a:r>
-            <a:r>
-              <a:rPr lang="zh-CN" altLang="en-US" dirty="0"/>
-              <a:t>（额外预测一个指标，指示本次预测结果的可信度）</a:t>
-            </a:r>
-            <a:endParaRPr lang="zh-CN" altLang="en-US" dirty="0"/>
+                <a:sym typeface="+mn-ea"/>
+              </a:rPr>
+              <a:t>样本</a:t>
+            </a:r>
+            <a:r>
+              <a:rPr lang="en-US" altLang="zh-CN" dirty="0">
+                <a:sym typeface="+mn-ea"/>
+              </a:rPr>
+              <a:t>，会过度自信地给出</a:t>
+            </a:r>
+            <a:r>
+              <a:rPr lang="zh-CN" altLang="en-US" dirty="0">
+                <a:sym typeface="+mn-ea"/>
+              </a:rPr>
+              <a:t>很</a:t>
+            </a:r>
+            <a:r>
+              <a:rPr lang="en-US" altLang="zh-CN" dirty="0">
+                <a:sym typeface="+mn-ea"/>
+              </a:rPr>
+              <a:t>高</a:t>
+            </a:r>
+            <a:r>
+              <a:rPr lang="zh-CN" altLang="en-US" dirty="0">
+                <a:sym typeface="+mn-ea"/>
+              </a:rPr>
+              <a:t>的</a:t>
+            </a:r>
+            <a:r>
+              <a:rPr lang="en-US" altLang="zh-CN" dirty="0">
+                <a:sym typeface="+mn-ea"/>
+              </a:rPr>
+              <a:t>预测</a:t>
+            </a:r>
+            <a:r>
+              <a:rPr lang="zh-CN" altLang="en-US" dirty="0">
+                <a:sym typeface="+mn-ea"/>
+              </a:rPr>
+              <a:t>概率</a:t>
+            </a:r>
+            <a:endParaRPr lang="en-US" altLang="zh-CN" dirty="0">
+              <a:sym typeface="+mn-ea"/>
+            </a:endParaRPr>
           </a:p>
           <a:p>
             <a:pPr marL="285750" indent="-285750" algn="just">
               <a:buFont typeface="Wingdings" panose="05000000000000000000" charset="0"/>
               <a:buChar char=""/>
             </a:pPr>
-            <a:endParaRPr lang="zh-CN" altLang="en-US" dirty="0"/>
+            <a:endParaRPr lang="en-US" altLang="zh-CN" dirty="0"/>
           </a:p>
           <a:p>
             <a:pPr marL="285750" indent="-285750" algn="just">
               <a:buFont typeface="Wingdings" panose="05000000000000000000" charset="0"/>
               <a:buChar char=""/>
             </a:pPr>
+            <a:r>
+              <a:rPr lang="en-US" altLang="zh-CN" dirty="0"/>
+              <a:t>predict answer+ </a:t>
+            </a:r>
+            <a:r>
+              <a:rPr lang="en-US" altLang="zh-CN" dirty="0">
+                <a:solidFill>
+                  <a:srgbClr val="FF0000"/>
+                </a:solidFill>
+              </a:rPr>
+              <a:t>uncertainty</a:t>
+            </a:r>
+            <a:r>
+              <a:rPr lang="zh-CN" altLang="en-US" dirty="0"/>
+              <a:t>（额外预测一个指标，指示本次预测结果的可信度）</a:t>
+            </a:r>
+            <a:endParaRPr lang="zh-CN" altLang="en-US" dirty="0"/>
+          </a:p>
+          <a:p>
+            <a:pPr marL="285750" indent="-285750" algn="just">
+              <a:buFont typeface="Wingdings" panose="05000000000000000000" charset="0"/>
+              <a:buChar char=""/>
+            </a:pPr>
+            <a:endParaRPr lang="zh-CN" altLang="en-US" dirty="0"/>
+          </a:p>
+          <a:p>
+            <a:pPr marL="285750" indent="-285750" algn="just">
+              <a:buFont typeface="Wingdings" panose="05000000000000000000" charset="0"/>
+              <a:buChar char=""/>
+            </a:pPr>
+            <a:r>
+              <a:rPr lang="zh-CN" altLang="en-US">
+                <a:sym typeface="+mn-ea"/>
+              </a:rPr>
+              <a:t>应用于模型部署阶段</a:t>
+            </a:r>
+            <a:r>
+              <a:rPr lang="en-US" altLang="zh-CN">
+                <a:sym typeface="+mn-ea"/>
+              </a:rPr>
+              <a:t>: </a:t>
+            </a:r>
             <a:r>
               <a:rPr lang="zh-CN" altLang="en-US">
                 <a:sym typeface="+mn-ea"/>
@@ -7472,7 +8890,7 @@
         </p:nvGrpSpPr>
         <p:grpSpPr>
           <a:xfrm>
-            <a:off x="1938020" y="3248025"/>
+            <a:off x="1922780" y="3248025"/>
             <a:ext cx="7811711" cy="2788834"/>
             <a:chOff x="2877" y="4940"/>
             <a:chExt cx="12858" cy="5081"/>
@@ -7650,7 +9068,7 @@
             </p:nvSpPr>
             <p:spPr>
               <a:xfrm>
-                <a:off x="13098" y="5881"/>
+                <a:off x="13174" y="5851"/>
                 <a:ext cx="2134" cy="671"/>
               </a:xfrm>
               <a:prstGeom prst="rect">
@@ -7876,7 +9294,7 @@
 </file>
 
 <file path=ppt/slides/slide4.xml><?xml version="1.0" encoding="utf-8"?>
-<p:sld xmlns:a="http://schemas.openxmlformats.org/drawingml/2006/main" xmlns:r="http://schemas.openxmlformats.org/officeDocument/2006/relationships" xmlns:p="http://schemas.openxmlformats.org/presentationml/2006/main">
+<p:sld xmlns:a="http://schemas.openxmlformats.org/drawingml/2006/main" xmlns:r="http://schemas.openxmlformats.org/officeDocument/2006/relationships" xmlns:p="http://schemas.openxmlformats.org/presentationml/2006/main" show="0">
   <p:cSld>
     <p:spTree>
       <p:nvGrpSpPr>
@@ -8102,6 +9520,7 @@
   <p:clrMapOvr>
     <a:masterClrMapping/>
   </p:clrMapOvr>
+  <p:transition/>
 </p:sld>
 </file>
 
@@ -8163,7 +9582,7 @@
         <p:spPr>
           <a:xfrm>
             <a:off x="609600" y="1414780"/>
-            <a:ext cx="10133965" cy="1345565"/>
+            <a:ext cx="10133965" cy="1660525"/>
           </a:xfrm>
           <a:prstGeom prst="rect">
             <a:avLst/>
@@ -8224,7 +9643,7 @@
                 <a:ea typeface="宋体" pitchFamily="2" charset="-122"/>
                 <a:sym typeface="+mn-ea"/>
               </a:rPr>
-              <a:t>：来源于数据噪声，不可减少</a:t>
+              <a:t>：来源于数据噪声，无法消除</a:t>
             </a:r>
             <a:endParaRPr lang="zh-CN" altLang="en-US" kern="100" dirty="0">
               <a:latin typeface="宋体" pitchFamily="2" charset="-122"/>
@@ -8266,7 +9685,7 @@
                 <a:ea typeface="宋体" pitchFamily="2" charset="-122"/>
                 <a:sym typeface="+mn-ea"/>
               </a:rPr>
-              <a:t>来源于模型和训练方式，可以通过增加数据减少</a:t>
+              <a:t>来源于模型和训练方式，可以通过增加训练数据或者改进模型减少</a:t>
             </a:r>
             <a:endParaRPr lang="en-US" altLang="zh-CN" kern="100" dirty="0">
               <a:latin typeface="宋体" pitchFamily="2" charset="-122"/>
@@ -8796,7 +10215,7 @@
 </file>
 
 <file path=ppt/slides/slide7.xml><?xml version="1.0" encoding="utf-8"?>
-<p:sld xmlns:a="http://schemas.openxmlformats.org/drawingml/2006/main" xmlns:r="http://schemas.openxmlformats.org/officeDocument/2006/relationships" xmlns:p="http://schemas.openxmlformats.org/presentationml/2006/main">
+<p:sld xmlns:a="http://schemas.openxmlformats.org/drawingml/2006/main" xmlns:r="http://schemas.openxmlformats.org/officeDocument/2006/relationships" xmlns:p="http://schemas.openxmlformats.org/presentationml/2006/main" show="0">
   <p:cSld>
     <p:spTree>
       <p:nvGrpSpPr>
@@ -9005,7 +10424,7 @@
         <p:spPr>
           <a:xfrm>
             <a:off x="544830" y="1287145"/>
-            <a:ext cx="10592435" cy="645160"/>
+            <a:ext cx="10592435" cy="922020"/>
           </a:xfrm>
           <a:prstGeom prst="rect">
             <a:avLst/>
@@ -9049,16 +10468,23 @@
               <a:rPr lang="zh-CN" altLang="en-US"/>
               <a:t>方法效果最好，但是多个模型对于计算和存储要求比较高</a:t>
             </a:r>
-            <a:endParaRPr lang="zh-CN"/>
+            <a:endParaRPr lang="zh-CN" altLang="en-US"/>
           </a:p>
           <a:p>
             <a:pPr marL="285750" indent="-285750">
               <a:buFont typeface="Wingdings" panose="05000000000000000000" charset="0"/>
               <a:buChar char=""/>
             </a:pPr>
+            <a:endParaRPr lang="zh-CN"/>
+          </a:p>
+          <a:p>
+            <a:pPr marL="285750" indent="-285750">
+              <a:buFont typeface="Wingdings" panose="05000000000000000000" charset="0"/>
+              <a:buChar char=""/>
+            </a:pPr>
             <a:r>
               <a:rPr lang="zh-CN"/>
-              <a:t>研究单个网络的</a:t>
+              <a:t>研究基于单一网络模型的</a:t>
             </a:r>
             <a:r>
               <a:rPr lang="en-US" altLang="zh-CN"/>
@@ -9088,7 +10514,7 @@
         </p:nvGrpSpPr>
         <p:grpSpPr>
           <a:xfrm>
-            <a:off x="1375410" y="2026920"/>
+            <a:off x="1094740" y="2210435"/>
             <a:ext cx="10268905" cy="1733550"/>
             <a:chOff x="2145" y="3140"/>
             <a:chExt cx="16172" cy="2730"/>
@@ -9794,7 +11220,7 @@
               <a:rPr lang="zh-CN">
                 <a:sym typeface="+mn-ea"/>
               </a:rPr>
-              <a:t>基于高维特征概率密度建模的不确定性估计</a:t>
+              <a:t>基于高维特征概率密度建模的模型不确定性估计</a:t>
             </a:r>
             <a:endParaRPr lang="zh-CN"/>
           </a:p>
@@ -10158,7 +11584,7 @@
         </p:nvSpPr>
         <p:spPr>
           <a:xfrm>
-            <a:off x="519430" y="3950335"/>
+            <a:off x="419735" y="4405630"/>
             <a:ext cx="8478520" cy="368300"/>
           </a:xfrm>
           <a:prstGeom prst="rect">
@@ -10191,59 +11617,74 @@
           </a:p>
         </p:txBody>
       </p:sp>
-      <p:sp>
-        <p:nvSpPr>
-          <p:cNvPr id="9" name="文本框 8"/>
-          <p:cNvSpPr txBox="1"/>
+      <p:grpSp>
+        <p:nvGrpSpPr>
+          <p:cNvPr id="17" name="组合 16"/>
+          <p:cNvGrpSpPr/>
           <p:nvPr/>
-        </p:nvSpPr>
-        <p:spPr>
-          <a:xfrm>
-            <a:off x="519430" y="4549775"/>
-            <a:ext cx="2767965" cy="368300"/>
-          </a:xfrm>
-          <a:prstGeom prst="rect">
-            <a:avLst/>
-          </a:prstGeom>
-          <a:noFill/>
-        </p:spPr>
-        <p:txBody>
-          <a:bodyPr wrap="square" rtlCol="0">
-            <a:spAutoFit/>
-          </a:bodyPr>
-          <a:p>
-            <a:r>
-              <a:rPr lang="en-US" altLang="zh-CN" b="1"/>
-              <a:t>Smoothness &amp; Sensitivity</a:t>
-            </a:r>
-            <a:endParaRPr lang="en-US" altLang="zh-CN" b="1"/>
-          </a:p>
-        </p:txBody>
-      </p:sp>
-      <p:pic>
-        <p:nvPicPr>
-          <p:cNvPr id="10" name="图片 9"/>
-          <p:cNvPicPr>
-            <a:picLocks noChangeAspect="1"/>
-          </p:cNvPicPr>
-          <p:nvPr/>
-        </p:nvPicPr>
-        <p:blipFill>
-          <a:blip r:embed="rId2"/>
-          <a:stretch>
-            <a:fillRect/>
-          </a:stretch>
-        </p:blipFill>
-        <p:spPr>
-          <a:xfrm>
-            <a:off x="3156585" y="4373880"/>
-            <a:ext cx="5878830" cy="740410"/>
-          </a:xfrm>
-          <a:prstGeom prst="rect">
-            <a:avLst/>
-          </a:prstGeom>
-        </p:spPr>
-      </p:pic>
+        </p:nvGrpSpPr>
+        <p:grpSpPr>
+          <a:xfrm>
+            <a:off x="381635" y="5277485"/>
+            <a:ext cx="8516620" cy="740410"/>
+            <a:chOff x="818" y="6872"/>
+            <a:chExt cx="13412" cy="1166"/>
+          </a:xfrm>
+        </p:grpSpPr>
+        <p:sp>
+          <p:nvSpPr>
+            <p:cNvPr id="9" name="文本框 8"/>
+            <p:cNvSpPr txBox="1"/>
+            <p:nvPr/>
+          </p:nvSpPr>
+          <p:spPr>
+            <a:xfrm>
+              <a:off x="818" y="7165"/>
+              <a:ext cx="4359" cy="580"/>
+            </a:xfrm>
+            <a:prstGeom prst="rect">
+              <a:avLst/>
+            </a:prstGeom>
+            <a:noFill/>
+          </p:spPr>
+          <p:txBody>
+            <a:bodyPr wrap="square" rtlCol="0">
+              <a:spAutoFit/>
+            </a:bodyPr>
+            <a:p>
+              <a:r>
+                <a:rPr lang="en-US" altLang="zh-CN" b="1"/>
+                <a:t>Smoothness &amp; Sensitivity</a:t>
+              </a:r>
+              <a:endParaRPr lang="en-US" altLang="zh-CN" b="1"/>
+            </a:p>
+          </p:txBody>
+        </p:sp>
+        <p:pic>
+          <p:nvPicPr>
+            <p:cNvPr id="10" name="图片 9"/>
+            <p:cNvPicPr>
+              <a:picLocks noChangeAspect="1"/>
+            </p:cNvPicPr>
+            <p:nvPr/>
+          </p:nvPicPr>
+          <p:blipFill>
+            <a:blip r:embed="rId2"/>
+            <a:stretch>
+              <a:fillRect/>
+            </a:stretch>
+          </p:blipFill>
+          <p:spPr>
+            <a:xfrm>
+              <a:off x="4972" y="6872"/>
+              <a:ext cx="9258" cy="1166"/>
+            </a:xfrm>
+            <a:prstGeom prst="rect">
+              <a:avLst/>
+            </a:prstGeom>
+          </p:spPr>
+        </p:pic>
+      </p:grpSp>
       <p:pic>
         <p:nvPicPr>
           <p:cNvPr id="11" name="图片 10"/>
